--- a/DIAL/DIAL_Delfi_2017_Vortrag.pptx
+++ b/DIAL/DIAL_Delfi_2017_Vortrag.pptx
@@ -5,20 +5,21 @@
     <p:sldMasterId id="2147483660" r:id="rId1"/>
   </p:sldMasterIdLst>
   <p:notesMasterIdLst>
-    <p:notesMasterId r:id="rId13"/>
+    <p:notesMasterId r:id="rId14"/>
   </p:notesMasterIdLst>
   <p:sldIdLst>
     <p:sldId id="260" r:id="rId2"/>
     <p:sldId id="284" r:id="rId3"/>
     <p:sldId id="285" r:id="rId4"/>
-    <p:sldId id="286" r:id="rId5"/>
-    <p:sldId id="287" r:id="rId6"/>
-    <p:sldId id="282" r:id="rId7"/>
-    <p:sldId id="279" r:id="rId8"/>
-    <p:sldId id="281" r:id="rId9"/>
-    <p:sldId id="274" r:id="rId10"/>
+    <p:sldId id="288" r:id="rId5"/>
+    <p:sldId id="282" r:id="rId6"/>
+    <p:sldId id="293" r:id="rId7"/>
+    <p:sldId id="291" r:id="rId8"/>
+    <p:sldId id="289" r:id="rId9"/>
+    <p:sldId id="281" r:id="rId10"/>
     <p:sldId id="283" r:id="rId11"/>
-    <p:sldId id="269" r:id="rId12"/>
+    <p:sldId id="274" r:id="rId12"/>
+    <p:sldId id="294" r:id="rId13"/>
   </p:sldIdLst>
   <p:sldSz cx="9144000" cy="6858000" type="screen4x3"/>
   <p:notesSz cx="6858000" cy="9144000"/>
@@ -207,7 +208,7 @@
           <a:p>
             <a:fld id="{FD798601-B567-4418-90E6-6A3C1F1D0B26}" type="datetimeFigureOut">
               <a:rPr lang="de-DE" smtClean="0"/>
-              <a:t>30.08.2017</a:t>
+              <a:t>31.08.2017</a:t>
             </a:fld>
             <a:endParaRPr lang="de-DE"/>
           </a:p>
@@ -519,6 +520,249 @@
           <a:bodyPr/>
           <a:lstStyle/>
           <a:p>
+            <a:r>
+              <a:rPr lang="de-DE" dirty="0" smtClean="0"/>
+              <a:t>Trennung von Medien-Daten</a:t>
+            </a:r>
+            <a:r>
+              <a:rPr lang="de-DE" baseline="0" dirty="0" smtClean="0"/>
+              <a:t> und Interaktions-Daten</a:t>
+            </a:r>
+          </a:p>
+          <a:p>
+            <a:endParaRPr lang="de-DE" dirty="0" smtClean="0"/>
+          </a:p>
+          <a:p>
+            <a:endParaRPr lang="de-DE" dirty="0" smtClean="0"/>
+          </a:p>
+          <a:p>
+            <a:r>
+              <a:rPr lang="de-DE" dirty="0" smtClean="0"/>
+              <a:t>Das prinzipielle Schema einer Live-Übertragung einer Vorlesung sieht vor, dass sich die </a:t>
+            </a:r>
+          </a:p>
+          <a:p>
+            <a:r>
+              <a:rPr lang="de-DE" dirty="0" smtClean="0"/>
+              <a:t>Teilnehmergruppen in mehreren Räumen verteilt befinden (siehe Abb. 1). </a:t>
+            </a:r>
+          </a:p>
+          <a:p>
+            <a:endParaRPr lang="de-DE" dirty="0" smtClean="0"/>
+          </a:p>
+          <a:p>
+            <a:r>
+              <a:rPr lang="de-DE" dirty="0" smtClean="0"/>
+              <a:t>DIAL basiert </a:t>
+            </a:r>
+          </a:p>
+          <a:p>
+            <a:r>
+              <a:rPr lang="de-DE" dirty="0" smtClean="0"/>
+              <a:t>dazu  auf  einem  Webkonferenzsystem,  welches  die  Verarbeitung  der  </a:t>
+            </a:r>
+            <a:r>
+              <a:rPr lang="de-DE" dirty="0" err="1" smtClean="0"/>
+              <a:t>Medienstreams</a:t>
+            </a:r>
+            <a:r>
+              <a:rPr lang="de-DE" dirty="0" smtClean="0"/>
+              <a:t> </a:t>
+            </a:r>
+          </a:p>
+          <a:p>
+            <a:r>
+              <a:rPr lang="de-DE" dirty="0" smtClean="0"/>
+              <a:t>(Audio- und Videosignale) sowie die Kommunikation aller Teilnehmer steuert. In jedem </a:t>
+            </a:r>
+          </a:p>
+          <a:p>
+            <a:r>
+              <a:rPr lang="de-DE" dirty="0" smtClean="0"/>
+              <a:t>Veranstaltungsraum tritt ein technischer Supportmitarbeiter der initiierten </a:t>
+            </a:r>
+            <a:r>
+              <a:rPr lang="de-DE" dirty="0" err="1" smtClean="0"/>
+              <a:t>Konferenzsit</a:t>
+            </a:r>
+            <a:r>
+              <a:rPr lang="de-DE" dirty="0" smtClean="0"/>
+              <a:t>-</a:t>
+            </a:r>
+          </a:p>
+          <a:p>
+            <a:r>
+              <a:rPr lang="de-DE" dirty="0" err="1" smtClean="0"/>
+              <a:t>zung</a:t>
+            </a:r>
+            <a:r>
+              <a:rPr lang="de-DE" dirty="0" smtClean="0"/>
+              <a:t> bei und </a:t>
+            </a:r>
+            <a:r>
+              <a:rPr lang="de-DE" dirty="0" err="1" smtClean="0"/>
+              <a:t>streamt</a:t>
+            </a:r>
+            <a:r>
+              <a:rPr lang="de-DE" dirty="0" smtClean="0"/>
+              <a:t> die übertragenen Sitzungsdaten über einen </a:t>
+            </a:r>
+            <a:r>
+              <a:rPr lang="de-DE" dirty="0" err="1" smtClean="0"/>
+              <a:t>Beamer</a:t>
+            </a:r>
+            <a:r>
+              <a:rPr lang="de-DE" dirty="0" smtClean="0"/>
+              <a:t> und </a:t>
+            </a:r>
+            <a:r>
+              <a:rPr lang="de-DE" dirty="0" err="1" smtClean="0"/>
+              <a:t>Lautspre</a:t>
+            </a:r>
+            <a:r>
+              <a:rPr lang="de-DE" dirty="0" smtClean="0"/>
+              <a:t>-</a:t>
+            </a:r>
+          </a:p>
+          <a:p>
+            <a:r>
+              <a:rPr lang="de-DE" dirty="0" err="1" smtClean="0"/>
+              <a:t>cher</a:t>
+            </a:r>
+            <a:r>
+              <a:rPr lang="de-DE" dirty="0" smtClean="0"/>
+              <a:t>  zum  Auditorium.  Die  Nutzer  im  Veranstaltungsraum  hören  den  Audiostrom  der </a:t>
+            </a:r>
+          </a:p>
+          <a:p>
+            <a:r>
+              <a:rPr lang="de-DE" dirty="0" smtClean="0"/>
+              <a:t>Dozierenden  und  können  über  die  Projektion  das  Whiteboard,  die Präsentationsfolien, </a:t>
+            </a:r>
+          </a:p>
+          <a:p>
+            <a:r>
+              <a:rPr lang="de-DE" dirty="0" smtClean="0"/>
+              <a:t>die geteilten Anwendungen, den Chat, das Videobild der Dozierenden und die Ergebnis-</a:t>
+            </a:r>
+          </a:p>
+          <a:p>
+            <a:r>
+              <a:rPr lang="de-DE" dirty="0" smtClean="0"/>
+              <a:t>se von Umfragen sehen. Ob und wann diese Inhalte geteilt werden, entscheiden die Do-</a:t>
+            </a:r>
+          </a:p>
+          <a:p>
+            <a:r>
+              <a:rPr lang="de-DE" dirty="0" smtClean="0"/>
+              <a:t>zierenden, die der Sitzung mit Moderationsrechten beitreten. Die Lehrveranstaltung wird </a:t>
+            </a:r>
+          </a:p>
+          <a:p>
+            <a:r>
+              <a:rPr lang="de-DE" dirty="0" smtClean="0"/>
+              <a:t>entweder in einem der Veranstaltungsräume oder dezentral gehalten. </a:t>
+            </a:r>
+          </a:p>
+          <a:p>
+            <a:r>
+              <a:rPr lang="de-DE" dirty="0" smtClean="0"/>
+              <a:t>Damit eine Übertragung von  Informationen von Studierenden zu Dozierenden </a:t>
+            </a:r>
+            <a:r>
+              <a:rPr lang="de-DE" dirty="0" err="1" smtClean="0"/>
+              <a:t>stattfin</a:t>
+            </a:r>
+            <a:r>
+              <a:rPr lang="de-DE" dirty="0" smtClean="0"/>
+              <a:t>-</a:t>
+            </a:r>
+          </a:p>
+          <a:p>
+            <a:r>
+              <a:rPr lang="de-DE" dirty="0" err="1" smtClean="0"/>
+              <a:t>det</a:t>
+            </a:r>
+            <a:r>
+              <a:rPr lang="de-DE" dirty="0" smtClean="0"/>
+              <a:t>, wird die Kommunikation durch DIAL erweitert. Hierbei nutzen die Studierenden im </a:t>
+            </a:r>
+          </a:p>
+          <a:p>
+            <a:r>
+              <a:rPr lang="de-DE" dirty="0" smtClean="0"/>
+              <a:t>Auditorium ihre privaten Endgeräte (z.B. Smartphones oder Tablets), um </a:t>
+            </a:r>
+            <a:r>
+              <a:rPr lang="de-DE" dirty="0" err="1" smtClean="0"/>
+              <a:t>Chatnachrich</a:t>
+            </a:r>
+            <a:r>
+              <a:rPr lang="de-DE" dirty="0" smtClean="0"/>
+              <a:t>-</a:t>
+            </a:r>
+          </a:p>
+          <a:p>
+            <a:r>
+              <a:rPr lang="de-DE" dirty="0" err="1" smtClean="0"/>
+              <a:t>ten</a:t>
+            </a:r>
+            <a:r>
+              <a:rPr lang="de-DE" dirty="0" smtClean="0"/>
+              <a:t> zu lesen bzw. zu schreiben oder an Umfragen teilzunehmen. Diese </a:t>
+            </a:r>
+            <a:r>
+              <a:rPr lang="de-DE" dirty="0" err="1" smtClean="0"/>
+              <a:t>Nutzerinteraktio</a:t>
+            </a:r>
+            <a:r>
+              <a:rPr lang="de-DE" dirty="0" smtClean="0"/>
+              <a:t>-</a:t>
+            </a:r>
+          </a:p>
+          <a:p>
+            <a:r>
+              <a:rPr lang="de-DE" dirty="0" err="1" smtClean="0"/>
+              <a:t>nen</a:t>
+            </a:r>
+            <a:r>
+              <a:rPr lang="de-DE" dirty="0" smtClean="0"/>
+              <a:t> umfassen i. Allg. nur wenige Kilobyte und belasten das Mobilfunknetz oder Hoch-</a:t>
+            </a:r>
+          </a:p>
+          <a:p>
+            <a:r>
+              <a:rPr lang="de-DE" dirty="0" smtClean="0"/>
+              <a:t>schul-WLAN nur gering. Im Vorfeld durchgeführte Skalierungs- und Lasttests mit </a:t>
+            </a:r>
+            <a:r>
+              <a:rPr lang="de-DE" dirty="0" err="1" smtClean="0"/>
+              <a:t>simu</a:t>
+            </a:r>
+            <a:r>
+              <a:rPr lang="de-DE" dirty="0" smtClean="0"/>
+              <a:t>-</a:t>
+            </a:r>
+          </a:p>
+          <a:p>
+            <a:r>
+              <a:rPr lang="de-DE" dirty="0" err="1" smtClean="0"/>
+              <a:t>lierten</a:t>
+            </a:r>
+            <a:r>
+              <a:rPr lang="de-DE" dirty="0" smtClean="0"/>
+              <a:t> Nutzen ließen außerdem erkennen, dass eine Teilnahme mehrerer Hundert Studie-</a:t>
+            </a:r>
+          </a:p>
+          <a:p>
+            <a:r>
+              <a:rPr lang="de-DE" dirty="0" err="1" smtClean="0"/>
+              <a:t>render</a:t>
+            </a:r>
+            <a:r>
+              <a:rPr lang="de-DE" dirty="0" smtClean="0"/>
+              <a:t> mit vorhandener Infrastruktur problemlos möglich ist (vgl. [Ka16] Kapitel 7). </a:t>
+            </a:r>
             <a:endParaRPr lang="de-DE" dirty="0"/>
           </a:p>
         </p:txBody>
@@ -549,7 +793,7 @@
     </p:spTree>
     <p:extLst>
       <p:ext uri="{BB962C8B-B14F-4D97-AF65-F5344CB8AC3E}">
-        <p14:creationId xmlns:p14="http://schemas.microsoft.com/office/powerpoint/2010/main" val="463784371"/>
+        <p14:creationId xmlns:p14="http://schemas.microsoft.com/office/powerpoint/2010/main" val="2277621079"/>
       </p:ext>
     </p:extLst>
   </p:cSld>
@@ -876,7 +1120,7 @@
     </p:spTree>
     <p:extLst>
       <p:ext uri="{BB962C8B-B14F-4D97-AF65-F5344CB8AC3E}">
-        <p14:creationId xmlns:p14="http://schemas.microsoft.com/office/powerpoint/2010/main" val="2277621079"/>
+        <p14:creationId xmlns:p14="http://schemas.microsoft.com/office/powerpoint/2010/main" val="8837426"/>
       </p:ext>
     </p:extLst>
   </p:cSld>
@@ -1136,7 +1380,7 @@
           <a:p>
             <a:fld id="{FD87080C-DF5D-4508-8D57-52E64401F1ED}" type="slidenum">
               <a:rPr lang="de-DE" smtClean="0"/>
-              <a:t>8</a:t>
+              <a:t>9</a:t>
             </a:fld>
             <a:endParaRPr lang="de-DE"/>
           </a:p>
@@ -1286,7 +1530,7 @@
           <a:p>
             <a:fld id="{1E13E174-3914-4D58-9E24-2A0CC84D465E}" type="datetimeFigureOut">
               <a:rPr lang="de-DE" smtClean="0"/>
-              <a:t>30.08.2017</a:t>
+              <a:t>31.08.2017</a:t>
             </a:fld>
             <a:endParaRPr lang="de-DE"/>
           </a:p>
@@ -1463,7 +1707,7 @@
           <a:p>
             <a:fld id="{1E13E174-3914-4D58-9E24-2A0CC84D465E}" type="datetimeFigureOut">
               <a:rPr lang="de-DE" smtClean="0"/>
-              <a:t>30.08.2017</a:t>
+              <a:t>31.08.2017</a:t>
             </a:fld>
             <a:endParaRPr lang="de-DE"/>
           </a:p>
@@ -1643,7 +1887,7 @@
           <a:p>
             <a:fld id="{1E13E174-3914-4D58-9E24-2A0CC84D465E}" type="datetimeFigureOut">
               <a:rPr lang="de-DE" smtClean="0"/>
-              <a:t>30.08.2017</a:t>
+              <a:t>31.08.2017</a:t>
             </a:fld>
             <a:endParaRPr lang="de-DE"/>
           </a:p>
@@ -2152,7 +2396,7 @@
           <a:p>
             <a:fld id="{1E13E174-3914-4D58-9E24-2A0CC84D465E}" type="datetimeFigureOut">
               <a:rPr lang="de-DE" smtClean="0"/>
-              <a:t>30.08.2017</a:t>
+              <a:t>31.08.2017</a:t>
             </a:fld>
             <a:endParaRPr lang="de-DE"/>
           </a:p>
@@ -2391,7 +2635,7 @@
           <a:p>
             <a:fld id="{1E13E174-3914-4D58-9E24-2A0CC84D465E}" type="datetimeFigureOut">
               <a:rPr lang="de-DE" smtClean="0"/>
-              <a:t>30.08.2017</a:t>
+              <a:t>31.08.2017</a:t>
             </a:fld>
             <a:endParaRPr lang="de-DE"/>
           </a:p>
@@ -2758,7 +3002,7 @@
           <a:p>
             <a:fld id="{1E13E174-3914-4D58-9E24-2A0CC84D465E}" type="datetimeFigureOut">
               <a:rPr lang="de-DE" smtClean="0"/>
-              <a:t>30.08.2017</a:t>
+              <a:t>31.08.2017</a:t>
             </a:fld>
             <a:endParaRPr lang="de-DE"/>
           </a:p>
@@ -2876,7 +3120,7 @@
           <a:p>
             <a:fld id="{1E13E174-3914-4D58-9E24-2A0CC84D465E}" type="datetimeFigureOut">
               <a:rPr lang="de-DE" smtClean="0"/>
-              <a:t>30.08.2017</a:t>
+              <a:t>31.08.2017</a:t>
             </a:fld>
             <a:endParaRPr lang="de-DE"/>
           </a:p>
@@ -2971,7 +3215,7 @@
           <a:p>
             <a:fld id="{1E13E174-3914-4D58-9E24-2A0CC84D465E}" type="datetimeFigureOut">
               <a:rPr lang="de-DE" smtClean="0"/>
-              <a:t>30.08.2017</a:t>
+              <a:t>31.08.2017</a:t>
             </a:fld>
             <a:endParaRPr lang="de-DE"/>
           </a:p>
@@ -3248,7 +3492,7 @@
           <a:p>
             <a:fld id="{1E13E174-3914-4D58-9E24-2A0CC84D465E}" type="datetimeFigureOut">
               <a:rPr lang="de-DE" smtClean="0"/>
-              <a:t>30.08.2017</a:t>
+              <a:t>31.08.2017</a:t>
             </a:fld>
             <a:endParaRPr lang="de-DE"/>
           </a:p>
@@ -3505,7 +3749,7 @@
           <a:p>
             <a:fld id="{1E13E174-3914-4D58-9E24-2A0CC84D465E}" type="datetimeFigureOut">
               <a:rPr lang="de-DE" smtClean="0"/>
-              <a:t>30.08.2017</a:t>
+              <a:t>31.08.2017</a:t>
             </a:fld>
             <a:endParaRPr lang="de-DE"/>
           </a:p>
@@ -3718,7 +3962,7 @@
           <a:p>
             <a:fld id="{1E13E174-3914-4D58-9E24-2A0CC84D465E}" type="datetimeFigureOut">
               <a:rPr lang="de-DE" smtClean="0"/>
-              <a:t>30.08.2017</a:t>
+              <a:t>31.08.2017</a:t>
             </a:fld>
             <a:endParaRPr lang="de-DE"/>
           </a:p>
@@ -4435,7 +4679,15 @@
           <a:p>
             <a:r>
               <a:rPr lang="de-DE" dirty="0" smtClean="0"/>
-              <a:t>DIAL: Web-Anwendung (Screenshots)</a:t>
+              <a:t>DIAL: </a:t>
+            </a:r>
+            <a:r>
+              <a:rPr lang="de-DE" dirty="0" smtClean="0"/>
+              <a:t>Web-App </a:t>
+            </a:r>
+            <a:r>
+              <a:rPr lang="de-DE" dirty="0" smtClean="0"/>
+              <a:t>(Screenshots)</a:t>
             </a:r>
             <a:endParaRPr lang="de-DE" dirty="0"/>
           </a:p>
@@ -4749,6 +5001,109 @@
           <a:p>
             <a:r>
               <a:rPr lang="de-DE" dirty="0" smtClean="0"/>
+              <a:t>Evaluation</a:t>
+            </a:r>
+            <a:endParaRPr lang="de-DE" dirty="0"/>
+          </a:p>
+        </p:txBody>
+      </p:sp>
+      <p:sp>
+        <p:nvSpPr>
+          <p:cNvPr id="3" name="Inhaltsplatzhalter 2"/>
+          <p:cNvSpPr>
+            <a:spLocks noGrp="1"/>
+          </p:cNvSpPr>
+          <p:nvPr>
+            <p:ph idx="1"/>
+          </p:nvPr>
+        </p:nvSpPr>
+        <p:spPr/>
+        <p:txBody>
+          <a:bodyPr/>
+          <a:lstStyle/>
+          <a:p>
+            <a:endParaRPr lang="de-DE"/>
+          </a:p>
+        </p:txBody>
+      </p:sp>
+      <p:pic>
+        <p:nvPicPr>
+          <p:cNvPr id="4" name="Grafik 3"/>
+          <p:cNvPicPr>
+            <a:picLocks noChangeAspect="1"/>
+          </p:cNvPicPr>
+          <p:nvPr/>
+        </p:nvPicPr>
+        <p:blipFill>
+          <a:blip r:embed="rId2"/>
+          <a:stretch>
+            <a:fillRect/>
+          </a:stretch>
+        </p:blipFill>
+        <p:spPr>
+          <a:xfrm>
+            <a:off x="0" y="961293"/>
+            <a:ext cx="9081581" cy="3900745"/>
+          </a:xfrm>
+          <a:prstGeom prst="rect">
+            <a:avLst/>
+          </a:prstGeom>
+        </p:spPr>
+      </p:pic>
+    </p:spTree>
+    <p:extLst>
+      <p:ext uri="{BB962C8B-B14F-4D97-AF65-F5344CB8AC3E}">
+        <p14:creationId xmlns:p14="http://schemas.microsoft.com/office/powerpoint/2010/main" val="1890652175"/>
+      </p:ext>
+    </p:extLst>
+  </p:cSld>
+  <p:clrMapOvr>
+    <a:masterClrMapping/>
+  </p:clrMapOvr>
+  <p:timing>
+    <p:tnLst>
+      <p:par>
+        <p:cTn id="1" dur="indefinite" restart="never" nodeType="tmRoot"/>
+      </p:par>
+    </p:tnLst>
+  </p:timing>
+</p:sld>
+</file>
+
+<file path=ppt/slides/slide12.xml><?xml version="1.0" encoding="utf-8"?>
+<p:sld xmlns:a="http://schemas.openxmlformats.org/drawingml/2006/main" xmlns:r="http://schemas.openxmlformats.org/officeDocument/2006/relationships" xmlns:p="http://schemas.openxmlformats.org/presentationml/2006/main">
+  <p:cSld>
+    <p:spTree>
+      <p:nvGrpSpPr>
+        <p:cNvPr id="1" name=""/>
+        <p:cNvGrpSpPr/>
+        <p:nvPr/>
+      </p:nvGrpSpPr>
+      <p:grpSpPr>
+        <a:xfrm>
+          <a:off x="0" y="0"/>
+          <a:ext cx="0" cy="0"/>
+          <a:chOff x="0" y="0"/>
+          <a:chExt cx="0" cy="0"/>
+        </a:xfrm>
+      </p:grpSpPr>
+      <p:sp>
+        <p:nvSpPr>
+          <p:cNvPr id="2" name="Titel 1"/>
+          <p:cNvSpPr>
+            <a:spLocks noGrp="1"/>
+          </p:cNvSpPr>
+          <p:nvPr>
+            <p:ph type="title"/>
+          </p:nvPr>
+        </p:nvSpPr>
+        <p:spPr/>
+        <p:txBody>
+          <a:bodyPr/>
+          <a:lstStyle/>
+          <a:p>
+            <a:r>
+              <a:rPr lang="de-DE" dirty="0" smtClean="0"/>
               <a:t>Zusammenfassung</a:t>
             </a:r>
             <a:endParaRPr lang="de-DE" dirty="0"/>
@@ -4772,16 +5127,89 @@
           </a:bodyPr>
           <a:lstStyle/>
           <a:p>
+            <a:r>
+              <a:rPr lang="de-DE" dirty="0"/>
+              <a:t>DIAL = </a:t>
+            </a:r>
+            <a:r>
+              <a:rPr lang="de-DE" u="sng" dirty="0"/>
+              <a:t>D</a:t>
+            </a:r>
+            <a:r>
+              <a:rPr lang="de-DE" dirty="0"/>
+              <a:t>istributed </a:t>
+            </a:r>
+            <a:r>
+              <a:rPr lang="de-DE" u="sng" dirty="0" err="1"/>
+              <a:t>I</a:t>
+            </a:r>
+            <a:r>
+              <a:rPr lang="de-DE" dirty="0" err="1"/>
+              <a:t>nterActive</a:t>
+            </a:r>
+            <a:r>
+              <a:rPr lang="de-DE" dirty="0"/>
+              <a:t> </a:t>
+            </a:r>
+            <a:r>
+              <a:rPr lang="de-DE" u="sng" dirty="0" err="1"/>
+              <a:t>L</a:t>
+            </a:r>
+            <a:r>
+              <a:rPr lang="de-DE" dirty="0" err="1"/>
+              <a:t>ecture</a:t>
+            </a:r>
+            <a:endParaRPr lang="de-DE" dirty="0"/>
+          </a:p>
+          <a:p>
             <a:endParaRPr lang="de-DE" dirty="0" smtClean="0"/>
           </a:p>
           <a:p>
+            <a:r>
+              <a:rPr lang="de-DE" dirty="0" smtClean="0"/>
+              <a:t>Einsatz eines Web-Konferenz-Systems (</a:t>
+            </a:r>
+            <a:r>
+              <a:rPr lang="de-DE" dirty="0" err="1" smtClean="0"/>
+              <a:t>BigBlueButton</a:t>
+            </a:r>
+            <a:r>
+              <a:rPr lang="de-DE" smtClean="0"/>
+              <a:t>) für </a:t>
+            </a:r>
+            <a:r>
+              <a:rPr lang="de-DE" dirty="0"/>
+              <a:t>einfache und skalierbare Live-Übertragung von </a:t>
+            </a:r>
+            <a:r>
+              <a:rPr lang="de-DE" dirty="0" smtClean="0"/>
+              <a:t>Vorlesungen</a:t>
+            </a:r>
             <a:endParaRPr lang="de-DE" dirty="0"/>
+          </a:p>
+          <a:p>
+            <a:r>
+              <a:rPr lang="de-DE" dirty="0" smtClean="0"/>
+              <a:t>Erweiterung von </a:t>
+            </a:r>
+            <a:r>
+              <a:rPr lang="de-DE" dirty="0" err="1" smtClean="0"/>
+              <a:t>BigBlueButton</a:t>
+            </a:r>
+            <a:r>
+              <a:rPr lang="de-DE" dirty="0"/>
+              <a:t> </a:t>
+            </a:r>
+            <a:r>
+              <a:rPr lang="de-DE" dirty="0" smtClean="0"/>
+              <a:t>um Schnittstelle und Web-App für Interaktion (Chat, Abstimmung) </a:t>
+            </a:r>
           </a:p>
         </p:txBody>
       </p:sp>
       <p:sp>
         <p:nvSpPr>
-          <p:cNvPr id="4" name="Rechtwinkliges Dreieck 3"/>
+          <p:cNvPr id="5" name="Rechtwinkliges Dreieck 4"/>
           <p:cNvSpPr/>
           <p:nvPr/>
         </p:nvSpPr>
@@ -4821,7 +5249,7 @@
       </p:sp>
       <p:sp>
         <p:nvSpPr>
-          <p:cNvPr id="5" name="Textfeld 4"/>
+          <p:cNvPr id="6" name="Textfeld 5"/>
           <p:cNvSpPr txBox="1"/>
           <p:nvPr/>
         </p:nvSpPr>
@@ -4860,21 +5288,13 @@
     </p:spTree>
     <p:extLst>
       <p:ext uri="{BB962C8B-B14F-4D97-AF65-F5344CB8AC3E}">
-        <p14:creationId xmlns:p14="http://schemas.microsoft.com/office/powerpoint/2010/main" val="4093248823"/>
+        <p14:creationId xmlns:p14="http://schemas.microsoft.com/office/powerpoint/2010/main" val="521107765"/>
       </p:ext>
     </p:extLst>
   </p:cSld>
   <p:clrMapOvr>
     <a:masterClrMapping/>
   </p:clrMapOvr>
-  <mc:AlternateContent xmlns:mc="http://schemas.openxmlformats.org/markup-compatibility/2006" xmlns:p14="http://schemas.microsoft.com/office/powerpoint/2010/main">
-    <mc:Choice Requires="p14">
-      <p:transition spd="slow" p14:dur="2000"/>
-    </mc:Choice>
-    <mc:Fallback xmlns="">
-      <p:transition spd="slow"/>
-    </mc:Fallback>
-  </mc:AlternateContent>
   <p:timing>
     <p:tnLst>
       <p:par>
@@ -4909,7 +5329,7 @@
                                           </p:stCondLst>
                                         </p:cTn>
                                         <p:tgtEl>
-                                          <p:spTgt spid="4"/>
+                                          <p:spTgt spid="5"/>
                                         </p:tgtEl>
                                         <p:attrNameLst>
                                           <p:attrName>style.visibility</p:attrName>
@@ -4936,7 +5356,7 @@
                                           </p:stCondLst>
                                         </p:cTn>
                                         <p:tgtEl>
-                                          <p:spTgt spid="5"/>
+                                          <p:spTgt spid="6"/>
                                         </p:tgtEl>
                                         <p:attrNameLst>
                                           <p:attrName>style.visibility</p:attrName>
@@ -4977,8 +5397,8 @@
       </p:par>
     </p:tnLst>
     <p:bldLst>
-      <p:bldP spid="4" grpId="0" animBg="1"/>
-      <p:bldP spid="5" grpId="0"/>
+      <p:bldP spid="5" grpId="0" animBg="1"/>
+      <p:bldP spid="6" grpId="0"/>
     </p:bldLst>
   </p:timing>
 </p:sld>
@@ -5465,7 +5885,26 @@
           <a:bodyPr/>
           <a:lstStyle/>
           <a:p>
-            <a:endParaRPr lang="de-DE"/>
+            <a:r>
+              <a:rPr lang="de-DE" dirty="0" smtClean="0"/>
+              <a:t>Was brauchen wir?</a:t>
+            </a:r>
+          </a:p>
+          <a:p>
+            <a:endParaRPr lang="de-DE" dirty="0"/>
+          </a:p>
+          <a:p>
+            <a:endParaRPr lang="de-DE" dirty="0" smtClean="0"/>
+          </a:p>
+          <a:p>
+            <a:endParaRPr lang="de-DE" dirty="0"/>
+          </a:p>
+          <a:p>
+            <a:r>
+              <a:rPr lang="de-DE" dirty="0" smtClean="0"/>
+              <a:t>… das kennen wir doch von einem Web-Konferenzsystem</a:t>
+            </a:r>
+            <a:endParaRPr lang="de-DE" dirty="0"/>
           </a:p>
         </p:txBody>
       </p:sp>
@@ -5518,12 +5957,107 @@
         </p:nvSpPr>
         <p:spPr/>
         <p:txBody>
-          <a:bodyPr/>
+          <a:bodyPr>
+            <a:normAutofit/>
+          </a:bodyPr>
           <a:lstStyle/>
           <a:p>
             <a:r>
               <a:rPr lang="de-DE" dirty="0" smtClean="0"/>
-              <a:t>Agenda</a:t>
+              <a:t>Web-Konferenz-System (</a:t>
+            </a:r>
+            <a:r>
+              <a:rPr lang="de-DE" dirty="0" err="1" smtClean="0"/>
+              <a:t>Bsp</a:t>
+            </a:r>
+            <a:r>
+              <a:rPr lang="de-DE" dirty="0" smtClean="0"/>
+              <a:t>: </a:t>
+            </a:r>
+            <a:r>
+              <a:rPr lang="de-DE" dirty="0" err="1" smtClean="0"/>
+              <a:t>BigBlueButton</a:t>
+            </a:r>
+            <a:r>
+              <a:rPr lang="de-DE" dirty="0" smtClean="0"/>
+              <a:t>)</a:t>
+            </a:r>
+            <a:endParaRPr lang="de-DE" dirty="0"/>
+          </a:p>
+        </p:txBody>
+      </p:sp>
+      <p:pic>
+        <p:nvPicPr>
+          <p:cNvPr id="4" name="Inhaltsplatzhalter 3"/>
+          <p:cNvPicPr>
+            <a:picLocks noGrp="1" noChangeAspect="1"/>
+          </p:cNvPicPr>
+          <p:nvPr>
+            <p:ph idx="1"/>
+          </p:nvPr>
+        </p:nvPicPr>
+        <p:blipFill>
+          <a:blip r:embed="rId2" cstate="print">
+            <a:extLst>
+              <a:ext uri="{28A0092B-C50C-407E-A947-70E740481C1C}">
+                <a14:useLocalDpi xmlns:a14="http://schemas.microsoft.com/office/drawing/2010/main" val="0"/>
+              </a:ext>
+            </a:extLst>
+          </a:blip>
+          <a:stretch>
+            <a:fillRect/>
+          </a:stretch>
+        </p:blipFill>
+        <p:spPr>
+          <a:xfrm>
+            <a:off x="89340" y="1109440"/>
+            <a:ext cx="8965319" cy="5003493"/>
+          </a:xfrm>
+        </p:spPr>
+      </p:pic>
+      <p:sp>
+        <p:nvSpPr>
+          <p:cNvPr id="5" name="Abgerundete rechteckige Legende 4"/>
+          <p:cNvSpPr/>
+          <p:nvPr/>
+        </p:nvSpPr>
+        <p:spPr>
+          <a:xfrm>
+            <a:off x="524933" y="2980266"/>
+            <a:ext cx="1490133" cy="635000"/>
+          </a:xfrm>
+          <a:prstGeom prst="wedgeRoundRectCallout">
+            <a:avLst>
+              <a:gd name="adj1" fmla="val -33901"/>
+              <a:gd name="adj2" fmla="val -92167"/>
+              <a:gd name="adj3" fmla="val 16667"/>
+            </a:avLst>
+          </a:prstGeom>
+        </p:spPr>
+        <p:style>
+          <a:lnRef idx="2">
+            <a:schemeClr val="accent1">
+              <a:shade val="50000"/>
+            </a:schemeClr>
+          </a:lnRef>
+          <a:fillRef idx="1">
+            <a:schemeClr val="accent1"/>
+          </a:fillRef>
+          <a:effectRef idx="0">
+            <a:schemeClr val="accent1"/>
+          </a:effectRef>
+          <a:fontRef idx="minor">
+            <a:schemeClr val="lt1"/>
+          </a:fontRef>
+        </p:style>
+        <p:txBody>
+          <a:bodyPr rtlCol="0" anchor="ctr"/>
+          <a:lstStyle/>
+          <a:p>
+            <a:pPr algn="ctr"/>
+            <a:r>
+              <a:rPr lang="de-DE" dirty="0" smtClean="0"/>
+              <a:t>Liste der Teilnehmer</a:t>
             </a:r>
             <a:endParaRPr lang="de-DE" dirty="0"/>
           </a:p>
@@ -5531,27 +6065,294 @@
       </p:sp>
       <p:sp>
         <p:nvSpPr>
-          <p:cNvPr id="3" name="Inhaltsplatzhalter 2"/>
-          <p:cNvSpPr>
-            <a:spLocks noGrp="1"/>
-          </p:cNvSpPr>
-          <p:nvPr>
-            <p:ph idx="1"/>
-          </p:nvPr>
+          <p:cNvPr id="6" name="Abgerundete rechteckige Legende 5"/>
+          <p:cNvSpPr/>
+          <p:nvPr/>
         </p:nvSpPr>
-        <p:spPr/>
+        <p:spPr>
+          <a:xfrm>
+            <a:off x="1041400" y="3911599"/>
+            <a:ext cx="1540933" cy="635000"/>
+          </a:xfrm>
+          <a:prstGeom prst="wedgeRoundRectCallout">
+            <a:avLst>
+              <a:gd name="adj1" fmla="val -42424"/>
+              <a:gd name="adj2" fmla="val 99833"/>
+              <a:gd name="adj3" fmla="val 16667"/>
+            </a:avLst>
+          </a:prstGeom>
+        </p:spPr>
+        <p:style>
+          <a:lnRef idx="2">
+            <a:schemeClr val="accent1">
+              <a:shade val="50000"/>
+            </a:schemeClr>
+          </a:lnRef>
+          <a:fillRef idx="1">
+            <a:schemeClr val="accent1"/>
+          </a:fillRef>
+          <a:effectRef idx="0">
+            <a:schemeClr val="accent1"/>
+          </a:effectRef>
+          <a:fontRef idx="minor">
+            <a:schemeClr val="lt1"/>
+          </a:fontRef>
+        </p:style>
         <p:txBody>
-          <a:bodyPr/>
+          <a:bodyPr rtlCol="0" anchor="ctr"/>
           <a:lstStyle/>
           <a:p>
-            <a:endParaRPr lang="de-DE"/>
+            <a:pPr algn="ctr"/>
+            <a:r>
+              <a:rPr lang="de-DE" dirty="0" smtClean="0"/>
+              <a:t>Video / Audio</a:t>
+            </a:r>
+            <a:br>
+              <a:rPr lang="de-DE" dirty="0" smtClean="0"/>
+            </a:br>
+            <a:r>
+              <a:rPr lang="de-DE" dirty="0" smtClean="0"/>
+              <a:t> (Dozent)</a:t>
+            </a:r>
+            <a:endParaRPr lang="de-DE" dirty="0"/>
           </a:p>
         </p:txBody>
       </p:sp>
+      <p:sp>
+        <p:nvSpPr>
+          <p:cNvPr id="7" name="Abgerundete rechteckige Legende 6"/>
+          <p:cNvSpPr/>
+          <p:nvPr/>
+        </p:nvSpPr>
+        <p:spPr>
+          <a:xfrm>
+            <a:off x="4377267" y="1388532"/>
+            <a:ext cx="1540933" cy="635000"/>
+          </a:xfrm>
+          <a:prstGeom prst="wedgeRoundRectCallout">
+            <a:avLst>
+              <a:gd name="adj1" fmla="val -42424"/>
+              <a:gd name="adj2" fmla="val 99833"/>
+              <a:gd name="adj3" fmla="val 16667"/>
+            </a:avLst>
+          </a:prstGeom>
+        </p:spPr>
+        <p:style>
+          <a:lnRef idx="2">
+            <a:schemeClr val="accent1">
+              <a:shade val="50000"/>
+            </a:schemeClr>
+          </a:lnRef>
+          <a:fillRef idx="1">
+            <a:schemeClr val="accent1"/>
+          </a:fillRef>
+          <a:effectRef idx="0">
+            <a:schemeClr val="accent1"/>
+          </a:effectRef>
+          <a:fontRef idx="minor">
+            <a:schemeClr val="lt1"/>
+          </a:fontRef>
+        </p:style>
+        <p:txBody>
+          <a:bodyPr rtlCol="0" anchor="ctr"/>
+          <a:lstStyle/>
+          <a:p>
+            <a:pPr algn="ctr"/>
+            <a:r>
+              <a:rPr lang="de-DE" dirty="0" smtClean="0"/>
+              <a:t>Folien mit</a:t>
+            </a:r>
+            <a:br>
+              <a:rPr lang="de-DE" dirty="0" smtClean="0"/>
+            </a:br>
+            <a:r>
+              <a:rPr lang="de-DE" dirty="0" smtClean="0"/>
+              <a:t>Annotationen</a:t>
+            </a:r>
+            <a:endParaRPr lang="de-DE" dirty="0"/>
+          </a:p>
+        </p:txBody>
+      </p:sp>
+      <p:sp>
+        <p:nvSpPr>
+          <p:cNvPr id="8" name="Abgerundete rechteckige Legende 7"/>
+          <p:cNvSpPr/>
+          <p:nvPr/>
+        </p:nvSpPr>
+        <p:spPr>
+          <a:xfrm>
+            <a:off x="3259667" y="4648198"/>
+            <a:ext cx="1540933" cy="635000"/>
+          </a:xfrm>
+          <a:prstGeom prst="wedgeRoundRectCallout">
+            <a:avLst>
+              <a:gd name="adj1" fmla="val -42424"/>
+              <a:gd name="adj2" fmla="val 99833"/>
+              <a:gd name="adj3" fmla="val 16667"/>
+            </a:avLst>
+          </a:prstGeom>
+        </p:spPr>
+        <p:style>
+          <a:lnRef idx="2">
+            <a:schemeClr val="accent1">
+              <a:shade val="50000"/>
+            </a:schemeClr>
+          </a:lnRef>
+          <a:fillRef idx="1">
+            <a:schemeClr val="accent1"/>
+          </a:fillRef>
+          <a:effectRef idx="0">
+            <a:schemeClr val="accent1"/>
+          </a:effectRef>
+          <a:fontRef idx="minor">
+            <a:schemeClr val="lt1"/>
+          </a:fontRef>
+        </p:style>
+        <p:txBody>
+          <a:bodyPr rtlCol="0" anchor="ctr"/>
+          <a:lstStyle/>
+          <a:p>
+            <a:pPr algn="ctr"/>
+            <a:r>
+              <a:rPr lang="de-DE" dirty="0" smtClean="0"/>
+              <a:t>Umfragen</a:t>
+            </a:r>
+            <a:endParaRPr lang="de-DE" dirty="0"/>
+          </a:p>
+        </p:txBody>
+      </p:sp>
+      <p:sp>
+        <p:nvSpPr>
+          <p:cNvPr id="9" name="Abgerundete rechteckige Legende 8"/>
+          <p:cNvSpPr/>
+          <p:nvPr/>
+        </p:nvSpPr>
+        <p:spPr>
+          <a:xfrm>
+            <a:off x="6974417" y="3911599"/>
+            <a:ext cx="1540933" cy="635000"/>
+          </a:xfrm>
+          <a:prstGeom prst="wedgeRoundRectCallout">
+            <a:avLst>
+              <a:gd name="adj1" fmla="val -30886"/>
+              <a:gd name="adj2" fmla="val -92167"/>
+              <a:gd name="adj3" fmla="val 16667"/>
+            </a:avLst>
+          </a:prstGeom>
+        </p:spPr>
+        <p:style>
+          <a:lnRef idx="2">
+            <a:schemeClr val="accent1">
+              <a:shade val="50000"/>
+            </a:schemeClr>
+          </a:lnRef>
+          <a:fillRef idx="1">
+            <a:schemeClr val="accent1"/>
+          </a:fillRef>
+          <a:effectRef idx="0">
+            <a:schemeClr val="accent1"/>
+          </a:effectRef>
+          <a:fontRef idx="minor">
+            <a:schemeClr val="lt1"/>
+          </a:fontRef>
+        </p:style>
+        <p:txBody>
+          <a:bodyPr rtlCol="0" anchor="ctr"/>
+          <a:lstStyle/>
+          <a:p>
+            <a:pPr algn="ctr"/>
+            <a:r>
+              <a:rPr lang="de-DE" dirty="0" smtClean="0"/>
+              <a:t>Chat</a:t>
+            </a:r>
+            <a:endParaRPr lang="de-DE" dirty="0"/>
+          </a:p>
+        </p:txBody>
+      </p:sp>
+      <p:sp>
+        <p:nvSpPr>
+          <p:cNvPr id="10" name="Textfeld 9"/>
+          <p:cNvSpPr txBox="1"/>
+          <p:nvPr/>
+        </p:nvSpPr>
+        <p:spPr>
+          <a:xfrm>
+            <a:off x="4258733" y="6250801"/>
+            <a:ext cx="4428713" cy="276999"/>
+          </a:xfrm>
+          <a:prstGeom prst="rect">
+            <a:avLst/>
+          </a:prstGeom>
+          <a:noFill/>
+        </p:spPr>
+        <p:txBody>
+          <a:bodyPr wrap="none" rtlCol="0">
+            <a:spAutoFit/>
+          </a:bodyPr>
+          <a:lstStyle/>
+          <a:p>
+            <a:r>
+              <a:rPr lang="de-DE" sz="1200" dirty="0"/>
+              <a:t>https://bigbluebutton.org/2017/05/25/bigbluebutton-1-1-released/</a:t>
+            </a:r>
+          </a:p>
+        </p:txBody>
+      </p:sp>
+      <p:pic>
+        <p:nvPicPr>
+          <p:cNvPr id="13" name="Picture 6" descr="Datei:Bbb logo.png"/>
+          <p:cNvPicPr>
+            <a:picLocks noChangeAspect="1" noChangeArrowheads="1"/>
+          </p:cNvPicPr>
+          <p:nvPr/>
+        </p:nvPicPr>
+        <p:blipFill rotWithShape="1">
+          <a:blip r:embed="rId3">
+            <a:clrChange>
+              <a:clrFrom>
+                <a:srgbClr val="000000">
+                  <a:alpha val="0"/>
+                </a:srgbClr>
+              </a:clrFrom>
+              <a:clrTo>
+                <a:srgbClr val="000000">
+                  <a:alpha val="0"/>
+                </a:srgbClr>
+              </a:clrTo>
+            </a:clrChange>
+            <a:extLst>
+              <a:ext uri="{28A0092B-C50C-407E-A947-70E740481C1C}">
+                <a14:useLocalDpi xmlns:a14="http://schemas.microsoft.com/office/drawing/2010/main" val="0"/>
+              </a:ext>
+            </a:extLst>
+          </a:blip>
+          <a:srcRect r="75077"/>
+          <a:stretch/>
+        </p:blipFill>
+        <p:spPr bwMode="auto">
+          <a:xfrm>
+            <a:off x="8398198" y="319888"/>
+            <a:ext cx="614125" cy="602490"/>
+          </a:xfrm>
+          <a:prstGeom prst="rect">
+            <a:avLst/>
+          </a:prstGeom>
+          <a:noFill/>
+          <a:extLst>
+            <a:ext uri="{909E8E84-426E-40DD-AFC4-6F175D3DCCD1}">
+              <a14:hiddenFill xmlns:a14="http://schemas.microsoft.com/office/drawing/2010/main">
+                <a:solidFill>
+                  <a:srgbClr val="FFFFFF"/>
+                </a:solidFill>
+              </a14:hiddenFill>
+            </a:ext>
+          </a:extLst>
+        </p:spPr>
+      </p:pic>
     </p:spTree>
     <p:extLst>
       <p:ext uri="{BB962C8B-B14F-4D97-AF65-F5344CB8AC3E}">
-        <p14:creationId xmlns:p14="http://schemas.microsoft.com/office/powerpoint/2010/main" val="1733984517"/>
+        <p14:creationId xmlns:p14="http://schemas.microsoft.com/office/powerpoint/2010/main" val="2926357005"/>
       </p:ext>
     </p:extLst>
   </p:cSld>
@@ -5587,6 +6388,54 @@
       </p:grpSpPr>
       <p:sp>
         <p:nvSpPr>
+          <p:cNvPr id="135" name="Rechteck 134"/>
+          <p:cNvSpPr/>
+          <p:nvPr/>
+        </p:nvSpPr>
+        <p:spPr>
+          <a:xfrm>
+            <a:off x="382527" y="1755429"/>
+            <a:ext cx="3054544" cy="1408602"/>
+          </a:xfrm>
+          <a:prstGeom prst="rect">
+            <a:avLst/>
+          </a:prstGeom>
+          <a:solidFill>
+            <a:srgbClr val="FFFF99"/>
+          </a:solidFill>
+          <a:ln w="12700">
+            <a:solidFill>
+              <a:schemeClr val="tx1"/>
+            </a:solidFill>
+          </a:ln>
+        </p:spPr>
+        <p:style>
+          <a:lnRef idx="2">
+            <a:schemeClr val="accent1">
+              <a:shade val="50000"/>
+            </a:schemeClr>
+          </a:lnRef>
+          <a:fillRef idx="1">
+            <a:schemeClr val="accent1"/>
+          </a:fillRef>
+          <a:effectRef idx="0">
+            <a:schemeClr val="accent1"/>
+          </a:effectRef>
+          <a:fontRef idx="minor">
+            <a:schemeClr val="lt1"/>
+          </a:fontRef>
+        </p:style>
+        <p:txBody>
+          <a:bodyPr rtlCol="0" anchor="ctr"/>
+          <a:lstStyle/>
+          <a:p>
+            <a:pPr algn="ctr"/>
+            <a:endParaRPr lang="de-DE"/>
+          </a:p>
+        </p:txBody>
+      </p:sp>
+      <p:sp>
+        <p:nvSpPr>
           <p:cNvPr id="2" name="Titel 1"/>
           <p:cNvSpPr>
             <a:spLocks noGrp="1"/>
@@ -5602,35 +6451,2754 @@
           <a:p>
             <a:r>
               <a:rPr lang="de-DE" dirty="0" smtClean="0"/>
-              <a:t>DIAL: Übersicht</a:t>
+              <a:t>Szenario: </a:t>
+            </a:r>
+            <a:r>
+              <a:rPr lang="de-DE" dirty="0" err="1" smtClean="0"/>
+              <a:t>BigBlueButton</a:t>
+            </a:r>
+            <a:r>
+              <a:rPr lang="de-DE" dirty="0" smtClean="0"/>
+              <a:t> (naiv)</a:t>
             </a:r>
             <a:endParaRPr lang="de-DE" dirty="0"/>
+          </a:p>
+        </p:txBody>
+      </p:sp>
+      <p:grpSp>
+        <p:nvGrpSpPr>
+          <p:cNvPr id="30" name="Gruppieren 29"/>
+          <p:cNvGrpSpPr/>
+          <p:nvPr/>
+        </p:nvGrpSpPr>
+        <p:grpSpPr>
+          <a:xfrm>
+            <a:off x="4958674" y="3723619"/>
+            <a:ext cx="1330909" cy="1470609"/>
+            <a:chOff x="5102613" y="3723619"/>
+            <a:chExt cx="1330909" cy="1470609"/>
+          </a:xfrm>
+        </p:grpSpPr>
+        <p:pic>
+          <p:nvPicPr>
+            <p:cNvPr id="5" name="Grafik 4"/>
+            <p:cNvPicPr>
+              <a:picLocks noChangeAspect="1"/>
+            </p:cNvPicPr>
+            <p:nvPr/>
+          </p:nvPicPr>
+          <p:blipFill>
+            <a:blip r:embed="rId3">
+              <a:extLst>
+                <a:ext uri="{28A0092B-C50C-407E-A947-70E740481C1C}">
+                  <a14:useLocalDpi xmlns:a14="http://schemas.microsoft.com/office/drawing/2010/main" val="0"/>
+                </a:ext>
+              </a:extLst>
+            </a:blip>
+            <a:stretch>
+              <a:fillRect/>
+            </a:stretch>
+          </p:blipFill>
+          <p:spPr>
+            <a:xfrm>
+              <a:off x="5102613" y="3974858"/>
+              <a:ext cx="1219370" cy="1219370"/>
+            </a:xfrm>
+            <a:prstGeom prst="rect">
+              <a:avLst/>
+            </a:prstGeom>
+            <a:ln w="12700">
+              <a:solidFill>
+                <a:schemeClr val="tx1"/>
+              </a:solidFill>
+            </a:ln>
+          </p:spPr>
+        </p:pic>
+        <p:pic>
+          <p:nvPicPr>
+            <p:cNvPr id="6" name="Picture 6" descr="Datei:Bbb logo.png"/>
+            <p:cNvPicPr>
+              <a:picLocks noChangeAspect="1" noChangeArrowheads="1"/>
+            </p:cNvPicPr>
+            <p:nvPr/>
+          </p:nvPicPr>
+          <p:blipFill rotWithShape="1">
+            <a:blip r:embed="rId4">
+              <a:clrChange>
+                <a:clrFrom>
+                  <a:srgbClr val="000000">
+                    <a:alpha val="0"/>
+                  </a:srgbClr>
+                </a:clrFrom>
+                <a:clrTo>
+                  <a:srgbClr val="000000">
+                    <a:alpha val="0"/>
+                  </a:srgbClr>
+                </a:clrTo>
+              </a:clrChange>
+              <a:extLst>
+                <a:ext uri="{28A0092B-C50C-407E-A947-70E740481C1C}">
+                  <a14:useLocalDpi xmlns:a14="http://schemas.microsoft.com/office/drawing/2010/main" val="0"/>
+                </a:ext>
+              </a:extLst>
+            </a:blip>
+            <a:srcRect r="75077"/>
+            <a:stretch/>
+          </p:blipFill>
+          <p:spPr bwMode="auto">
+            <a:xfrm>
+              <a:off x="5939698" y="3723619"/>
+              <a:ext cx="493824" cy="484468"/>
+            </a:xfrm>
+            <a:prstGeom prst="rect">
+              <a:avLst/>
+            </a:prstGeom>
+            <a:noFill/>
+            <a:extLst>
+              <a:ext uri="{909E8E84-426E-40DD-AFC4-6F175D3DCCD1}">
+                <a14:hiddenFill xmlns:a14="http://schemas.microsoft.com/office/drawing/2010/main">
+                  <a:solidFill>
+                    <a:srgbClr val="FFFFFF"/>
+                  </a:solidFill>
+                </a14:hiddenFill>
+              </a:ext>
+            </a:extLst>
+          </p:spPr>
+        </p:pic>
+      </p:grpSp>
+      <p:sp>
+        <p:nvSpPr>
+          <p:cNvPr id="8" name="Rechteck 7"/>
+          <p:cNvSpPr/>
+          <p:nvPr/>
+        </p:nvSpPr>
+        <p:spPr>
+          <a:xfrm>
+            <a:off x="364079" y="1242778"/>
+            <a:ext cx="918102" cy="334659"/>
+          </a:xfrm>
+          <a:prstGeom prst="rect">
+            <a:avLst/>
+          </a:prstGeom>
+          <a:solidFill>
+            <a:srgbClr val="FFFF99"/>
+          </a:solidFill>
+          <a:ln w="12700">
+            <a:solidFill>
+              <a:schemeClr val="tx1"/>
+            </a:solidFill>
+          </a:ln>
+        </p:spPr>
+        <p:style>
+          <a:lnRef idx="2">
+            <a:schemeClr val="accent1">
+              <a:shade val="50000"/>
+            </a:schemeClr>
+          </a:lnRef>
+          <a:fillRef idx="1">
+            <a:schemeClr val="accent1"/>
+          </a:fillRef>
+          <a:effectRef idx="0">
+            <a:schemeClr val="accent1"/>
+          </a:effectRef>
+          <a:fontRef idx="minor">
+            <a:schemeClr val="lt1"/>
+          </a:fontRef>
+        </p:style>
+        <p:txBody>
+          <a:bodyPr rtlCol="0" anchor="ctr"/>
+          <a:lstStyle/>
+          <a:p>
+            <a:pPr algn="ctr"/>
+            <a:r>
+              <a:rPr lang="de-DE" dirty="0" smtClean="0">
+                <a:solidFill>
+                  <a:sysClr val="windowText" lastClr="000000"/>
+                </a:solidFill>
+              </a:rPr>
+              <a:t>Raum 1</a:t>
+            </a:r>
+            <a:endParaRPr lang="de-DE" dirty="0">
+              <a:solidFill>
+                <a:sysClr val="windowText" lastClr="000000"/>
+              </a:solidFill>
+            </a:endParaRPr>
           </a:p>
         </p:txBody>
       </p:sp>
       <p:sp>
         <p:nvSpPr>
-          <p:cNvPr id="3" name="Inhaltsplatzhalter 2"/>
-          <p:cNvSpPr>
-            <a:spLocks noGrp="1"/>
-          </p:cNvSpPr>
-          <p:nvPr>
-            <p:ph idx="1"/>
-          </p:nvPr>
+          <p:cNvPr id="9" name="Rechteck 8"/>
+          <p:cNvSpPr/>
+          <p:nvPr/>
         </p:nvSpPr>
-        <p:spPr/>
+        <p:spPr>
+          <a:xfrm>
+            <a:off x="3614021" y="1242778"/>
+            <a:ext cx="918102" cy="334659"/>
+          </a:xfrm>
+          <a:prstGeom prst="rect">
+            <a:avLst/>
+          </a:prstGeom>
+          <a:solidFill>
+            <a:srgbClr val="FF7C80"/>
+          </a:solidFill>
+          <a:ln w="12700">
+            <a:solidFill>
+              <a:schemeClr val="tx1"/>
+            </a:solidFill>
+          </a:ln>
+        </p:spPr>
+        <p:style>
+          <a:lnRef idx="2">
+            <a:schemeClr val="accent1">
+              <a:shade val="50000"/>
+            </a:schemeClr>
+          </a:lnRef>
+          <a:fillRef idx="1">
+            <a:schemeClr val="accent1"/>
+          </a:fillRef>
+          <a:effectRef idx="0">
+            <a:schemeClr val="accent1"/>
+          </a:effectRef>
+          <a:fontRef idx="minor">
+            <a:schemeClr val="lt1"/>
+          </a:fontRef>
+        </p:style>
         <p:txBody>
-          <a:bodyPr/>
+          <a:bodyPr rtlCol="0" anchor="ctr"/>
           <a:lstStyle/>
           <a:p>
+            <a:pPr algn="ctr"/>
+            <a:r>
+              <a:rPr lang="de-DE" dirty="0" smtClean="0">
+                <a:solidFill>
+                  <a:sysClr val="windowText" lastClr="000000"/>
+                </a:solidFill>
+              </a:rPr>
+              <a:t>Raum 2</a:t>
+            </a:r>
+            <a:endParaRPr lang="de-DE" dirty="0">
+              <a:solidFill>
+                <a:sysClr val="windowText" lastClr="000000"/>
+              </a:solidFill>
+            </a:endParaRPr>
+          </a:p>
+        </p:txBody>
+      </p:sp>
+      <p:grpSp>
+        <p:nvGrpSpPr>
+          <p:cNvPr id="29" name="Gruppieren 28"/>
+          <p:cNvGrpSpPr/>
+          <p:nvPr/>
+        </p:nvGrpSpPr>
+        <p:grpSpPr>
+          <a:xfrm>
+            <a:off x="2141707" y="2598640"/>
+            <a:ext cx="3900964" cy="1124979"/>
+            <a:chOff x="2141707" y="2598640"/>
+            <a:chExt cx="3900964" cy="1124979"/>
+          </a:xfrm>
+        </p:grpSpPr>
+        <p:cxnSp>
+          <p:nvCxnSpPr>
+            <p:cNvPr id="74" name="Gerade Verbindung mit Pfeil 1039"/>
+            <p:cNvCxnSpPr>
+              <a:stCxn id="6" idx="0"/>
+              <a:endCxn id="184" idx="2"/>
+            </p:cNvCxnSpPr>
+            <p:nvPr/>
+          </p:nvCxnSpPr>
+          <p:spPr>
+            <a:xfrm rot="16200000" flipV="1">
+              <a:off x="3878471" y="1559418"/>
+              <a:ext cx="654240" cy="3674161"/>
+            </a:xfrm>
+            <a:prstGeom prst="bentConnector3">
+              <a:avLst>
+                <a:gd name="adj1" fmla="val 50000"/>
+              </a:avLst>
+            </a:prstGeom>
+            <a:ln w="25400">
+              <a:solidFill>
+                <a:srgbClr val="002060"/>
+              </a:solidFill>
+              <a:prstDash val="sysDash"/>
+              <a:tailEnd type="triangle"/>
+            </a:ln>
+          </p:spPr>
+          <p:style>
+            <a:lnRef idx="1">
+              <a:schemeClr val="accent1"/>
+            </a:lnRef>
+            <a:fillRef idx="0">
+              <a:schemeClr val="accent1"/>
+            </a:fillRef>
+            <a:effectRef idx="0">
+              <a:schemeClr val="accent1"/>
+            </a:effectRef>
+            <a:fontRef idx="minor">
+              <a:schemeClr val="tx1"/>
+            </a:fontRef>
+          </p:style>
+        </p:cxnSp>
+        <p:cxnSp>
+          <p:nvCxnSpPr>
+            <p:cNvPr id="178" name="Gerade Verbindung mit Pfeil 11"/>
+            <p:cNvCxnSpPr/>
+            <p:nvPr/>
+          </p:nvCxnSpPr>
+          <p:spPr>
+            <a:xfrm rot="5400000">
+              <a:off x="2666086" y="2527867"/>
+              <a:ext cx="310309" cy="451856"/>
+            </a:xfrm>
+            <a:prstGeom prst="bentConnector2">
+              <a:avLst/>
+            </a:prstGeom>
+            <a:ln w="19050">
+              <a:solidFill>
+                <a:schemeClr val="tx1"/>
+              </a:solidFill>
+              <a:headEnd type="triangle"/>
+              <a:tailEnd type="triangle"/>
+            </a:ln>
+          </p:spPr>
+          <p:style>
+            <a:lnRef idx="1">
+              <a:schemeClr val="accent1"/>
+            </a:lnRef>
+            <a:fillRef idx="0">
+              <a:schemeClr val="accent1"/>
+            </a:fillRef>
+            <a:effectRef idx="0">
+              <a:schemeClr val="accent1"/>
+            </a:effectRef>
+            <a:fontRef idx="minor">
+              <a:schemeClr val="tx1"/>
+            </a:fontRef>
+          </p:style>
+        </p:cxnSp>
+        <p:pic>
+          <p:nvPicPr>
+            <p:cNvPr id="184" name="Grafik 183"/>
+            <p:cNvPicPr>
+              <a:picLocks noChangeAspect="1"/>
+            </p:cNvPicPr>
+            <p:nvPr/>
+          </p:nvPicPr>
+          <p:blipFill rotWithShape="1">
+            <a:blip r:embed="rId5" cstate="print">
+              <a:extLst>
+                <a:ext uri="{28A0092B-C50C-407E-A947-70E740481C1C}">
+                  <a14:useLocalDpi xmlns:a14="http://schemas.microsoft.com/office/drawing/2010/main" val="0"/>
+                </a:ext>
+              </a:extLst>
+            </a:blip>
+            <a:srcRect t="13342" b="15506"/>
+            <a:stretch/>
+          </p:blipFill>
+          <p:spPr>
+            <a:xfrm>
+              <a:off x="2141707" y="2748517"/>
+              <a:ext cx="453605" cy="320862"/>
+            </a:xfrm>
+            <a:prstGeom prst="rect">
+              <a:avLst/>
+            </a:prstGeom>
+          </p:spPr>
+        </p:pic>
+        <p:pic>
+          <p:nvPicPr>
+            <p:cNvPr id="185" name="Picture 6" descr="Datei:Bbb logo.png"/>
+            <p:cNvPicPr>
+              <a:picLocks noChangeAspect="1" noChangeArrowheads="1"/>
+            </p:cNvPicPr>
+            <p:nvPr/>
+          </p:nvPicPr>
+          <p:blipFill rotWithShape="1">
+            <a:blip r:embed="rId6" cstate="print">
+              <a:clrChange>
+                <a:clrFrom>
+                  <a:srgbClr val="000000">
+                    <a:alpha val="0"/>
+                  </a:srgbClr>
+                </a:clrFrom>
+                <a:clrTo>
+                  <a:srgbClr val="000000">
+                    <a:alpha val="0"/>
+                  </a:srgbClr>
+                </a:clrTo>
+              </a:clrChange>
+              <a:extLst>
+                <a:ext uri="{28A0092B-C50C-407E-A947-70E740481C1C}">
+                  <a14:useLocalDpi xmlns:a14="http://schemas.microsoft.com/office/drawing/2010/main" val="0"/>
+                </a:ext>
+              </a:extLst>
+            </a:blip>
+            <a:srcRect r="75077"/>
+            <a:stretch/>
+          </p:blipFill>
+          <p:spPr bwMode="auto">
+            <a:xfrm>
+              <a:off x="2291707" y="2826433"/>
+              <a:ext cx="153906" cy="150990"/>
+            </a:xfrm>
+            <a:prstGeom prst="rect">
+              <a:avLst/>
+            </a:prstGeom>
+            <a:noFill/>
+            <a:extLst>
+              <a:ext uri="{909E8E84-426E-40DD-AFC4-6F175D3DCCD1}">
+                <a14:hiddenFill xmlns:a14="http://schemas.microsoft.com/office/drawing/2010/main">
+                  <a:solidFill>
+                    <a:srgbClr val="FFFFFF"/>
+                  </a:solidFill>
+                </a14:hiddenFill>
+              </a:ext>
+            </a:extLst>
+          </p:spPr>
+        </p:pic>
+      </p:grpSp>
+      <p:pic>
+        <p:nvPicPr>
+          <p:cNvPr id="191" name="Grafik 190"/>
+          <p:cNvPicPr>
+            <a:picLocks noChangeAspect="1"/>
+          </p:cNvPicPr>
+          <p:nvPr/>
+        </p:nvPicPr>
+        <p:blipFill>
+          <a:blip r:embed="rId7">
+            <a:clrChange>
+              <a:clrFrom>
+                <a:srgbClr val="FFFFFF"/>
+              </a:clrFrom>
+              <a:clrTo>
+                <a:srgbClr val="FFFFFF">
+                  <a:alpha val="0"/>
+                </a:srgbClr>
+              </a:clrTo>
+            </a:clrChange>
+            <a:extLst>
+              <a:ext uri="{28A0092B-C50C-407E-A947-70E740481C1C}">
+                <a14:useLocalDpi xmlns:a14="http://schemas.microsoft.com/office/drawing/2010/main" val="0"/>
+              </a:ext>
+            </a:extLst>
+          </a:blip>
+          <a:stretch>
+            <a:fillRect/>
+          </a:stretch>
+        </p:blipFill>
+        <p:spPr>
+          <a:xfrm>
+            <a:off x="437381" y="1830921"/>
+            <a:ext cx="1219200" cy="1219200"/>
+          </a:xfrm>
+          <a:prstGeom prst="rect">
+            <a:avLst/>
+          </a:prstGeom>
+          <a:noFill/>
+          <a:ln w="12700">
+            <a:noFill/>
+          </a:ln>
+        </p:spPr>
+      </p:pic>
+      <p:sp>
+        <p:nvSpPr>
+          <p:cNvPr id="190" name="Rechteck 189"/>
+          <p:cNvSpPr/>
+          <p:nvPr/>
+        </p:nvSpPr>
+        <p:spPr>
+          <a:xfrm>
+            <a:off x="419581" y="1796514"/>
+            <a:ext cx="1251794" cy="1292454"/>
+          </a:xfrm>
+          <a:prstGeom prst="rect">
+            <a:avLst/>
+          </a:prstGeom>
+          <a:noFill/>
+          <a:ln w="12700">
+            <a:solidFill>
+              <a:schemeClr val="tx1"/>
+            </a:solidFill>
+          </a:ln>
+        </p:spPr>
+        <p:style>
+          <a:lnRef idx="2">
+            <a:schemeClr val="accent1">
+              <a:shade val="50000"/>
+            </a:schemeClr>
+          </a:lnRef>
+          <a:fillRef idx="1">
+            <a:schemeClr val="accent1"/>
+          </a:fillRef>
+          <a:effectRef idx="0">
+            <a:schemeClr val="accent1"/>
+          </a:effectRef>
+          <a:fontRef idx="minor">
+            <a:schemeClr val="lt1"/>
+          </a:fontRef>
+        </p:style>
+        <p:txBody>
+          <a:bodyPr rtlCol="0" anchor="ctr"/>
+          <a:lstStyle/>
+          <a:p>
+            <a:pPr algn="ctr"/>
             <a:endParaRPr lang="de-DE"/>
+          </a:p>
+        </p:txBody>
+      </p:sp>
+      <p:pic>
+        <p:nvPicPr>
+          <p:cNvPr id="197" name="Grafik 196"/>
+          <p:cNvPicPr>
+            <a:picLocks noChangeAspect="1"/>
+          </p:cNvPicPr>
+          <p:nvPr/>
+        </p:nvPicPr>
+        <p:blipFill>
+          <a:blip r:embed="rId8" cstate="print">
+            <a:clrChange>
+              <a:clrFrom>
+                <a:srgbClr val="FFFFFF"/>
+              </a:clrFrom>
+              <a:clrTo>
+                <a:srgbClr val="FFFFFF">
+                  <a:alpha val="0"/>
+                </a:srgbClr>
+              </a:clrTo>
+            </a:clrChange>
+            <a:extLst>
+              <a:ext uri="{28A0092B-C50C-407E-A947-70E740481C1C}">
+                <a14:useLocalDpi xmlns:a14="http://schemas.microsoft.com/office/drawing/2010/main" val="0"/>
+              </a:ext>
+            </a:extLst>
+          </a:blip>
+          <a:stretch>
+            <a:fillRect/>
+          </a:stretch>
+        </p:blipFill>
+        <p:spPr>
+          <a:xfrm>
+            <a:off x="2701455" y="1907213"/>
+            <a:ext cx="691426" cy="691426"/>
+          </a:xfrm>
+          <a:prstGeom prst="rect">
+            <a:avLst/>
+          </a:prstGeom>
+        </p:spPr>
+      </p:pic>
+      <p:grpSp>
+        <p:nvGrpSpPr>
+          <p:cNvPr id="229" name="Gruppieren 228"/>
+          <p:cNvGrpSpPr/>
+          <p:nvPr/>
+        </p:nvGrpSpPr>
+        <p:grpSpPr>
+          <a:xfrm>
+            <a:off x="5568360" y="3985607"/>
+            <a:ext cx="3452250" cy="1816837"/>
+            <a:chOff x="5568360" y="3985607"/>
+            <a:chExt cx="3452250" cy="1816837"/>
+          </a:xfrm>
+        </p:grpSpPr>
+        <p:grpSp>
+          <p:nvGrpSpPr>
+            <p:cNvPr id="225" name="Gruppieren 224"/>
+            <p:cNvGrpSpPr/>
+            <p:nvPr/>
+          </p:nvGrpSpPr>
+          <p:grpSpPr>
+            <a:xfrm>
+              <a:off x="7150210" y="4323755"/>
+              <a:ext cx="850616" cy="585857"/>
+              <a:chOff x="1814139" y="1221303"/>
+              <a:chExt cx="3731830" cy="2639745"/>
+            </a:xfrm>
+          </p:grpSpPr>
+          <p:pic>
+            <p:nvPicPr>
+              <p:cNvPr id="237" name="Grafik 236"/>
+              <p:cNvPicPr>
+                <a:picLocks noChangeAspect="1"/>
+              </p:cNvPicPr>
+              <p:nvPr/>
+            </p:nvPicPr>
+            <p:blipFill rotWithShape="1">
+              <a:blip r:embed="rId5" cstate="print">
+                <a:extLst>
+                  <a:ext uri="{28A0092B-C50C-407E-A947-70E740481C1C}">
+                    <a14:useLocalDpi xmlns:a14="http://schemas.microsoft.com/office/drawing/2010/main" val="0"/>
+                  </a:ext>
+                </a:extLst>
+              </a:blip>
+              <a:srcRect t="13342" b="15506"/>
+              <a:stretch/>
+            </p:blipFill>
+            <p:spPr>
+              <a:xfrm>
+                <a:off x="1814139" y="1221303"/>
+                <a:ext cx="3731830" cy="2639745"/>
+              </a:xfrm>
+              <a:prstGeom prst="rect">
+                <a:avLst/>
+              </a:prstGeom>
+            </p:spPr>
+          </p:pic>
+          <p:pic>
+            <p:nvPicPr>
+              <p:cNvPr id="238" name="Picture 6" descr="Datei:Bbb logo.png"/>
+              <p:cNvPicPr>
+                <a:picLocks noChangeAspect="1" noChangeArrowheads="1"/>
+              </p:cNvPicPr>
+              <p:nvPr/>
+            </p:nvPicPr>
+            <p:blipFill rotWithShape="1">
+              <a:blip r:embed="rId6" cstate="print">
+                <a:clrChange>
+                  <a:clrFrom>
+                    <a:srgbClr val="000000">
+                      <a:alpha val="0"/>
+                    </a:srgbClr>
+                  </a:clrFrom>
+                  <a:clrTo>
+                    <a:srgbClr val="000000">
+                      <a:alpha val="0"/>
+                    </a:srgbClr>
+                  </a:clrTo>
+                </a:clrChange>
+                <a:extLst>
+                  <a:ext uri="{28A0092B-C50C-407E-A947-70E740481C1C}">
+                    <a14:useLocalDpi xmlns:a14="http://schemas.microsoft.com/office/drawing/2010/main" val="0"/>
+                  </a:ext>
+                </a:extLst>
+              </a:blip>
+              <a:srcRect r="75077"/>
+              <a:stretch/>
+            </p:blipFill>
+            <p:spPr bwMode="auto">
+              <a:xfrm>
+                <a:off x="3048198" y="1862319"/>
+                <a:ext cx="1266190" cy="1242203"/>
+              </a:xfrm>
+              <a:prstGeom prst="rect">
+                <a:avLst/>
+              </a:prstGeom>
+              <a:noFill/>
+              <a:extLst>
+                <a:ext uri="{909E8E84-426E-40DD-AFC4-6F175D3DCCD1}">
+                  <a14:hiddenFill xmlns:a14="http://schemas.microsoft.com/office/drawing/2010/main">
+                    <a:solidFill>
+                      <a:srgbClr val="FFFFFF"/>
+                    </a:solidFill>
+                  </a14:hiddenFill>
+                </a:ext>
+              </a:extLst>
+            </p:spPr>
+          </p:pic>
+        </p:grpSp>
+        <p:cxnSp>
+          <p:nvCxnSpPr>
+            <p:cNvPr id="226" name="Gerade Verbindung mit Pfeil 11"/>
+            <p:cNvCxnSpPr>
+              <a:stCxn id="248" idx="1"/>
+              <a:endCxn id="5" idx="2"/>
+            </p:cNvCxnSpPr>
+            <p:nvPr/>
+          </p:nvCxnSpPr>
+          <p:spPr>
+            <a:xfrm rot="10800000" flipV="1">
+              <a:off x="5568360" y="4278536"/>
+              <a:ext cx="1205947" cy="915692"/>
+            </a:xfrm>
+            <a:prstGeom prst="bentConnector4">
+              <a:avLst>
+                <a:gd name="adj1" fmla="val 24722"/>
+                <a:gd name="adj2" fmla="val 124965"/>
+              </a:avLst>
+            </a:prstGeom>
+            <a:ln w="19050">
+              <a:solidFill>
+                <a:schemeClr val="tx1"/>
+              </a:solidFill>
+              <a:tailEnd type="triangle"/>
+            </a:ln>
+          </p:spPr>
+          <p:style>
+            <a:lnRef idx="1">
+              <a:schemeClr val="accent1"/>
+            </a:lnRef>
+            <a:fillRef idx="0">
+              <a:schemeClr val="accent1"/>
+            </a:fillRef>
+            <a:effectRef idx="0">
+              <a:schemeClr val="accent1"/>
+            </a:effectRef>
+            <a:fontRef idx="minor">
+              <a:schemeClr val="tx1"/>
+            </a:fontRef>
+          </p:style>
+        </p:cxnSp>
+        <p:grpSp>
+          <p:nvGrpSpPr>
+            <p:cNvPr id="244" name="Gruppieren 243"/>
+            <p:cNvGrpSpPr/>
+            <p:nvPr/>
+          </p:nvGrpSpPr>
+          <p:grpSpPr>
+            <a:xfrm>
+              <a:off x="6946607" y="4155854"/>
+              <a:ext cx="850616" cy="585857"/>
+              <a:chOff x="1814139" y="1221303"/>
+              <a:chExt cx="3731830" cy="2639745"/>
+            </a:xfrm>
+          </p:grpSpPr>
+          <p:pic>
+            <p:nvPicPr>
+              <p:cNvPr id="245" name="Grafik 244"/>
+              <p:cNvPicPr>
+                <a:picLocks noChangeAspect="1"/>
+              </p:cNvPicPr>
+              <p:nvPr/>
+            </p:nvPicPr>
+            <p:blipFill rotWithShape="1">
+              <a:blip r:embed="rId5" cstate="print">
+                <a:extLst>
+                  <a:ext uri="{28A0092B-C50C-407E-A947-70E740481C1C}">
+                    <a14:useLocalDpi xmlns:a14="http://schemas.microsoft.com/office/drawing/2010/main" val="0"/>
+                  </a:ext>
+                </a:extLst>
+              </a:blip>
+              <a:srcRect t="13342" b="15506"/>
+              <a:stretch/>
+            </p:blipFill>
+            <p:spPr>
+              <a:xfrm>
+                <a:off x="1814139" y="1221303"/>
+                <a:ext cx="3731830" cy="2639745"/>
+              </a:xfrm>
+              <a:prstGeom prst="rect">
+                <a:avLst/>
+              </a:prstGeom>
+            </p:spPr>
+          </p:pic>
+          <p:pic>
+            <p:nvPicPr>
+              <p:cNvPr id="246" name="Picture 6" descr="Datei:Bbb logo.png"/>
+              <p:cNvPicPr>
+                <a:picLocks noChangeAspect="1" noChangeArrowheads="1"/>
+              </p:cNvPicPr>
+              <p:nvPr/>
+            </p:nvPicPr>
+            <p:blipFill rotWithShape="1">
+              <a:blip r:embed="rId6" cstate="print">
+                <a:clrChange>
+                  <a:clrFrom>
+                    <a:srgbClr val="000000">
+                      <a:alpha val="0"/>
+                    </a:srgbClr>
+                  </a:clrFrom>
+                  <a:clrTo>
+                    <a:srgbClr val="000000">
+                      <a:alpha val="0"/>
+                    </a:srgbClr>
+                  </a:clrTo>
+                </a:clrChange>
+                <a:extLst>
+                  <a:ext uri="{28A0092B-C50C-407E-A947-70E740481C1C}">
+                    <a14:useLocalDpi xmlns:a14="http://schemas.microsoft.com/office/drawing/2010/main" val="0"/>
+                  </a:ext>
+                </a:extLst>
+              </a:blip>
+              <a:srcRect r="75077"/>
+              <a:stretch/>
+            </p:blipFill>
+            <p:spPr bwMode="auto">
+              <a:xfrm>
+                <a:off x="3048198" y="1862319"/>
+                <a:ext cx="1266190" cy="1242203"/>
+              </a:xfrm>
+              <a:prstGeom prst="rect">
+                <a:avLst/>
+              </a:prstGeom>
+              <a:noFill/>
+              <a:extLst>
+                <a:ext uri="{909E8E84-426E-40DD-AFC4-6F175D3DCCD1}">
+                  <a14:hiddenFill xmlns:a14="http://schemas.microsoft.com/office/drawing/2010/main">
+                    <a:solidFill>
+                      <a:srgbClr val="FFFFFF"/>
+                    </a:solidFill>
+                  </a14:hiddenFill>
+                </a:ext>
+              </a:extLst>
+            </p:spPr>
+          </p:pic>
+        </p:grpSp>
+        <p:grpSp>
+          <p:nvGrpSpPr>
+            <p:cNvPr id="247" name="Gruppieren 246"/>
+            <p:cNvGrpSpPr/>
+            <p:nvPr/>
+          </p:nvGrpSpPr>
+          <p:grpSpPr>
+            <a:xfrm>
+              <a:off x="6774306" y="3985607"/>
+              <a:ext cx="850616" cy="585857"/>
+              <a:chOff x="1814139" y="1221303"/>
+              <a:chExt cx="3731830" cy="2639745"/>
+            </a:xfrm>
+          </p:grpSpPr>
+          <p:pic>
+            <p:nvPicPr>
+              <p:cNvPr id="248" name="Grafik 247"/>
+              <p:cNvPicPr>
+                <a:picLocks noChangeAspect="1"/>
+              </p:cNvPicPr>
+              <p:nvPr/>
+            </p:nvPicPr>
+            <p:blipFill rotWithShape="1">
+              <a:blip r:embed="rId5" cstate="print">
+                <a:extLst>
+                  <a:ext uri="{28A0092B-C50C-407E-A947-70E740481C1C}">
+                    <a14:useLocalDpi xmlns:a14="http://schemas.microsoft.com/office/drawing/2010/main" val="0"/>
+                  </a:ext>
+                </a:extLst>
+              </a:blip>
+              <a:srcRect t="13342" b="15506"/>
+              <a:stretch/>
+            </p:blipFill>
+            <p:spPr>
+              <a:xfrm>
+                <a:off x="1814139" y="1221303"/>
+                <a:ext cx="3731830" cy="2639745"/>
+              </a:xfrm>
+              <a:prstGeom prst="rect">
+                <a:avLst/>
+              </a:prstGeom>
+            </p:spPr>
+          </p:pic>
+          <p:pic>
+            <p:nvPicPr>
+              <p:cNvPr id="249" name="Picture 6" descr="Datei:Bbb logo.png"/>
+              <p:cNvPicPr>
+                <a:picLocks noChangeAspect="1" noChangeArrowheads="1"/>
+              </p:cNvPicPr>
+              <p:nvPr/>
+            </p:nvPicPr>
+            <p:blipFill rotWithShape="1">
+              <a:blip r:embed="rId6" cstate="print">
+                <a:clrChange>
+                  <a:clrFrom>
+                    <a:srgbClr val="000000">
+                      <a:alpha val="0"/>
+                    </a:srgbClr>
+                  </a:clrFrom>
+                  <a:clrTo>
+                    <a:srgbClr val="000000">
+                      <a:alpha val="0"/>
+                    </a:srgbClr>
+                  </a:clrTo>
+                </a:clrChange>
+                <a:extLst>
+                  <a:ext uri="{28A0092B-C50C-407E-A947-70E740481C1C}">
+                    <a14:useLocalDpi xmlns:a14="http://schemas.microsoft.com/office/drawing/2010/main" val="0"/>
+                  </a:ext>
+                </a:extLst>
+              </a:blip>
+              <a:srcRect r="75077"/>
+              <a:stretch/>
+            </p:blipFill>
+            <p:spPr bwMode="auto">
+              <a:xfrm>
+                <a:off x="3048198" y="1862319"/>
+                <a:ext cx="1266190" cy="1242203"/>
+              </a:xfrm>
+              <a:prstGeom prst="rect">
+                <a:avLst/>
+              </a:prstGeom>
+              <a:noFill/>
+              <a:extLst>
+                <a:ext uri="{909E8E84-426E-40DD-AFC4-6F175D3DCCD1}">
+                  <a14:hiddenFill xmlns:a14="http://schemas.microsoft.com/office/drawing/2010/main">
+                    <a:solidFill>
+                      <a:srgbClr val="FFFFFF"/>
+                    </a:solidFill>
+                  </a14:hiddenFill>
+                </a:ext>
+              </a:extLst>
+            </p:spPr>
+          </p:pic>
+        </p:grpSp>
+        <p:sp>
+          <p:nvSpPr>
+            <p:cNvPr id="3" name="Textfeld 2"/>
+            <p:cNvSpPr txBox="1"/>
+            <p:nvPr/>
+          </p:nvSpPr>
+          <p:spPr>
+            <a:xfrm>
+              <a:off x="6439775" y="4879114"/>
+              <a:ext cx="2580835" cy="923330"/>
+            </a:xfrm>
+            <a:prstGeom prst="rect">
+              <a:avLst/>
+            </a:prstGeom>
+            <a:noFill/>
+          </p:spPr>
+          <p:txBody>
+            <a:bodyPr wrap="none" rtlCol="0">
+              <a:spAutoFit/>
+            </a:bodyPr>
+            <a:lstStyle/>
+            <a:p>
+              <a:r>
+                <a:rPr lang="de-DE" dirty="0" smtClean="0"/>
+                <a:t>Weitere </a:t>
+              </a:r>
+              <a:r>
+                <a:rPr lang="de-DE" dirty="0" smtClean="0"/>
+                <a:t>Nutzer</a:t>
+              </a:r>
+              <a:endParaRPr lang="de-DE" dirty="0"/>
+            </a:p>
+            <a:p>
+              <a:pPr marL="285750" indent="-285750">
+                <a:buFont typeface="Arial" panose="020B0604020202020204" pitchFamily="34" charset="0"/>
+                <a:buChar char="•"/>
+              </a:pPr>
+              <a:r>
+                <a:rPr lang="de-DE" dirty="0" err="1" smtClean="0"/>
+                <a:t>Studis@Home</a:t>
+              </a:r>
+              <a:endParaRPr lang="de-DE" dirty="0"/>
+            </a:p>
+            <a:p>
+              <a:pPr marL="285750" indent="-285750">
+                <a:buFont typeface="Arial" panose="020B0604020202020204" pitchFamily="34" charset="0"/>
+                <a:buChar char="•"/>
+              </a:pPr>
+              <a:r>
+                <a:rPr lang="de-DE" dirty="0" smtClean="0"/>
+                <a:t>Andere Standorte (HS)</a:t>
+              </a:r>
+              <a:endParaRPr lang="de-DE" dirty="0"/>
+            </a:p>
+          </p:txBody>
+        </p:sp>
+      </p:grpSp>
+      <p:grpSp>
+        <p:nvGrpSpPr>
+          <p:cNvPr id="227" name="Gruppieren 226"/>
+          <p:cNvGrpSpPr/>
+          <p:nvPr/>
+        </p:nvGrpSpPr>
+        <p:grpSpPr>
+          <a:xfrm>
+            <a:off x="6042671" y="1253104"/>
+            <a:ext cx="2737647" cy="2470516"/>
+            <a:chOff x="6042671" y="1253104"/>
+            <a:chExt cx="2737647" cy="2470516"/>
+          </a:xfrm>
+        </p:grpSpPr>
+        <p:cxnSp>
+          <p:nvCxnSpPr>
+            <p:cNvPr id="78" name="Gerade Verbindung mit Pfeil 1039"/>
+            <p:cNvCxnSpPr>
+              <a:stCxn id="6" idx="0"/>
+              <a:endCxn id="143" idx="2"/>
+            </p:cNvCxnSpPr>
+            <p:nvPr/>
+          </p:nvCxnSpPr>
+          <p:spPr>
+            <a:xfrm rot="5400000" flipH="1" flipV="1">
+              <a:off x="6158817" y="2907567"/>
+              <a:ext cx="699907" cy="932199"/>
+            </a:xfrm>
+            <a:prstGeom prst="bentConnector3">
+              <a:avLst>
+                <a:gd name="adj1" fmla="val 50000"/>
+              </a:avLst>
+            </a:prstGeom>
+            <a:ln w="25400">
+              <a:solidFill>
+                <a:srgbClr val="002060"/>
+              </a:solidFill>
+              <a:prstDash val="sysDash"/>
+              <a:headEnd type="triangle"/>
+              <a:tailEnd type="triangle"/>
+            </a:ln>
+          </p:spPr>
+          <p:style>
+            <a:lnRef idx="1">
+              <a:schemeClr val="accent1"/>
+            </a:lnRef>
+            <a:fillRef idx="0">
+              <a:schemeClr val="accent1"/>
+            </a:fillRef>
+            <a:effectRef idx="0">
+              <a:schemeClr val="accent1"/>
+            </a:effectRef>
+            <a:fontRef idx="minor">
+              <a:schemeClr val="tx1"/>
+            </a:fontRef>
+          </p:style>
+        </p:cxnSp>
+        <p:cxnSp>
+          <p:nvCxnSpPr>
+            <p:cNvPr id="117" name="Gerade Verbindung mit Pfeil 1039"/>
+            <p:cNvCxnSpPr/>
+            <p:nvPr/>
+          </p:nvCxnSpPr>
+          <p:spPr>
+            <a:xfrm rot="16200000" flipH="1">
+              <a:off x="6469784" y="2820228"/>
+              <a:ext cx="632304" cy="388775"/>
+            </a:xfrm>
+            <a:prstGeom prst="bentConnector3">
+              <a:avLst>
+                <a:gd name="adj1" fmla="val 50000"/>
+              </a:avLst>
+            </a:prstGeom>
+            <a:ln w="19050">
+              <a:solidFill>
+                <a:schemeClr val="tx2"/>
+              </a:solidFill>
+              <a:prstDash val="sysDash"/>
+              <a:headEnd type="triangle" w="med" len="med"/>
+              <a:tailEnd type="none" w="med" len="med"/>
+            </a:ln>
+          </p:spPr>
+          <p:style>
+            <a:lnRef idx="1">
+              <a:schemeClr val="accent1"/>
+            </a:lnRef>
+            <a:fillRef idx="0">
+              <a:schemeClr val="accent1"/>
+            </a:fillRef>
+            <a:effectRef idx="0">
+              <a:schemeClr val="accent1"/>
+            </a:effectRef>
+            <a:fontRef idx="minor">
+              <a:schemeClr val="tx1"/>
+            </a:fontRef>
+          </p:style>
+        </p:cxnSp>
+        <p:cxnSp>
+          <p:nvCxnSpPr>
+            <p:cNvPr id="123" name="Gerade Verbindung mit Pfeil 1039"/>
+            <p:cNvCxnSpPr/>
+            <p:nvPr/>
+          </p:nvCxnSpPr>
+          <p:spPr>
+            <a:xfrm rot="16200000" flipH="1">
+              <a:off x="6325684" y="2608077"/>
+              <a:ext cx="1025519" cy="272383"/>
+            </a:xfrm>
+            <a:prstGeom prst="bentConnector3">
+              <a:avLst>
+                <a:gd name="adj1" fmla="val 75939"/>
+              </a:avLst>
+            </a:prstGeom>
+            <a:ln w="19050">
+              <a:solidFill>
+                <a:schemeClr val="tx2"/>
+              </a:solidFill>
+              <a:prstDash val="sysDash"/>
+              <a:headEnd type="triangle" w="med" len="med"/>
+              <a:tailEnd type="none" w="med" len="med"/>
+            </a:ln>
+          </p:spPr>
+          <p:style>
+            <a:lnRef idx="1">
+              <a:schemeClr val="accent1"/>
+            </a:lnRef>
+            <a:fillRef idx="0">
+              <a:schemeClr val="accent1"/>
+            </a:fillRef>
+            <a:effectRef idx="0">
+              <a:schemeClr val="accent1"/>
+            </a:effectRef>
+            <a:fontRef idx="minor">
+              <a:schemeClr val="tx1"/>
+            </a:fontRef>
+          </p:style>
+        </p:cxnSp>
+        <p:cxnSp>
+          <p:nvCxnSpPr>
+            <p:cNvPr id="130" name="Gerade Verbindung mit Pfeil 1039"/>
+            <p:cNvCxnSpPr/>
+            <p:nvPr/>
+          </p:nvCxnSpPr>
+          <p:spPr>
+            <a:xfrm rot="5400000">
+              <a:off x="6824226" y="2840888"/>
+              <a:ext cx="645980" cy="333782"/>
+            </a:xfrm>
+            <a:prstGeom prst="bentConnector3">
+              <a:avLst>
+                <a:gd name="adj1" fmla="val 50000"/>
+              </a:avLst>
+            </a:prstGeom>
+            <a:ln w="19050">
+              <a:solidFill>
+                <a:schemeClr val="tx2"/>
+              </a:solidFill>
+              <a:prstDash val="sysDash"/>
+              <a:headEnd type="triangle" w="med" len="med"/>
+              <a:tailEnd type="none" w="med" len="med"/>
+            </a:ln>
+          </p:spPr>
+          <p:style>
+            <a:lnRef idx="1">
+              <a:schemeClr val="accent1"/>
+            </a:lnRef>
+            <a:fillRef idx="0">
+              <a:schemeClr val="accent1"/>
+            </a:fillRef>
+            <a:effectRef idx="0">
+              <a:schemeClr val="accent1"/>
+            </a:effectRef>
+            <a:fontRef idx="minor">
+              <a:schemeClr val="tx1"/>
+            </a:fontRef>
+          </p:style>
+        </p:cxnSp>
+        <p:grpSp>
+          <p:nvGrpSpPr>
+            <p:cNvPr id="28" name="Gruppieren 27"/>
+            <p:cNvGrpSpPr/>
+            <p:nvPr/>
+          </p:nvGrpSpPr>
+          <p:grpSpPr>
+            <a:xfrm>
+              <a:off x="6146518" y="1253104"/>
+              <a:ext cx="2633800" cy="1839671"/>
+              <a:chOff x="6146518" y="1253104"/>
+              <a:chExt cx="2633800" cy="1839671"/>
+            </a:xfrm>
+          </p:grpSpPr>
+          <p:sp>
+            <p:nvSpPr>
+              <p:cNvPr id="177" name="Rechteck 176"/>
+              <p:cNvSpPr/>
+              <p:nvPr/>
+            </p:nvSpPr>
+            <p:spPr>
+              <a:xfrm>
+                <a:off x="6176831" y="1684173"/>
+                <a:ext cx="2603487" cy="1408602"/>
+              </a:xfrm>
+              <a:prstGeom prst="rect">
+                <a:avLst/>
+              </a:prstGeom>
+              <a:solidFill>
+                <a:srgbClr val="66CCFF"/>
+              </a:solidFill>
+              <a:ln w="12700">
+                <a:solidFill>
+                  <a:schemeClr val="tx1"/>
+                </a:solidFill>
+              </a:ln>
+            </p:spPr>
+            <p:style>
+              <a:lnRef idx="2">
+                <a:schemeClr val="accent1">
+                  <a:shade val="50000"/>
+                </a:schemeClr>
+              </a:lnRef>
+              <a:fillRef idx="1">
+                <a:schemeClr val="accent1"/>
+              </a:fillRef>
+              <a:effectRef idx="0">
+                <a:schemeClr val="accent1"/>
+              </a:effectRef>
+              <a:fontRef idx="minor">
+                <a:schemeClr val="lt1"/>
+              </a:fontRef>
+            </p:style>
+            <p:txBody>
+              <a:bodyPr rtlCol="0" anchor="ctr"/>
+              <a:lstStyle/>
+              <a:p>
+                <a:pPr algn="ctr"/>
+                <a:endParaRPr lang="de-DE"/>
+              </a:p>
+            </p:txBody>
+          </p:sp>
+          <p:sp>
+            <p:nvSpPr>
+              <p:cNvPr id="10" name="Rechteck 9"/>
+              <p:cNvSpPr/>
+              <p:nvPr/>
+            </p:nvSpPr>
+            <p:spPr>
+              <a:xfrm>
+                <a:off x="6146518" y="1253104"/>
+                <a:ext cx="918102" cy="334659"/>
+              </a:xfrm>
+              <a:prstGeom prst="rect">
+                <a:avLst/>
+              </a:prstGeom>
+              <a:solidFill>
+                <a:srgbClr val="66CCFF"/>
+              </a:solidFill>
+              <a:ln w="12700">
+                <a:solidFill>
+                  <a:schemeClr val="tx1"/>
+                </a:solidFill>
+              </a:ln>
+            </p:spPr>
+            <p:style>
+              <a:lnRef idx="2">
+                <a:schemeClr val="accent1">
+                  <a:shade val="50000"/>
+                </a:schemeClr>
+              </a:lnRef>
+              <a:fillRef idx="1">
+                <a:schemeClr val="accent1"/>
+              </a:fillRef>
+              <a:effectRef idx="0">
+                <a:schemeClr val="accent1"/>
+              </a:effectRef>
+              <a:fontRef idx="minor">
+                <a:schemeClr val="lt1"/>
+              </a:fontRef>
+            </p:style>
+            <p:txBody>
+              <a:bodyPr rtlCol="0" anchor="ctr"/>
+              <a:lstStyle/>
+              <a:p>
+                <a:pPr algn="ctr"/>
+                <a:r>
+                  <a:rPr lang="de-DE" dirty="0" smtClean="0">
+                    <a:solidFill>
+                      <a:sysClr val="windowText" lastClr="000000"/>
+                    </a:solidFill>
+                  </a:rPr>
+                  <a:t>Raum 3</a:t>
+                </a:r>
+                <a:endParaRPr lang="de-DE" dirty="0">
+                  <a:solidFill>
+                    <a:sysClr val="windowText" lastClr="000000"/>
+                  </a:solidFill>
+                </a:endParaRPr>
+              </a:p>
+            </p:txBody>
+          </p:sp>
+          <p:pic>
+            <p:nvPicPr>
+              <p:cNvPr id="144" name="Grafik 143"/>
+              <p:cNvPicPr>
+                <a:picLocks noChangeAspect="1"/>
+              </p:cNvPicPr>
+              <p:nvPr/>
+            </p:nvPicPr>
+            <p:blipFill>
+              <a:blip r:embed="rId7">
+                <a:clrChange>
+                  <a:clrFrom>
+                    <a:srgbClr val="FFFFFF"/>
+                  </a:clrFrom>
+                  <a:clrTo>
+                    <a:srgbClr val="FFFFFF">
+                      <a:alpha val="0"/>
+                    </a:srgbClr>
+                  </a:clrTo>
+                </a:clrChange>
+                <a:extLst>
+                  <a:ext uri="{28A0092B-C50C-407E-A947-70E740481C1C}">
+                    <a14:useLocalDpi xmlns:a14="http://schemas.microsoft.com/office/drawing/2010/main" val="0"/>
+                  </a:ext>
+                </a:extLst>
+              </a:blip>
+              <a:stretch>
+                <a:fillRect/>
+              </a:stretch>
+            </p:blipFill>
+            <p:spPr>
+              <a:xfrm>
+                <a:off x="6366773" y="1765665"/>
+                <a:ext cx="1219200" cy="1219200"/>
+              </a:xfrm>
+              <a:prstGeom prst="rect">
+                <a:avLst/>
+              </a:prstGeom>
+              <a:noFill/>
+              <a:ln w="12700">
+                <a:noFill/>
+              </a:ln>
+            </p:spPr>
+          </p:pic>
+          <p:sp>
+            <p:nvSpPr>
+              <p:cNvPr id="143" name="Rechteck 142"/>
+              <p:cNvSpPr/>
+              <p:nvPr/>
+            </p:nvSpPr>
+            <p:spPr>
+              <a:xfrm>
+                <a:off x="6348973" y="1731258"/>
+                <a:ext cx="1251794" cy="1292454"/>
+              </a:xfrm>
+              <a:prstGeom prst="rect">
+                <a:avLst/>
+              </a:prstGeom>
+              <a:noFill/>
+              <a:ln w="12700">
+                <a:solidFill>
+                  <a:schemeClr val="tx1"/>
+                </a:solidFill>
+              </a:ln>
+            </p:spPr>
+            <p:style>
+              <a:lnRef idx="2">
+                <a:schemeClr val="accent1">
+                  <a:shade val="50000"/>
+                </a:schemeClr>
+              </a:lnRef>
+              <a:fillRef idx="1">
+                <a:schemeClr val="accent1"/>
+              </a:fillRef>
+              <a:effectRef idx="0">
+                <a:schemeClr val="accent1"/>
+              </a:effectRef>
+              <a:fontRef idx="minor">
+                <a:schemeClr val="lt1"/>
+              </a:fontRef>
+            </p:style>
+            <p:txBody>
+              <a:bodyPr rtlCol="0" anchor="ctr"/>
+              <a:lstStyle/>
+              <a:p>
+                <a:pPr algn="ctr"/>
+                <a:endParaRPr lang="de-DE"/>
+              </a:p>
+            </p:txBody>
+          </p:sp>
+          <p:grpSp>
+            <p:nvGrpSpPr>
+              <p:cNvPr id="4" name="Gruppieren 3"/>
+              <p:cNvGrpSpPr/>
+              <p:nvPr/>
+            </p:nvGrpSpPr>
+            <p:grpSpPr>
+              <a:xfrm>
+                <a:off x="6888123" y="2050153"/>
+                <a:ext cx="453605" cy="320862"/>
+                <a:chOff x="764018" y="3476917"/>
+                <a:chExt cx="453605" cy="320862"/>
+              </a:xfrm>
+            </p:grpSpPr>
+            <p:pic>
+              <p:nvPicPr>
+                <p:cNvPr id="94" name="Grafik 93"/>
+                <p:cNvPicPr>
+                  <a:picLocks noChangeAspect="1"/>
+                </p:cNvPicPr>
+                <p:nvPr/>
+              </p:nvPicPr>
+              <p:blipFill rotWithShape="1">
+                <a:blip r:embed="rId5" cstate="print">
+                  <a:extLst>
+                    <a:ext uri="{28A0092B-C50C-407E-A947-70E740481C1C}">
+                      <a14:useLocalDpi xmlns:a14="http://schemas.microsoft.com/office/drawing/2010/main" val="0"/>
+                    </a:ext>
+                  </a:extLst>
+                </a:blip>
+                <a:srcRect t="13342" b="15506"/>
+                <a:stretch/>
+              </p:blipFill>
+              <p:spPr>
+                <a:xfrm>
+                  <a:off x="764018" y="3476917"/>
+                  <a:ext cx="453605" cy="320862"/>
+                </a:xfrm>
+                <a:prstGeom prst="rect">
+                  <a:avLst/>
+                </a:prstGeom>
+              </p:spPr>
+            </p:pic>
+            <p:pic>
+              <p:nvPicPr>
+                <p:cNvPr id="96" name="Picture 6" descr="Datei:Bbb logo.png"/>
+                <p:cNvPicPr>
+                  <a:picLocks noChangeAspect="1" noChangeArrowheads="1"/>
+                </p:cNvPicPr>
+                <p:nvPr/>
+              </p:nvPicPr>
+              <p:blipFill rotWithShape="1">
+                <a:blip r:embed="rId6" cstate="print">
+                  <a:clrChange>
+                    <a:clrFrom>
+                      <a:srgbClr val="000000">
+                        <a:alpha val="0"/>
+                      </a:srgbClr>
+                    </a:clrFrom>
+                    <a:clrTo>
+                      <a:srgbClr val="000000">
+                        <a:alpha val="0"/>
+                      </a:srgbClr>
+                    </a:clrTo>
+                  </a:clrChange>
+                  <a:extLst>
+                    <a:ext uri="{28A0092B-C50C-407E-A947-70E740481C1C}">
+                      <a14:useLocalDpi xmlns:a14="http://schemas.microsoft.com/office/drawing/2010/main" val="0"/>
+                    </a:ext>
+                  </a:extLst>
+                </a:blip>
+                <a:srcRect r="75077"/>
+                <a:stretch/>
+              </p:blipFill>
+              <p:spPr bwMode="auto">
+                <a:xfrm>
+                  <a:off x="914018" y="3554833"/>
+                  <a:ext cx="153906" cy="150990"/>
+                </a:xfrm>
+                <a:prstGeom prst="rect">
+                  <a:avLst/>
+                </a:prstGeom>
+                <a:noFill/>
+                <a:extLst>
+                  <a:ext uri="{909E8E84-426E-40DD-AFC4-6F175D3DCCD1}">
+                    <a14:hiddenFill xmlns:a14="http://schemas.microsoft.com/office/drawing/2010/main">
+                      <a:solidFill>
+                        <a:srgbClr val="FFFFFF"/>
+                      </a:solidFill>
+                    </a14:hiddenFill>
+                  </a:ext>
+                </a:extLst>
+              </p:spPr>
+            </p:pic>
+          </p:grpSp>
+          <p:grpSp>
+            <p:nvGrpSpPr>
+              <p:cNvPr id="97" name="Gruppieren 96"/>
+              <p:cNvGrpSpPr/>
+              <p:nvPr/>
+            </p:nvGrpSpPr>
+            <p:grpSpPr>
+              <a:xfrm>
+                <a:off x="6466932" y="2038988"/>
+                <a:ext cx="453605" cy="320862"/>
+                <a:chOff x="764018" y="3476917"/>
+                <a:chExt cx="453605" cy="320862"/>
+              </a:xfrm>
+            </p:grpSpPr>
+            <p:pic>
+              <p:nvPicPr>
+                <p:cNvPr id="98" name="Grafik 97"/>
+                <p:cNvPicPr>
+                  <a:picLocks noChangeAspect="1"/>
+                </p:cNvPicPr>
+                <p:nvPr/>
+              </p:nvPicPr>
+              <p:blipFill rotWithShape="1">
+                <a:blip r:embed="rId5" cstate="print">
+                  <a:extLst>
+                    <a:ext uri="{28A0092B-C50C-407E-A947-70E740481C1C}">
+                      <a14:useLocalDpi xmlns:a14="http://schemas.microsoft.com/office/drawing/2010/main" val="0"/>
+                    </a:ext>
+                  </a:extLst>
+                </a:blip>
+                <a:srcRect t="13342" b="15506"/>
+                <a:stretch/>
+              </p:blipFill>
+              <p:spPr>
+                <a:xfrm>
+                  <a:off x="764018" y="3476917"/>
+                  <a:ext cx="453605" cy="320862"/>
+                </a:xfrm>
+                <a:prstGeom prst="rect">
+                  <a:avLst/>
+                </a:prstGeom>
+              </p:spPr>
+            </p:pic>
+            <p:pic>
+              <p:nvPicPr>
+                <p:cNvPr id="99" name="Picture 6" descr="Datei:Bbb logo.png"/>
+                <p:cNvPicPr>
+                  <a:picLocks noChangeAspect="1" noChangeArrowheads="1"/>
+                </p:cNvPicPr>
+                <p:nvPr/>
+              </p:nvPicPr>
+              <p:blipFill rotWithShape="1">
+                <a:blip r:embed="rId6" cstate="print">
+                  <a:clrChange>
+                    <a:clrFrom>
+                      <a:srgbClr val="000000">
+                        <a:alpha val="0"/>
+                      </a:srgbClr>
+                    </a:clrFrom>
+                    <a:clrTo>
+                      <a:srgbClr val="000000">
+                        <a:alpha val="0"/>
+                      </a:srgbClr>
+                    </a:clrTo>
+                  </a:clrChange>
+                  <a:extLst>
+                    <a:ext uri="{28A0092B-C50C-407E-A947-70E740481C1C}">
+                      <a14:useLocalDpi xmlns:a14="http://schemas.microsoft.com/office/drawing/2010/main" val="0"/>
+                    </a:ext>
+                  </a:extLst>
+                </a:blip>
+                <a:srcRect r="75077"/>
+                <a:stretch/>
+              </p:blipFill>
+              <p:spPr bwMode="auto">
+                <a:xfrm>
+                  <a:off x="914018" y="3554833"/>
+                  <a:ext cx="153906" cy="150990"/>
+                </a:xfrm>
+                <a:prstGeom prst="rect">
+                  <a:avLst/>
+                </a:prstGeom>
+                <a:noFill/>
+                <a:extLst>
+                  <a:ext uri="{909E8E84-426E-40DD-AFC4-6F175D3DCCD1}">
+                    <a14:hiddenFill xmlns:a14="http://schemas.microsoft.com/office/drawing/2010/main">
+                      <a:solidFill>
+                        <a:srgbClr val="FFFFFF"/>
+                      </a:solidFill>
+                    </a14:hiddenFill>
+                  </a:ext>
+                </a:extLst>
+              </p:spPr>
+            </p:pic>
+          </p:grpSp>
+          <p:cxnSp>
+            <p:nvCxnSpPr>
+              <p:cNvPr id="127" name="Gerade Verbindung mit Pfeil 1039"/>
+              <p:cNvCxnSpPr/>
+              <p:nvPr/>
+            </p:nvCxnSpPr>
+            <p:spPr>
+              <a:xfrm rot="5400000">
+                <a:off x="6628972" y="2594569"/>
+                <a:ext cx="783054" cy="56932"/>
+              </a:xfrm>
+              <a:prstGeom prst="bentConnector3">
+                <a:avLst>
+                  <a:gd name="adj1" fmla="val 50000"/>
+                </a:avLst>
+              </a:prstGeom>
+              <a:ln w="19050">
+                <a:solidFill>
+                  <a:schemeClr val="tx2"/>
+                </a:solidFill>
+                <a:prstDash val="sysDash"/>
+                <a:headEnd type="triangle" w="med" len="med"/>
+                <a:tailEnd type="none" w="med" len="med"/>
+              </a:ln>
+            </p:spPr>
+            <p:style>
+              <a:lnRef idx="1">
+                <a:schemeClr val="accent1"/>
+              </a:lnRef>
+              <a:fillRef idx="0">
+                <a:schemeClr val="accent1"/>
+              </a:fillRef>
+              <a:effectRef idx="0">
+                <a:schemeClr val="accent1"/>
+              </a:effectRef>
+              <a:fontRef idx="minor">
+                <a:schemeClr val="tx1"/>
+              </a:fontRef>
+            </p:style>
+          </p:cxnSp>
+          <p:grpSp>
+            <p:nvGrpSpPr>
+              <p:cNvPr id="100" name="Gruppieren 99"/>
+              <p:cNvGrpSpPr/>
+              <p:nvPr/>
+            </p:nvGrpSpPr>
+            <p:grpSpPr>
+              <a:xfrm>
+                <a:off x="6280218" y="2543465"/>
+                <a:ext cx="453605" cy="320862"/>
+                <a:chOff x="764018" y="3476917"/>
+                <a:chExt cx="453605" cy="320862"/>
+              </a:xfrm>
+            </p:grpSpPr>
+            <p:pic>
+              <p:nvPicPr>
+                <p:cNvPr id="101" name="Grafik 100"/>
+                <p:cNvPicPr>
+                  <a:picLocks noChangeAspect="1"/>
+                </p:cNvPicPr>
+                <p:nvPr/>
+              </p:nvPicPr>
+              <p:blipFill rotWithShape="1">
+                <a:blip r:embed="rId5" cstate="print">
+                  <a:extLst>
+                    <a:ext uri="{28A0092B-C50C-407E-A947-70E740481C1C}">
+                      <a14:useLocalDpi xmlns:a14="http://schemas.microsoft.com/office/drawing/2010/main" val="0"/>
+                    </a:ext>
+                  </a:extLst>
+                </a:blip>
+                <a:srcRect t="13342" b="15506"/>
+                <a:stretch/>
+              </p:blipFill>
+              <p:spPr>
+                <a:xfrm>
+                  <a:off x="764018" y="3476917"/>
+                  <a:ext cx="453605" cy="320862"/>
+                </a:xfrm>
+                <a:prstGeom prst="rect">
+                  <a:avLst/>
+                </a:prstGeom>
+              </p:spPr>
+            </p:pic>
+            <p:pic>
+              <p:nvPicPr>
+                <p:cNvPr id="102" name="Picture 6" descr="Datei:Bbb logo.png"/>
+                <p:cNvPicPr>
+                  <a:picLocks noChangeAspect="1" noChangeArrowheads="1"/>
+                </p:cNvPicPr>
+                <p:nvPr/>
+              </p:nvPicPr>
+              <p:blipFill rotWithShape="1">
+                <a:blip r:embed="rId6" cstate="print">
+                  <a:clrChange>
+                    <a:clrFrom>
+                      <a:srgbClr val="000000">
+                        <a:alpha val="0"/>
+                      </a:srgbClr>
+                    </a:clrFrom>
+                    <a:clrTo>
+                      <a:srgbClr val="000000">
+                        <a:alpha val="0"/>
+                      </a:srgbClr>
+                    </a:clrTo>
+                  </a:clrChange>
+                  <a:extLst>
+                    <a:ext uri="{28A0092B-C50C-407E-A947-70E740481C1C}">
+                      <a14:useLocalDpi xmlns:a14="http://schemas.microsoft.com/office/drawing/2010/main" val="0"/>
+                    </a:ext>
+                  </a:extLst>
+                </a:blip>
+                <a:srcRect r="75077"/>
+                <a:stretch/>
+              </p:blipFill>
+              <p:spPr bwMode="auto">
+                <a:xfrm>
+                  <a:off x="914018" y="3554833"/>
+                  <a:ext cx="153906" cy="150990"/>
+                </a:xfrm>
+                <a:prstGeom prst="rect">
+                  <a:avLst/>
+                </a:prstGeom>
+                <a:noFill/>
+                <a:extLst>
+                  <a:ext uri="{909E8E84-426E-40DD-AFC4-6F175D3DCCD1}">
+                    <a14:hiddenFill xmlns:a14="http://schemas.microsoft.com/office/drawing/2010/main">
+                      <a:solidFill>
+                        <a:srgbClr val="FFFFFF"/>
+                      </a:solidFill>
+                    </a14:hiddenFill>
+                  </a:ext>
+                </a:extLst>
+              </p:spPr>
+            </p:pic>
+          </p:grpSp>
+          <p:grpSp>
+            <p:nvGrpSpPr>
+              <p:cNvPr id="103" name="Gruppieren 102"/>
+              <p:cNvGrpSpPr/>
+              <p:nvPr/>
+            </p:nvGrpSpPr>
+            <p:grpSpPr>
+              <a:xfrm>
+                <a:off x="6669163" y="2533317"/>
+                <a:ext cx="453605" cy="320862"/>
+                <a:chOff x="764018" y="3476917"/>
+                <a:chExt cx="453605" cy="320862"/>
+              </a:xfrm>
+            </p:grpSpPr>
+            <p:pic>
+              <p:nvPicPr>
+                <p:cNvPr id="104" name="Grafik 103"/>
+                <p:cNvPicPr>
+                  <a:picLocks noChangeAspect="1"/>
+                </p:cNvPicPr>
+                <p:nvPr/>
+              </p:nvPicPr>
+              <p:blipFill rotWithShape="1">
+                <a:blip r:embed="rId5" cstate="print">
+                  <a:extLst>
+                    <a:ext uri="{28A0092B-C50C-407E-A947-70E740481C1C}">
+                      <a14:useLocalDpi xmlns:a14="http://schemas.microsoft.com/office/drawing/2010/main" val="0"/>
+                    </a:ext>
+                  </a:extLst>
+                </a:blip>
+                <a:srcRect t="13342" b="15506"/>
+                <a:stretch/>
+              </p:blipFill>
+              <p:spPr>
+                <a:xfrm>
+                  <a:off x="764018" y="3476917"/>
+                  <a:ext cx="453605" cy="320862"/>
+                </a:xfrm>
+                <a:prstGeom prst="rect">
+                  <a:avLst/>
+                </a:prstGeom>
+              </p:spPr>
+            </p:pic>
+            <p:pic>
+              <p:nvPicPr>
+                <p:cNvPr id="105" name="Picture 6" descr="Datei:Bbb logo.png"/>
+                <p:cNvPicPr>
+                  <a:picLocks noChangeAspect="1" noChangeArrowheads="1"/>
+                </p:cNvPicPr>
+                <p:nvPr/>
+              </p:nvPicPr>
+              <p:blipFill rotWithShape="1">
+                <a:blip r:embed="rId6" cstate="print">
+                  <a:clrChange>
+                    <a:clrFrom>
+                      <a:srgbClr val="000000">
+                        <a:alpha val="0"/>
+                      </a:srgbClr>
+                    </a:clrFrom>
+                    <a:clrTo>
+                      <a:srgbClr val="000000">
+                        <a:alpha val="0"/>
+                      </a:srgbClr>
+                    </a:clrTo>
+                  </a:clrChange>
+                  <a:extLst>
+                    <a:ext uri="{28A0092B-C50C-407E-A947-70E740481C1C}">
+                      <a14:useLocalDpi xmlns:a14="http://schemas.microsoft.com/office/drawing/2010/main" val="0"/>
+                    </a:ext>
+                  </a:extLst>
+                </a:blip>
+                <a:srcRect r="75077"/>
+                <a:stretch/>
+              </p:blipFill>
+              <p:spPr bwMode="auto">
+                <a:xfrm>
+                  <a:off x="914018" y="3554833"/>
+                  <a:ext cx="153906" cy="150990"/>
+                </a:xfrm>
+                <a:prstGeom prst="rect">
+                  <a:avLst/>
+                </a:prstGeom>
+                <a:noFill/>
+                <a:extLst>
+                  <a:ext uri="{909E8E84-426E-40DD-AFC4-6F175D3DCCD1}">
+                    <a14:hiddenFill xmlns:a14="http://schemas.microsoft.com/office/drawing/2010/main">
+                      <a:solidFill>
+                        <a:srgbClr val="FFFFFF"/>
+                      </a:solidFill>
+                    </a14:hiddenFill>
+                  </a:ext>
+                </a:extLst>
+              </p:spPr>
+            </p:pic>
+          </p:grpSp>
+          <p:grpSp>
+            <p:nvGrpSpPr>
+              <p:cNvPr id="106" name="Gruppieren 105"/>
+              <p:cNvGrpSpPr/>
+              <p:nvPr/>
+            </p:nvGrpSpPr>
+            <p:grpSpPr>
+              <a:xfrm>
+                <a:off x="7048135" y="2529418"/>
+                <a:ext cx="453605" cy="320862"/>
+                <a:chOff x="764018" y="3476917"/>
+                <a:chExt cx="453605" cy="320862"/>
+              </a:xfrm>
+            </p:grpSpPr>
+            <p:pic>
+              <p:nvPicPr>
+                <p:cNvPr id="107" name="Grafik 106"/>
+                <p:cNvPicPr>
+                  <a:picLocks noChangeAspect="1"/>
+                </p:cNvPicPr>
+                <p:nvPr/>
+              </p:nvPicPr>
+              <p:blipFill rotWithShape="1">
+                <a:blip r:embed="rId5" cstate="print">
+                  <a:extLst>
+                    <a:ext uri="{28A0092B-C50C-407E-A947-70E740481C1C}">
+                      <a14:useLocalDpi xmlns:a14="http://schemas.microsoft.com/office/drawing/2010/main" val="0"/>
+                    </a:ext>
+                  </a:extLst>
+                </a:blip>
+                <a:srcRect t="13342" b="15506"/>
+                <a:stretch/>
+              </p:blipFill>
+              <p:spPr>
+                <a:xfrm>
+                  <a:off x="764018" y="3476917"/>
+                  <a:ext cx="453605" cy="320862"/>
+                </a:xfrm>
+                <a:prstGeom prst="rect">
+                  <a:avLst/>
+                </a:prstGeom>
+              </p:spPr>
+            </p:pic>
+            <p:pic>
+              <p:nvPicPr>
+                <p:cNvPr id="109" name="Picture 6" descr="Datei:Bbb logo.png"/>
+                <p:cNvPicPr>
+                  <a:picLocks noChangeAspect="1" noChangeArrowheads="1"/>
+                </p:cNvPicPr>
+                <p:nvPr/>
+              </p:nvPicPr>
+              <p:blipFill rotWithShape="1">
+                <a:blip r:embed="rId6" cstate="print">
+                  <a:clrChange>
+                    <a:clrFrom>
+                      <a:srgbClr val="000000">
+                        <a:alpha val="0"/>
+                      </a:srgbClr>
+                    </a:clrFrom>
+                    <a:clrTo>
+                      <a:srgbClr val="000000">
+                        <a:alpha val="0"/>
+                      </a:srgbClr>
+                    </a:clrTo>
+                  </a:clrChange>
+                  <a:extLst>
+                    <a:ext uri="{28A0092B-C50C-407E-A947-70E740481C1C}">
+                      <a14:useLocalDpi xmlns:a14="http://schemas.microsoft.com/office/drawing/2010/main" val="0"/>
+                    </a:ext>
+                  </a:extLst>
+                </a:blip>
+                <a:srcRect r="75077"/>
+                <a:stretch/>
+              </p:blipFill>
+              <p:spPr bwMode="auto">
+                <a:xfrm>
+                  <a:off x="914018" y="3554833"/>
+                  <a:ext cx="153906" cy="150990"/>
+                </a:xfrm>
+                <a:prstGeom prst="rect">
+                  <a:avLst/>
+                </a:prstGeom>
+                <a:noFill/>
+                <a:extLst>
+                  <a:ext uri="{909E8E84-426E-40DD-AFC4-6F175D3DCCD1}">
+                    <a14:hiddenFill xmlns:a14="http://schemas.microsoft.com/office/drawing/2010/main">
+                      <a:solidFill>
+                        <a:srgbClr val="FFFFFF"/>
+                      </a:solidFill>
+                    </a14:hiddenFill>
+                  </a:ext>
+                </a:extLst>
+              </p:spPr>
+            </p:pic>
+          </p:grpSp>
+        </p:grpSp>
+      </p:grpSp>
+      <p:sp>
+        <p:nvSpPr>
+          <p:cNvPr id="110" name="Rechteck 109"/>
+          <p:cNvSpPr/>
+          <p:nvPr/>
+        </p:nvSpPr>
+        <p:spPr>
+          <a:xfrm>
+            <a:off x="3616462" y="1684173"/>
+            <a:ext cx="2272530" cy="1408602"/>
+          </a:xfrm>
+          <a:prstGeom prst="rect">
+            <a:avLst/>
+          </a:prstGeom>
+          <a:solidFill>
+            <a:srgbClr val="FF7C80"/>
+          </a:solidFill>
+          <a:ln w="12700">
+            <a:solidFill>
+              <a:schemeClr val="tx1"/>
+            </a:solidFill>
+          </a:ln>
+        </p:spPr>
+        <p:style>
+          <a:lnRef idx="2">
+            <a:schemeClr val="accent1">
+              <a:shade val="50000"/>
+            </a:schemeClr>
+          </a:lnRef>
+          <a:fillRef idx="1">
+            <a:schemeClr val="accent1"/>
+          </a:fillRef>
+          <a:effectRef idx="0">
+            <a:schemeClr val="accent1"/>
+          </a:effectRef>
+          <a:fontRef idx="minor">
+            <a:schemeClr val="lt1"/>
+          </a:fontRef>
+        </p:style>
+        <p:txBody>
+          <a:bodyPr rtlCol="0" anchor="ctr"/>
+          <a:lstStyle/>
+          <a:p>
+            <a:pPr algn="ctr"/>
+            <a:endParaRPr lang="de-DE"/>
+          </a:p>
+        </p:txBody>
+      </p:sp>
+      <p:pic>
+        <p:nvPicPr>
+          <p:cNvPr id="111" name="Grafik 110"/>
+          <p:cNvPicPr>
+            <a:picLocks noChangeAspect="1"/>
+          </p:cNvPicPr>
+          <p:nvPr/>
+        </p:nvPicPr>
+        <p:blipFill>
+          <a:blip r:embed="rId7">
+            <a:clrChange>
+              <a:clrFrom>
+                <a:srgbClr val="FFFFFF"/>
+              </a:clrFrom>
+              <a:clrTo>
+                <a:srgbClr val="FFFFFF">
+                  <a:alpha val="0"/>
+                </a:srgbClr>
+              </a:clrTo>
+            </a:clrChange>
+            <a:extLst>
+              <a:ext uri="{28A0092B-C50C-407E-A947-70E740481C1C}">
+                <a14:useLocalDpi xmlns:a14="http://schemas.microsoft.com/office/drawing/2010/main" val="0"/>
+              </a:ext>
+            </a:extLst>
+          </a:blip>
+          <a:stretch>
+            <a:fillRect/>
+          </a:stretch>
+        </p:blipFill>
+        <p:spPr>
+          <a:xfrm>
+            <a:off x="3806403" y="1765665"/>
+            <a:ext cx="1219200" cy="1219200"/>
+          </a:xfrm>
+          <a:prstGeom prst="rect">
+            <a:avLst/>
+          </a:prstGeom>
+          <a:noFill/>
+          <a:ln w="12700">
+            <a:noFill/>
+          </a:ln>
+        </p:spPr>
+      </p:pic>
+      <p:sp>
+        <p:nvSpPr>
+          <p:cNvPr id="113" name="Rechteck 112"/>
+          <p:cNvSpPr/>
+          <p:nvPr/>
+        </p:nvSpPr>
+        <p:spPr>
+          <a:xfrm>
+            <a:off x="3788603" y="1731258"/>
+            <a:ext cx="1251794" cy="1292454"/>
+          </a:xfrm>
+          <a:prstGeom prst="rect">
+            <a:avLst/>
+          </a:prstGeom>
+          <a:noFill/>
+          <a:ln w="12700">
+            <a:solidFill>
+              <a:schemeClr val="tx1"/>
+            </a:solidFill>
+          </a:ln>
+        </p:spPr>
+        <p:style>
+          <a:lnRef idx="2">
+            <a:schemeClr val="accent1">
+              <a:shade val="50000"/>
+            </a:schemeClr>
+          </a:lnRef>
+          <a:fillRef idx="1">
+            <a:schemeClr val="accent1"/>
+          </a:fillRef>
+          <a:effectRef idx="0">
+            <a:schemeClr val="accent1"/>
+          </a:effectRef>
+          <a:fontRef idx="minor">
+            <a:schemeClr val="lt1"/>
+          </a:fontRef>
+        </p:style>
+        <p:txBody>
+          <a:bodyPr rtlCol="0" anchor="ctr"/>
+          <a:lstStyle/>
+          <a:p>
+            <a:pPr algn="ctr"/>
+            <a:endParaRPr lang="de-DE"/>
+          </a:p>
+        </p:txBody>
+      </p:sp>
+      <p:grpSp>
+        <p:nvGrpSpPr>
+          <p:cNvPr id="224" name="Gruppieren 223"/>
+          <p:cNvGrpSpPr/>
+          <p:nvPr/>
+        </p:nvGrpSpPr>
+        <p:grpSpPr>
+          <a:xfrm>
+            <a:off x="3730122" y="2038988"/>
+            <a:ext cx="1221522" cy="1218040"/>
+            <a:chOff x="3730122" y="2038988"/>
+            <a:chExt cx="1221522" cy="1218040"/>
+          </a:xfrm>
+        </p:grpSpPr>
+        <p:cxnSp>
+          <p:nvCxnSpPr>
+            <p:cNvPr id="121" name="Gerade Verbindung mit Pfeil 1039"/>
+            <p:cNvCxnSpPr/>
+            <p:nvPr/>
+          </p:nvCxnSpPr>
+          <p:spPr>
+            <a:xfrm rot="16200000" flipH="1">
+              <a:off x="3775588" y="2608077"/>
+              <a:ext cx="1025519" cy="272383"/>
+            </a:xfrm>
+            <a:prstGeom prst="bentConnector3">
+              <a:avLst>
+                <a:gd name="adj1" fmla="val 75939"/>
+              </a:avLst>
+            </a:prstGeom>
+            <a:ln w="19050">
+              <a:solidFill>
+                <a:schemeClr val="tx2"/>
+              </a:solidFill>
+              <a:prstDash val="sysDash"/>
+              <a:headEnd type="triangle" w="med" len="med"/>
+              <a:tailEnd type="none" w="med" len="med"/>
+            </a:ln>
+          </p:spPr>
+          <p:style>
+            <a:lnRef idx="1">
+              <a:schemeClr val="accent1"/>
+            </a:lnRef>
+            <a:fillRef idx="0">
+              <a:schemeClr val="accent1"/>
+            </a:fillRef>
+            <a:effectRef idx="0">
+              <a:schemeClr val="accent1"/>
+            </a:effectRef>
+            <a:fontRef idx="minor">
+              <a:schemeClr val="tx1"/>
+            </a:fontRef>
+          </p:style>
+        </p:cxnSp>
+        <p:grpSp>
+          <p:nvGrpSpPr>
+            <p:cNvPr id="27" name="Gruppieren 26"/>
+            <p:cNvGrpSpPr/>
+            <p:nvPr/>
+          </p:nvGrpSpPr>
+          <p:grpSpPr>
+            <a:xfrm>
+              <a:off x="3730122" y="2038988"/>
+              <a:ext cx="1221522" cy="975574"/>
+              <a:chOff x="3730122" y="2038988"/>
+              <a:chExt cx="1221522" cy="975574"/>
+            </a:xfrm>
+          </p:grpSpPr>
+          <p:grpSp>
+            <p:nvGrpSpPr>
+              <p:cNvPr id="114" name="Gruppieren 113"/>
+              <p:cNvGrpSpPr/>
+              <p:nvPr/>
+            </p:nvGrpSpPr>
+            <p:grpSpPr>
+              <a:xfrm>
+                <a:off x="4338027" y="2050153"/>
+                <a:ext cx="453605" cy="320862"/>
+                <a:chOff x="764018" y="3476917"/>
+                <a:chExt cx="453605" cy="320862"/>
+              </a:xfrm>
+            </p:grpSpPr>
+            <p:pic>
+              <p:nvPicPr>
+                <p:cNvPr id="115" name="Grafik 114"/>
+                <p:cNvPicPr>
+                  <a:picLocks noChangeAspect="1"/>
+                </p:cNvPicPr>
+                <p:nvPr/>
+              </p:nvPicPr>
+              <p:blipFill rotWithShape="1">
+                <a:blip r:embed="rId5" cstate="print">
+                  <a:extLst>
+                    <a:ext uri="{28A0092B-C50C-407E-A947-70E740481C1C}">
+                      <a14:useLocalDpi xmlns:a14="http://schemas.microsoft.com/office/drawing/2010/main" val="0"/>
+                    </a:ext>
+                  </a:extLst>
+                </a:blip>
+                <a:srcRect t="13342" b="15506"/>
+                <a:stretch/>
+              </p:blipFill>
+              <p:spPr>
+                <a:xfrm>
+                  <a:off x="764018" y="3476917"/>
+                  <a:ext cx="453605" cy="320862"/>
+                </a:xfrm>
+                <a:prstGeom prst="rect">
+                  <a:avLst/>
+                </a:prstGeom>
+              </p:spPr>
+            </p:pic>
+            <p:pic>
+              <p:nvPicPr>
+                <p:cNvPr id="116" name="Picture 6" descr="Datei:Bbb logo.png"/>
+                <p:cNvPicPr>
+                  <a:picLocks noChangeAspect="1" noChangeArrowheads="1"/>
+                </p:cNvPicPr>
+                <p:nvPr/>
+              </p:nvPicPr>
+              <p:blipFill rotWithShape="1">
+                <a:blip r:embed="rId6" cstate="print">
+                  <a:clrChange>
+                    <a:clrFrom>
+                      <a:srgbClr val="000000">
+                        <a:alpha val="0"/>
+                      </a:srgbClr>
+                    </a:clrFrom>
+                    <a:clrTo>
+                      <a:srgbClr val="000000">
+                        <a:alpha val="0"/>
+                      </a:srgbClr>
+                    </a:clrTo>
+                  </a:clrChange>
+                  <a:extLst>
+                    <a:ext uri="{28A0092B-C50C-407E-A947-70E740481C1C}">
+                      <a14:useLocalDpi xmlns:a14="http://schemas.microsoft.com/office/drawing/2010/main" val="0"/>
+                    </a:ext>
+                  </a:extLst>
+                </a:blip>
+                <a:srcRect r="75077"/>
+                <a:stretch/>
+              </p:blipFill>
+              <p:spPr bwMode="auto">
+                <a:xfrm>
+                  <a:off x="914018" y="3554833"/>
+                  <a:ext cx="153906" cy="150990"/>
+                </a:xfrm>
+                <a:prstGeom prst="rect">
+                  <a:avLst/>
+                </a:prstGeom>
+                <a:noFill/>
+                <a:extLst>
+                  <a:ext uri="{909E8E84-426E-40DD-AFC4-6F175D3DCCD1}">
+                    <a14:hiddenFill xmlns:a14="http://schemas.microsoft.com/office/drawing/2010/main">
+                      <a:solidFill>
+                        <a:srgbClr val="FFFFFF"/>
+                      </a:solidFill>
+                    </a14:hiddenFill>
+                  </a:ext>
+                </a:extLst>
+              </p:spPr>
+            </p:pic>
+          </p:grpSp>
+          <p:grpSp>
+            <p:nvGrpSpPr>
+              <p:cNvPr id="118" name="Gruppieren 117"/>
+              <p:cNvGrpSpPr/>
+              <p:nvPr/>
+            </p:nvGrpSpPr>
+            <p:grpSpPr>
+              <a:xfrm>
+                <a:off x="3916836" y="2038988"/>
+                <a:ext cx="453605" cy="320862"/>
+                <a:chOff x="764018" y="3476917"/>
+                <a:chExt cx="453605" cy="320862"/>
+              </a:xfrm>
+            </p:grpSpPr>
+            <p:pic>
+              <p:nvPicPr>
+                <p:cNvPr id="119" name="Grafik 118"/>
+                <p:cNvPicPr>
+                  <a:picLocks noChangeAspect="1"/>
+                </p:cNvPicPr>
+                <p:nvPr/>
+              </p:nvPicPr>
+              <p:blipFill rotWithShape="1">
+                <a:blip r:embed="rId5" cstate="print">
+                  <a:extLst>
+                    <a:ext uri="{28A0092B-C50C-407E-A947-70E740481C1C}">
+                      <a14:useLocalDpi xmlns:a14="http://schemas.microsoft.com/office/drawing/2010/main" val="0"/>
+                    </a:ext>
+                  </a:extLst>
+                </a:blip>
+                <a:srcRect t="13342" b="15506"/>
+                <a:stretch/>
+              </p:blipFill>
+              <p:spPr>
+                <a:xfrm>
+                  <a:off x="764018" y="3476917"/>
+                  <a:ext cx="453605" cy="320862"/>
+                </a:xfrm>
+                <a:prstGeom prst="rect">
+                  <a:avLst/>
+                </a:prstGeom>
+              </p:spPr>
+            </p:pic>
+            <p:pic>
+              <p:nvPicPr>
+                <p:cNvPr id="120" name="Picture 6" descr="Datei:Bbb logo.png"/>
+                <p:cNvPicPr>
+                  <a:picLocks noChangeAspect="1" noChangeArrowheads="1"/>
+                </p:cNvPicPr>
+                <p:nvPr/>
+              </p:nvPicPr>
+              <p:blipFill rotWithShape="1">
+                <a:blip r:embed="rId6" cstate="print">
+                  <a:clrChange>
+                    <a:clrFrom>
+                      <a:srgbClr val="000000">
+                        <a:alpha val="0"/>
+                      </a:srgbClr>
+                    </a:clrFrom>
+                    <a:clrTo>
+                      <a:srgbClr val="000000">
+                        <a:alpha val="0"/>
+                      </a:srgbClr>
+                    </a:clrTo>
+                  </a:clrChange>
+                  <a:extLst>
+                    <a:ext uri="{28A0092B-C50C-407E-A947-70E740481C1C}">
+                      <a14:useLocalDpi xmlns:a14="http://schemas.microsoft.com/office/drawing/2010/main" val="0"/>
+                    </a:ext>
+                  </a:extLst>
+                </a:blip>
+                <a:srcRect r="75077"/>
+                <a:stretch/>
+              </p:blipFill>
+              <p:spPr bwMode="auto">
+                <a:xfrm>
+                  <a:off x="914018" y="3554833"/>
+                  <a:ext cx="153906" cy="150990"/>
+                </a:xfrm>
+                <a:prstGeom prst="rect">
+                  <a:avLst/>
+                </a:prstGeom>
+                <a:noFill/>
+                <a:extLst>
+                  <a:ext uri="{909E8E84-426E-40DD-AFC4-6F175D3DCCD1}">
+                    <a14:hiddenFill xmlns:a14="http://schemas.microsoft.com/office/drawing/2010/main">
+                      <a:solidFill>
+                        <a:srgbClr val="FFFFFF"/>
+                      </a:solidFill>
+                    </a14:hiddenFill>
+                  </a:ext>
+                </a:extLst>
+              </p:spPr>
+            </p:pic>
+          </p:grpSp>
+          <p:cxnSp>
+            <p:nvCxnSpPr>
+              <p:cNvPr id="122" name="Gerade Verbindung mit Pfeil 1039"/>
+              <p:cNvCxnSpPr/>
+              <p:nvPr/>
+            </p:nvCxnSpPr>
+            <p:spPr>
+              <a:xfrm rot="5400000">
+                <a:off x="4078876" y="2594569"/>
+                <a:ext cx="783054" cy="56932"/>
+              </a:xfrm>
+              <a:prstGeom prst="bentConnector3">
+                <a:avLst>
+                  <a:gd name="adj1" fmla="val 50000"/>
+                </a:avLst>
+              </a:prstGeom>
+              <a:ln w="19050">
+                <a:solidFill>
+                  <a:schemeClr val="tx2"/>
+                </a:solidFill>
+                <a:prstDash val="sysDash"/>
+                <a:headEnd type="triangle" w="med" len="med"/>
+                <a:tailEnd type="none" w="med" len="med"/>
+              </a:ln>
+            </p:spPr>
+            <p:style>
+              <a:lnRef idx="1">
+                <a:schemeClr val="accent1"/>
+              </a:lnRef>
+              <a:fillRef idx="0">
+                <a:schemeClr val="accent1"/>
+              </a:fillRef>
+              <a:effectRef idx="0">
+                <a:schemeClr val="accent1"/>
+              </a:effectRef>
+              <a:fontRef idx="minor">
+                <a:schemeClr val="tx1"/>
+              </a:fontRef>
+            </p:style>
+          </p:cxnSp>
+          <p:grpSp>
+            <p:nvGrpSpPr>
+              <p:cNvPr id="124" name="Gruppieren 123"/>
+              <p:cNvGrpSpPr/>
+              <p:nvPr/>
+            </p:nvGrpSpPr>
+            <p:grpSpPr>
+              <a:xfrm>
+                <a:off x="3730122" y="2543465"/>
+                <a:ext cx="453605" cy="320862"/>
+                <a:chOff x="764018" y="3476917"/>
+                <a:chExt cx="453605" cy="320862"/>
+              </a:xfrm>
+            </p:grpSpPr>
+            <p:pic>
+              <p:nvPicPr>
+                <p:cNvPr id="125" name="Grafik 124"/>
+                <p:cNvPicPr>
+                  <a:picLocks noChangeAspect="1"/>
+                </p:cNvPicPr>
+                <p:nvPr/>
+              </p:nvPicPr>
+              <p:blipFill rotWithShape="1">
+                <a:blip r:embed="rId5" cstate="print">
+                  <a:extLst>
+                    <a:ext uri="{28A0092B-C50C-407E-A947-70E740481C1C}">
+                      <a14:useLocalDpi xmlns:a14="http://schemas.microsoft.com/office/drawing/2010/main" val="0"/>
+                    </a:ext>
+                  </a:extLst>
+                </a:blip>
+                <a:srcRect t="13342" b="15506"/>
+                <a:stretch/>
+              </p:blipFill>
+              <p:spPr>
+                <a:xfrm>
+                  <a:off x="764018" y="3476917"/>
+                  <a:ext cx="453605" cy="320862"/>
+                </a:xfrm>
+                <a:prstGeom prst="rect">
+                  <a:avLst/>
+                </a:prstGeom>
+              </p:spPr>
+            </p:pic>
+            <p:pic>
+              <p:nvPicPr>
+                <p:cNvPr id="126" name="Picture 6" descr="Datei:Bbb logo.png"/>
+                <p:cNvPicPr>
+                  <a:picLocks noChangeAspect="1" noChangeArrowheads="1"/>
+                </p:cNvPicPr>
+                <p:nvPr/>
+              </p:nvPicPr>
+              <p:blipFill rotWithShape="1">
+                <a:blip r:embed="rId6" cstate="print">
+                  <a:clrChange>
+                    <a:clrFrom>
+                      <a:srgbClr val="000000">
+                        <a:alpha val="0"/>
+                      </a:srgbClr>
+                    </a:clrFrom>
+                    <a:clrTo>
+                      <a:srgbClr val="000000">
+                        <a:alpha val="0"/>
+                      </a:srgbClr>
+                    </a:clrTo>
+                  </a:clrChange>
+                  <a:extLst>
+                    <a:ext uri="{28A0092B-C50C-407E-A947-70E740481C1C}">
+                      <a14:useLocalDpi xmlns:a14="http://schemas.microsoft.com/office/drawing/2010/main" val="0"/>
+                    </a:ext>
+                  </a:extLst>
+                </a:blip>
+                <a:srcRect r="75077"/>
+                <a:stretch/>
+              </p:blipFill>
+              <p:spPr bwMode="auto">
+                <a:xfrm>
+                  <a:off x="914018" y="3554833"/>
+                  <a:ext cx="153906" cy="150990"/>
+                </a:xfrm>
+                <a:prstGeom prst="rect">
+                  <a:avLst/>
+                </a:prstGeom>
+                <a:noFill/>
+                <a:extLst>
+                  <a:ext uri="{909E8E84-426E-40DD-AFC4-6F175D3DCCD1}">
+                    <a14:hiddenFill xmlns:a14="http://schemas.microsoft.com/office/drawing/2010/main">
+                      <a:solidFill>
+                        <a:srgbClr val="FFFFFF"/>
+                      </a:solidFill>
+                    </a14:hiddenFill>
+                  </a:ext>
+                </a:extLst>
+              </p:spPr>
+            </p:pic>
+          </p:grpSp>
+          <p:grpSp>
+            <p:nvGrpSpPr>
+              <p:cNvPr id="128" name="Gruppieren 127"/>
+              <p:cNvGrpSpPr/>
+              <p:nvPr/>
+            </p:nvGrpSpPr>
+            <p:grpSpPr>
+              <a:xfrm>
+                <a:off x="4119067" y="2533317"/>
+                <a:ext cx="453605" cy="320862"/>
+                <a:chOff x="764018" y="3476917"/>
+                <a:chExt cx="453605" cy="320862"/>
+              </a:xfrm>
+            </p:grpSpPr>
+            <p:pic>
+              <p:nvPicPr>
+                <p:cNvPr id="129" name="Grafik 128"/>
+                <p:cNvPicPr>
+                  <a:picLocks noChangeAspect="1"/>
+                </p:cNvPicPr>
+                <p:nvPr/>
+              </p:nvPicPr>
+              <p:blipFill rotWithShape="1">
+                <a:blip r:embed="rId5" cstate="print">
+                  <a:extLst>
+                    <a:ext uri="{28A0092B-C50C-407E-A947-70E740481C1C}">
+                      <a14:useLocalDpi xmlns:a14="http://schemas.microsoft.com/office/drawing/2010/main" val="0"/>
+                    </a:ext>
+                  </a:extLst>
+                </a:blip>
+                <a:srcRect t="13342" b="15506"/>
+                <a:stretch/>
+              </p:blipFill>
+              <p:spPr>
+                <a:xfrm>
+                  <a:off x="764018" y="3476917"/>
+                  <a:ext cx="453605" cy="320862"/>
+                </a:xfrm>
+                <a:prstGeom prst="rect">
+                  <a:avLst/>
+                </a:prstGeom>
+              </p:spPr>
+            </p:pic>
+            <p:pic>
+              <p:nvPicPr>
+                <p:cNvPr id="131" name="Picture 6" descr="Datei:Bbb logo.png"/>
+                <p:cNvPicPr>
+                  <a:picLocks noChangeAspect="1" noChangeArrowheads="1"/>
+                </p:cNvPicPr>
+                <p:nvPr/>
+              </p:nvPicPr>
+              <p:blipFill rotWithShape="1">
+                <a:blip r:embed="rId6" cstate="print">
+                  <a:clrChange>
+                    <a:clrFrom>
+                      <a:srgbClr val="000000">
+                        <a:alpha val="0"/>
+                      </a:srgbClr>
+                    </a:clrFrom>
+                    <a:clrTo>
+                      <a:srgbClr val="000000">
+                        <a:alpha val="0"/>
+                      </a:srgbClr>
+                    </a:clrTo>
+                  </a:clrChange>
+                  <a:extLst>
+                    <a:ext uri="{28A0092B-C50C-407E-A947-70E740481C1C}">
+                      <a14:useLocalDpi xmlns:a14="http://schemas.microsoft.com/office/drawing/2010/main" val="0"/>
+                    </a:ext>
+                  </a:extLst>
+                </a:blip>
+                <a:srcRect r="75077"/>
+                <a:stretch/>
+              </p:blipFill>
+              <p:spPr bwMode="auto">
+                <a:xfrm>
+                  <a:off x="914018" y="3554833"/>
+                  <a:ext cx="153906" cy="150990"/>
+                </a:xfrm>
+                <a:prstGeom prst="rect">
+                  <a:avLst/>
+                </a:prstGeom>
+                <a:noFill/>
+                <a:extLst>
+                  <a:ext uri="{909E8E84-426E-40DD-AFC4-6F175D3DCCD1}">
+                    <a14:hiddenFill xmlns:a14="http://schemas.microsoft.com/office/drawing/2010/main">
+                      <a:solidFill>
+                        <a:srgbClr val="FFFFFF"/>
+                      </a:solidFill>
+                    </a14:hiddenFill>
+                  </a:ext>
+                </a:extLst>
+              </p:spPr>
+            </p:pic>
+          </p:grpSp>
+          <p:grpSp>
+            <p:nvGrpSpPr>
+              <p:cNvPr id="132" name="Gruppieren 131"/>
+              <p:cNvGrpSpPr/>
+              <p:nvPr/>
+            </p:nvGrpSpPr>
+            <p:grpSpPr>
+              <a:xfrm>
+                <a:off x="4498039" y="2529418"/>
+                <a:ext cx="453605" cy="320862"/>
+                <a:chOff x="764018" y="3476917"/>
+                <a:chExt cx="453605" cy="320862"/>
+              </a:xfrm>
+            </p:grpSpPr>
+            <p:pic>
+              <p:nvPicPr>
+                <p:cNvPr id="155" name="Grafik 154"/>
+                <p:cNvPicPr>
+                  <a:picLocks noChangeAspect="1"/>
+                </p:cNvPicPr>
+                <p:nvPr/>
+              </p:nvPicPr>
+              <p:blipFill rotWithShape="1">
+                <a:blip r:embed="rId5" cstate="print">
+                  <a:extLst>
+                    <a:ext uri="{28A0092B-C50C-407E-A947-70E740481C1C}">
+                      <a14:useLocalDpi xmlns:a14="http://schemas.microsoft.com/office/drawing/2010/main" val="0"/>
+                    </a:ext>
+                  </a:extLst>
+                </a:blip>
+                <a:srcRect t="13342" b="15506"/>
+                <a:stretch/>
+              </p:blipFill>
+              <p:spPr>
+                <a:xfrm>
+                  <a:off x="764018" y="3476917"/>
+                  <a:ext cx="453605" cy="320862"/>
+                </a:xfrm>
+                <a:prstGeom prst="rect">
+                  <a:avLst/>
+                </a:prstGeom>
+              </p:spPr>
+            </p:pic>
+            <p:pic>
+              <p:nvPicPr>
+                <p:cNvPr id="156" name="Picture 6" descr="Datei:Bbb logo.png"/>
+                <p:cNvPicPr>
+                  <a:picLocks noChangeAspect="1" noChangeArrowheads="1"/>
+                </p:cNvPicPr>
+                <p:nvPr/>
+              </p:nvPicPr>
+              <p:blipFill rotWithShape="1">
+                <a:blip r:embed="rId6" cstate="print">
+                  <a:clrChange>
+                    <a:clrFrom>
+                      <a:srgbClr val="000000">
+                        <a:alpha val="0"/>
+                      </a:srgbClr>
+                    </a:clrFrom>
+                    <a:clrTo>
+                      <a:srgbClr val="000000">
+                        <a:alpha val="0"/>
+                      </a:srgbClr>
+                    </a:clrTo>
+                  </a:clrChange>
+                  <a:extLst>
+                    <a:ext uri="{28A0092B-C50C-407E-A947-70E740481C1C}">
+                      <a14:useLocalDpi xmlns:a14="http://schemas.microsoft.com/office/drawing/2010/main" val="0"/>
+                    </a:ext>
+                  </a:extLst>
+                </a:blip>
+                <a:srcRect r="75077"/>
+                <a:stretch/>
+              </p:blipFill>
+              <p:spPr bwMode="auto">
+                <a:xfrm>
+                  <a:off x="914018" y="3554833"/>
+                  <a:ext cx="153906" cy="150990"/>
+                </a:xfrm>
+                <a:prstGeom prst="rect">
+                  <a:avLst/>
+                </a:prstGeom>
+                <a:noFill/>
+                <a:extLst>
+                  <a:ext uri="{909E8E84-426E-40DD-AFC4-6F175D3DCCD1}">
+                    <a14:hiddenFill xmlns:a14="http://schemas.microsoft.com/office/drawing/2010/main">
+                      <a:solidFill>
+                        <a:srgbClr val="FFFFFF"/>
+                      </a:solidFill>
+                    </a14:hiddenFill>
+                  </a:ext>
+                </a:extLst>
+              </p:spPr>
+            </p:pic>
+          </p:grpSp>
+        </p:grpSp>
+      </p:grpSp>
+      <p:cxnSp>
+        <p:nvCxnSpPr>
+          <p:cNvPr id="157" name="Gerade Verbindung mit Pfeil 1039"/>
+          <p:cNvCxnSpPr>
+            <a:stCxn id="6" idx="0"/>
+            <a:endCxn id="111" idx="2"/>
+          </p:cNvCxnSpPr>
+          <p:nvPr/>
+        </p:nvCxnSpPr>
+        <p:spPr>
+          <a:xfrm rot="16200000" flipV="1">
+            <a:off x="4859960" y="2540908"/>
+            <a:ext cx="738754" cy="1626668"/>
+          </a:xfrm>
+          <a:prstGeom prst="bentConnector3">
+            <a:avLst>
+              <a:gd name="adj1" fmla="val 47708"/>
+            </a:avLst>
+          </a:prstGeom>
+          <a:ln w="25400">
+            <a:solidFill>
+              <a:srgbClr val="002060"/>
+            </a:solidFill>
+            <a:prstDash val="sysDash"/>
+            <a:headEnd type="triangle"/>
+            <a:tailEnd type="triangle"/>
+          </a:ln>
+        </p:spPr>
+        <p:style>
+          <a:lnRef idx="1">
+            <a:schemeClr val="accent1"/>
+          </a:lnRef>
+          <a:fillRef idx="0">
+            <a:schemeClr val="accent1"/>
+          </a:fillRef>
+          <a:effectRef idx="0">
+            <a:schemeClr val="accent1"/>
+          </a:effectRef>
+          <a:fontRef idx="minor">
+            <a:schemeClr val="tx1"/>
+          </a:fontRef>
+        </p:style>
+      </p:cxnSp>
+      <p:sp>
+        <p:nvSpPr>
+          <p:cNvPr id="24" name="Rechteck 23"/>
+          <p:cNvSpPr/>
+          <p:nvPr/>
+        </p:nvSpPr>
+        <p:spPr>
+          <a:xfrm>
+            <a:off x="270558" y="4149279"/>
+            <a:ext cx="4350110" cy="2192253"/>
+          </a:xfrm>
+          <a:prstGeom prst="rect">
+            <a:avLst/>
+          </a:prstGeom>
+          <a:ln>
+            <a:noFill/>
+          </a:ln>
+        </p:spPr>
+        <p:style>
+          <a:lnRef idx="2">
+            <a:schemeClr val="dk1"/>
+          </a:lnRef>
+          <a:fillRef idx="1">
+            <a:schemeClr val="lt1"/>
+          </a:fillRef>
+          <a:effectRef idx="0">
+            <a:schemeClr val="dk1"/>
+          </a:effectRef>
+          <a:fontRef idx="minor">
+            <a:schemeClr val="dk1"/>
+          </a:fontRef>
+        </p:style>
+        <p:txBody>
+          <a:bodyPr rtlCol="0" anchor="ctr"/>
+          <a:lstStyle/>
+          <a:p>
+            <a:pPr marL="285750" indent="-285750">
+              <a:buFont typeface="Arial" panose="020B0604020202020204" pitchFamily="34" charset="0"/>
+              <a:buChar char="•"/>
+            </a:pPr>
+            <a:r>
+              <a:rPr lang="de-DE" sz="2400" dirty="0" smtClean="0"/>
+              <a:t>WLAN </a:t>
+            </a:r>
+            <a:r>
+              <a:rPr lang="de-DE" sz="2400" dirty="0"/>
+              <a:t>im Hörsaal (Bandbreite, Re-Connect) </a:t>
+            </a:r>
+            <a:endParaRPr lang="de-DE" sz="2400" dirty="0" smtClean="0"/>
+          </a:p>
+          <a:p>
+            <a:pPr marL="285750" indent="-285750">
+              <a:buFont typeface="Arial" panose="020B0604020202020204" pitchFamily="34" charset="0"/>
+              <a:buChar char="•"/>
+            </a:pPr>
+            <a:r>
+              <a:rPr lang="de-DE" sz="2400" dirty="0" smtClean="0"/>
+              <a:t>Steckdose?</a:t>
+            </a:r>
+            <a:endParaRPr lang="de-DE" sz="2400" dirty="0"/>
+          </a:p>
+          <a:p>
+            <a:pPr marL="285750" indent="-285750">
+              <a:buFont typeface="Arial" panose="020B0604020202020204" pitchFamily="34" charset="0"/>
+              <a:buChar char="•"/>
+            </a:pPr>
+            <a:r>
+              <a:rPr lang="de-DE" sz="2400" dirty="0"/>
+              <a:t>Unterschiedliche Interaktion Raum 1 vs. andere Räume</a:t>
+            </a:r>
+          </a:p>
+          <a:p>
+            <a:pPr marL="285750" indent="-285750">
+              <a:buFont typeface="Arial" panose="020B0604020202020204" pitchFamily="34" charset="0"/>
+              <a:buChar char="•"/>
+            </a:pPr>
+            <a:r>
+              <a:rPr lang="de-DE" sz="2400" dirty="0"/>
+              <a:t>„Alle gucken auf Tablet &amp; Co</a:t>
+            </a:r>
+            <a:r>
+              <a:rPr lang="de-DE" sz="2400" dirty="0" smtClean="0"/>
+              <a:t>“</a:t>
+            </a:r>
+            <a:endParaRPr lang="de-DE" sz="2400" dirty="0"/>
+          </a:p>
+        </p:txBody>
+      </p:sp>
+      <p:sp>
+        <p:nvSpPr>
+          <p:cNvPr id="26" name="Wolkenförmige Legende 25"/>
+          <p:cNvSpPr/>
+          <p:nvPr/>
+        </p:nvSpPr>
+        <p:spPr>
+          <a:xfrm>
+            <a:off x="182533" y="3363139"/>
+            <a:ext cx="2202294" cy="689506"/>
+          </a:xfrm>
+          <a:prstGeom prst="cloudCallout">
+            <a:avLst>
+              <a:gd name="adj1" fmla="val 40443"/>
+              <a:gd name="adj2" fmla="val -103085"/>
+            </a:avLst>
+          </a:prstGeom>
+        </p:spPr>
+        <p:style>
+          <a:lnRef idx="2">
+            <a:schemeClr val="accent1">
+              <a:shade val="50000"/>
+            </a:schemeClr>
+          </a:lnRef>
+          <a:fillRef idx="1">
+            <a:schemeClr val="accent1"/>
+          </a:fillRef>
+          <a:effectRef idx="0">
+            <a:schemeClr val="accent1"/>
+          </a:effectRef>
+          <a:fontRef idx="minor">
+            <a:schemeClr val="lt1"/>
+          </a:fontRef>
+        </p:style>
+        <p:txBody>
+          <a:bodyPr lIns="0" rIns="0" rtlCol="0" anchor="ctr"/>
+          <a:lstStyle/>
+          <a:p>
+            <a:pPr algn="ctr"/>
+            <a:r>
+              <a:rPr lang="de-DE" sz="2400" b="1" dirty="0" smtClean="0"/>
+              <a:t>Gute Idee?</a:t>
+            </a:r>
+            <a:endParaRPr lang="de-DE" sz="2400" b="1" dirty="0"/>
           </a:p>
         </p:txBody>
       </p:sp>
     </p:spTree>
     <p:extLst>
       <p:ext uri="{BB962C8B-B14F-4D97-AF65-F5344CB8AC3E}">
-        <p14:creationId xmlns:p14="http://schemas.microsoft.com/office/powerpoint/2010/main" val="1466482794"/>
+        <p14:creationId xmlns:p14="http://schemas.microsoft.com/office/powerpoint/2010/main" val="377947295"/>
       </p:ext>
     </p:extLst>
   </p:cSld>
@@ -5640,9 +9208,621 @@
   <p:timing>
     <p:tnLst>
       <p:par>
-        <p:cTn id="1" dur="indefinite" restart="never" nodeType="tmRoot"/>
+        <p:cTn id="1" dur="indefinite" restart="never" nodeType="tmRoot">
+          <p:childTnLst>
+            <p:seq concurrent="1" nextAc="seek">
+              <p:cTn id="2" dur="indefinite" nodeType="mainSeq">
+                <p:childTnLst>
+                  <p:par>
+                    <p:cTn id="3" fill="hold">
+                      <p:stCondLst>
+                        <p:cond delay="indefinite"/>
+                      </p:stCondLst>
+                      <p:childTnLst>
+                        <p:par>
+                          <p:cTn id="4" fill="hold">
+                            <p:stCondLst>
+                              <p:cond delay="0"/>
+                            </p:stCondLst>
+                            <p:childTnLst>
+                              <p:par>
+                                <p:cTn id="5" presetID="1" presetClass="entr" presetSubtype="0" fill="hold" nodeType="clickEffect">
+                                  <p:stCondLst>
+                                    <p:cond delay="0"/>
+                                  </p:stCondLst>
+                                  <p:childTnLst>
+                                    <p:set>
+                                      <p:cBhvr>
+                                        <p:cTn id="6" dur="1" fill="hold">
+                                          <p:stCondLst>
+                                            <p:cond delay="0"/>
+                                          </p:stCondLst>
+                                        </p:cTn>
+                                        <p:tgtEl>
+                                          <p:spTgt spid="29"/>
+                                        </p:tgtEl>
+                                        <p:attrNameLst>
+                                          <p:attrName>style.visibility</p:attrName>
+                                        </p:attrNameLst>
+                                      </p:cBhvr>
+                                      <p:to>
+                                        <p:strVal val="visible"/>
+                                      </p:to>
+                                    </p:set>
+                                  </p:childTnLst>
+                                </p:cTn>
+                              </p:par>
+                              <p:par>
+                                <p:cTn id="7" presetID="1" presetClass="entr" presetSubtype="0" fill="hold" nodeType="withEffect">
+                                  <p:stCondLst>
+                                    <p:cond delay="0"/>
+                                  </p:stCondLst>
+                                  <p:childTnLst>
+                                    <p:set>
+                                      <p:cBhvr>
+                                        <p:cTn id="8" dur="1" fill="hold">
+                                          <p:stCondLst>
+                                            <p:cond delay="0"/>
+                                          </p:stCondLst>
+                                        </p:cTn>
+                                        <p:tgtEl>
+                                          <p:spTgt spid="30"/>
+                                        </p:tgtEl>
+                                        <p:attrNameLst>
+                                          <p:attrName>style.visibility</p:attrName>
+                                        </p:attrNameLst>
+                                      </p:cBhvr>
+                                      <p:to>
+                                        <p:strVal val="visible"/>
+                                      </p:to>
+                                    </p:set>
+                                  </p:childTnLst>
+                                </p:cTn>
+                              </p:par>
+                            </p:childTnLst>
+                          </p:cTn>
+                        </p:par>
+                      </p:childTnLst>
+                    </p:cTn>
+                  </p:par>
+                  <p:par>
+                    <p:cTn id="9" fill="hold">
+                      <p:stCondLst>
+                        <p:cond delay="indefinite"/>
+                      </p:stCondLst>
+                      <p:childTnLst>
+                        <p:par>
+                          <p:cTn id="10" fill="hold">
+                            <p:stCondLst>
+                              <p:cond delay="0"/>
+                            </p:stCondLst>
+                            <p:childTnLst>
+                              <p:par>
+                                <p:cTn id="11" presetID="1" presetClass="entr" presetSubtype="0" fill="hold" grpId="0" nodeType="clickEffect">
+                                  <p:stCondLst>
+                                    <p:cond delay="0"/>
+                                  </p:stCondLst>
+                                  <p:childTnLst>
+                                    <p:set>
+                                      <p:cBhvr>
+                                        <p:cTn id="12" dur="1" fill="hold">
+                                          <p:stCondLst>
+                                            <p:cond delay="0"/>
+                                          </p:stCondLst>
+                                        </p:cTn>
+                                        <p:tgtEl>
+                                          <p:spTgt spid="9"/>
+                                        </p:tgtEl>
+                                        <p:attrNameLst>
+                                          <p:attrName>style.visibility</p:attrName>
+                                        </p:attrNameLst>
+                                      </p:cBhvr>
+                                      <p:to>
+                                        <p:strVal val="visible"/>
+                                      </p:to>
+                                    </p:set>
+                                  </p:childTnLst>
+                                </p:cTn>
+                              </p:par>
+                              <p:par>
+                                <p:cTn id="13" presetID="1" presetClass="entr" presetSubtype="0" fill="hold" grpId="0" nodeType="withEffect">
+                                  <p:stCondLst>
+                                    <p:cond delay="0"/>
+                                  </p:stCondLst>
+                                  <p:childTnLst>
+                                    <p:set>
+                                      <p:cBhvr>
+                                        <p:cTn id="14" dur="1" fill="hold">
+                                          <p:stCondLst>
+                                            <p:cond delay="0"/>
+                                          </p:stCondLst>
+                                        </p:cTn>
+                                        <p:tgtEl>
+                                          <p:spTgt spid="110"/>
+                                        </p:tgtEl>
+                                        <p:attrNameLst>
+                                          <p:attrName>style.visibility</p:attrName>
+                                        </p:attrNameLst>
+                                      </p:cBhvr>
+                                      <p:to>
+                                        <p:strVal val="visible"/>
+                                      </p:to>
+                                    </p:set>
+                                  </p:childTnLst>
+                                </p:cTn>
+                              </p:par>
+                              <p:par>
+                                <p:cTn id="15" presetID="1" presetClass="entr" presetSubtype="0" fill="hold" grpId="0" nodeType="withEffect">
+                                  <p:stCondLst>
+                                    <p:cond delay="0"/>
+                                  </p:stCondLst>
+                                  <p:childTnLst>
+                                    <p:set>
+                                      <p:cBhvr>
+                                        <p:cTn id="16" dur="1" fill="hold">
+                                          <p:stCondLst>
+                                            <p:cond delay="0"/>
+                                          </p:stCondLst>
+                                        </p:cTn>
+                                        <p:tgtEl>
+                                          <p:spTgt spid="113"/>
+                                        </p:tgtEl>
+                                        <p:attrNameLst>
+                                          <p:attrName>style.visibility</p:attrName>
+                                        </p:attrNameLst>
+                                      </p:cBhvr>
+                                      <p:to>
+                                        <p:strVal val="visible"/>
+                                      </p:to>
+                                    </p:set>
+                                  </p:childTnLst>
+                                </p:cTn>
+                              </p:par>
+                              <p:par>
+                                <p:cTn id="17" presetID="1" presetClass="entr" presetSubtype="0" fill="hold" nodeType="withEffect">
+                                  <p:stCondLst>
+                                    <p:cond delay="0"/>
+                                  </p:stCondLst>
+                                  <p:childTnLst>
+                                    <p:set>
+                                      <p:cBhvr>
+                                        <p:cTn id="18" dur="1" fill="hold">
+                                          <p:stCondLst>
+                                            <p:cond delay="0"/>
+                                          </p:stCondLst>
+                                        </p:cTn>
+                                        <p:tgtEl>
+                                          <p:spTgt spid="111"/>
+                                        </p:tgtEl>
+                                        <p:attrNameLst>
+                                          <p:attrName>style.visibility</p:attrName>
+                                        </p:attrNameLst>
+                                      </p:cBhvr>
+                                      <p:to>
+                                        <p:strVal val="visible"/>
+                                      </p:to>
+                                    </p:set>
+                                  </p:childTnLst>
+                                </p:cTn>
+                              </p:par>
+                            </p:childTnLst>
+                          </p:cTn>
+                        </p:par>
+                      </p:childTnLst>
+                    </p:cTn>
+                  </p:par>
+                  <p:par>
+                    <p:cTn id="19" fill="hold">
+                      <p:stCondLst>
+                        <p:cond delay="indefinite"/>
+                      </p:stCondLst>
+                      <p:childTnLst>
+                        <p:par>
+                          <p:cTn id="20" fill="hold">
+                            <p:stCondLst>
+                              <p:cond delay="0"/>
+                            </p:stCondLst>
+                            <p:childTnLst>
+                              <p:par>
+                                <p:cTn id="21" presetID="1" presetClass="entr" presetSubtype="0" fill="hold" nodeType="clickEffect">
+                                  <p:stCondLst>
+                                    <p:cond delay="0"/>
+                                  </p:stCondLst>
+                                  <p:childTnLst>
+                                    <p:set>
+                                      <p:cBhvr>
+                                        <p:cTn id="22" dur="1" fill="hold">
+                                          <p:stCondLst>
+                                            <p:cond delay="0"/>
+                                          </p:stCondLst>
+                                        </p:cTn>
+                                        <p:tgtEl>
+                                          <p:spTgt spid="224"/>
+                                        </p:tgtEl>
+                                        <p:attrNameLst>
+                                          <p:attrName>style.visibility</p:attrName>
+                                        </p:attrNameLst>
+                                      </p:cBhvr>
+                                      <p:to>
+                                        <p:strVal val="visible"/>
+                                      </p:to>
+                                    </p:set>
+                                  </p:childTnLst>
+                                </p:cTn>
+                              </p:par>
+                              <p:par>
+                                <p:cTn id="23" presetID="1" presetClass="entr" presetSubtype="0" fill="hold" nodeType="withEffect">
+                                  <p:stCondLst>
+                                    <p:cond delay="0"/>
+                                  </p:stCondLst>
+                                  <p:childTnLst>
+                                    <p:set>
+                                      <p:cBhvr>
+                                        <p:cTn id="24" dur="1" fill="hold">
+                                          <p:stCondLst>
+                                            <p:cond delay="0"/>
+                                          </p:stCondLst>
+                                        </p:cTn>
+                                        <p:tgtEl>
+                                          <p:spTgt spid="157"/>
+                                        </p:tgtEl>
+                                        <p:attrNameLst>
+                                          <p:attrName>style.visibility</p:attrName>
+                                        </p:attrNameLst>
+                                      </p:cBhvr>
+                                      <p:to>
+                                        <p:strVal val="visible"/>
+                                      </p:to>
+                                    </p:set>
+                                  </p:childTnLst>
+                                </p:cTn>
+                              </p:par>
+                            </p:childTnLst>
+                          </p:cTn>
+                        </p:par>
+                      </p:childTnLst>
+                    </p:cTn>
+                  </p:par>
+                  <p:par>
+                    <p:cTn id="25" fill="hold">
+                      <p:stCondLst>
+                        <p:cond delay="indefinite"/>
+                      </p:stCondLst>
+                      <p:childTnLst>
+                        <p:par>
+                          <p:cTn id="26" fill="hold">
+                            <p:stCondLst>
+                              <p:cond delay="0"/>
+                            </p:stCondLst>
+                            <p:childTnLst>
+                              <p:par>
+                                <p:cTn id="27" presetID="1" presetClass="entr" presetSubtype="0" fill="hold" nodeType="clickEffect">
+                                  <p:stCondLst>
+                                    <p:cond delay="0"/>
+                                  </p:stCondLst>
+                                  <p:childTnLst>
+                                    <p:set>
+                                      <p:cBhvr>
+                                        <p:cTn id="28" dur="1" fill="hold">
+                                          <p:stCondLst>
+                                            <p:cond delay="0"/>
+                                          </p:stCondLst>
+                                        </p:cTn>
+                                        <p:tgtEl>
+                                          <p:spTgt spid="227"/>
+                                        </p:tgtEl>
+                                        <p:attrNameLst>
+                                          <p:attrName>style.visibility</p:attrName>
+                                        </p:attrNameLst>
+                                      </p:cBhvr>
+                                      <p:to>
+                                        <p:strVal val="visible"/>
+                                      </p:to>
+                                    </p:set>
+                                  </p:childTnLst>
+                                </p:cTn>
+                              </p:par>
+                            </p:childTnLst>
+                          </p:cTn>
+                        </p:par>
+                      </p:childTnLst>
+                    </p:cTn>
+                  </p:par>
+                  <p:par>
+                    <p:cTn id="29" fill="hold">
+                      <p:stCondLst>
+                        <p:cond delay="indefinite"/>
+                      </p:stCondLst>
+                      <p:childTnLst>
+                        <p:par>
+                          <p:cTn id="30" fill="hold">
+                            <p:stCondLst>
+                              <p:cond delay="0"/>
+                            </p:stCondLst>
+                            <p:childTnLst>
+                              <p:par>
+                                <p:cTn id="31" presetID="1" presetClass="entr" presetSubtype="0" fill="hold" nodeType="clickEffect">
+                                  <p:stCondLst>
+                                    <p:cond delay="0"/>
+                                  </p:stCondLst>
+                                  <p:childTnLst>
+                                    <p:set>
+                                      <p:cBhvr>
+                                        <p:cTn id="32" dur="1" fill="hold">
+                                          <p:stCondLst>
+                                            <p:cond delay="0"/>
+                                          </p:stCondLst>
+                                        </p:cTn>
+                                        <p:tgtEl>
+                                          <p:spTgt spid="229"/>
+                                        </p:tgtEl>
+                                        <p:attrNameLst>
+                                          <p:attrName>style.visibility</p:attrName>
+                                        </p:attrNameLst>
+                                      </p:cBhvr>
+                                      <p:to>
+                                        <p:strVal val="visible"/>
+                                      </p:to>
+                                    </p:set>
+                                  </p:childTnLst>
+                                </p:cTn>
+                              </p:par>
+                            </p:childTnLst>
+                          </p:cTn>
+                        </p:par>
+                      </p:childTnLst>
+                    </p:cTn>
+                  </p:par>
+                  <p:par>
+                    <p:cTn id="33" fill="hold">
+                      <p:stCondLst>
+                        <p:cond delay="indefinite"/>
+                      </p:stCondLst>
+                      <p:childTnLst>
+                        <p:par>
+                          <p:cTn id="34" fill="hold">
+                            <p:stCondLst>
+                              <p:cond delay="0"/>
+                            </p:stCondLst>
+                            <p:childTnLst>
+                              <p:par>
+                                <p:cTn id="35" presetID="1" presetClass="entr" presetSubtype="0" fill="hold" grpId="0" nodeType="clickEffect">
+                                  <p:stCondLst>
+                                    <p:cond delay="0"/>
+                                  </p:stCondLst>
+                                  <p:childTnLst>
+                                    <p:set>
+                                      <p:cBhvr>
+                                        <p:cTn id="36" dur="1" fill="hold">
+                                          <p:stCondLst>
+                                            <p:cond delay="0"/>
+                                          </p:stCondLst>
+                                        </p:cTn>
+                                        <p:tgtEl>
+                                          <p:spTgt spid="26"/>
+                                        </p:tgtEl>
+                                        <p:attrNameLst>
+                                          <p:attrName>style.visibility</p:attrName>
+                                        </p:attrNameLst>
+                                      </p:cBhvr>
+                                      <p:to>
+                                        <p:strVal val="visible"/>
+                                      </p:to>
+                                    </p:set>
+                                  </p:childTnLst>
+                                </p:cTn>
+                              </p:par>
+                              <p:par>
+                                <p:cTn id="37" presetID="1" presetClass="entr" presetSubtype="0" fill="hold" nodeType="withEffect">
+                                  <p:stCondLst>
+                                    <p:cond delay="0"/>
+                                  </p:stCondLst>
+                                  <p:childTnLst>
+                                    <p:set>
+                                      <p:cBhvr>
+                                        <p:cTn id="38" dur="1" fill="hold">
+                                          <p:stCondLst>
+                                            <p:cond delay="0"/>
+                                          </p:stCondLst>
+                                        </p:cTn>
+                                        <p:tgtEl>
+                                          <p:spTgt spid="24">
+                                            <p:txEl>
+                                              <p:pRg st="0" end="0"/>
+                                            </p:txEl>
+                                          </p:spTgt>
+                                        </p:tgtEl>
+                                        <p:attrNameLst>
+                                          <p:attrName>style.visibility</p:attrName>
+                                        </p:attrNameLst>
+                                      </p:cBhvr>
+                                      <p:to>
+                                        <p:strVal val="visible"/>
+                                      </p:to>
+                                    </p:set>
+                                  </p:childTnLst>
+                                </p:cTn>
+                              </p:par>
+                            </p:childTnLst>
+                          </p:cTn>
+                        </p:par>
+                      </p:childTnLst>
+                    </p:cTn>
+                  </p:par>
+                  <p:par>
+                    <p:cTn id="39" fill="hold">
+                      <p:stCondLst>
+                        <p:cond delay="indefinite"/>
+                      </p:stCondLst>
+                      <p:childTnLst>
+                        <p:par>
+                          <p:cTn id="40" fill="hold">
+                            <p:stCondLst>
+                              <p:cond delay="0"/>
+                            </p:stCondLst>
+                            <p:childTnLst>
+                              <p:par>
+                                <p:cTn id="41" presetID="1" presetClass="entr" presetSubtype="0" fill="hold" nodeType="clickEffect">
+                                  <p:stCondLst>
+                                    <p:cond delay="0"/>
+                                  </p:stCondLst>
+                                  <p:childTnLst>
+                                    <p:set>
+                                      <p:cBhvr>
+                                        <p:cTn id="42" dur="1" fill="hold">
+                                          <p:stCondLst>
+                                            <p:cond delay="0"/>
+                                          </p:stCondLst>
+                                        </p:cTn>
+                                        <p:tgtEl>
+                                          <p:spTgt spid="24">
+                                            <p:txEl>
+                                              <p:pRg st="1" end="1"/>
+                                            </p:txEl>
+                                          </p:spTgt>
+                                        </p:tgtEl>
+                                        <p:attrNameLst>
+                                          <p:attrName>style.visibility</p:attrName>
+                                        </p:attrNameLst>
+                                      </p:cBhvr>
+                                      <p:to>
+                                        <p:strVal val="visible"/>
+                                      </p:to>
+                                    </p:set>
+                                  </p:childTnLst>
+                                </p:cTn>
+                              </p:par>
+                            </p:childTnLst>
+                          </p:cTn>
+                        </p:par>
+                      </p:childTnLst>
+                    </p:cTn>
+                  </p:par>
+                  <p:par>
+                    <p:cTn id="43" fill="hold">
+                      <p:stCondLst>
+                        <p:cond delay="indefinite"/>
+                      </p:stCondLst>
+                      <p:childTnLst>
+                        <p:par>
+                          <p:cTn id="44" fill="hold">
+                            <p:stCondLst>
+                              <p:cond delay="0"/>
+                            </p:stCondLst>
+                            <p:childTnLst>
+                              <p:par>
+                                <p:cTn id="45" presetID="1" presetClass="entr" presetSubtype="0" fill="hold" nodeType="clickEffect">
+                                  <p:stCondLst>
+                                    <p:cond delay="0"/>
+                                  </p:stCondLst>
+                                  <p:childTnLst>
+                                    <p:set>
+                                      <p:cBhvr>
+                                        <p:cTn id="46" dur="1" fill="hold">
+                                          <p:stCondLst>
+                                            <p:cond delay="0"/>
+                                          </p:stCondLst>
+                                        </p:cTn>
+                                        <p:tgtEl>
+                                          <p:spTgt spid="24">
+                                            <p:txEl>
+                                              <p:pRg st="2" end="2"/>
+                                            </p:txEl>
+                                          </p:spTgt>
+                                        </p:tgtEl>
+                                        <p:attrNameLst>
+                                          <p:attrName>style.visibility</p:attrName>
+                                        </p:attrNameLst>
+                                      </p:cBhvr>
+                                      <p:to>
+                                        <p:strVal val="visible"/>
+                                      </p:to>
+                                    </p:set>
+                                  </p:childTnLst>
+                                </p:cTn>
+                              </p:par>
+                            </p:childTnLst>
+                          </p:cTn>
+                        </p:par>
+                      </p:childTnLst>
+                    </p:cTn>
+                  </p:par>
+                  <p:par>
+                    <p:cTn id="47" fill="hold">
+                      <p:stCondLst>
+                        <p:cond delay="indefinite"/>
+                      </p:stCondLst>
+                      <p:childTnLst>
+                        <p:par>
+                          <p:cTn id="48" fill="hold">
+                            <p:stCondLst>
+                              <p:cond delay="0"/>
+                            </p:stCondLst>
+                            <p:childTnLst>
+                              <p:par>
+                                <p:cTn id="49" presetID="1" presetClass="entr" presetSubtype="0" fill="hold" nodeType="clickEffect">
+                                  <p:stCondLst>
+                                    <p:cond delay="0"/>
+                                  </p:stCondLst>
+                                  <p:childTnLst>
+                                    <p:set>
+                                      <p:cBhvr>
+                                        <p:cTn id="50" dur="1" fill="hold">
+                                          <p:stCondLst>
+                                            <p:cond delay="0"/>
+                                          </p:stCondLst>
+                                        </p:cTn>
+                                        <p:tgtEl>
+                                          <p:spTgt spid="24">
+                                            <p:txEl>
+                                              <p:pRg st="3" end="3"/>
+                                            </p:txEl>
+                                          </p:spTgt>
+                                        </p:tgtEl>
+                                        <p:attrNameLst>
+                                          <p:attrName>style.visibility</p:attrName>
+                                        </p:attrNameLst>
+                                      </p:cBhvr>
+                                      <p:to>
+                                        <p:strVal val="visible"/>
+                                      </p:to>
+                                    </p:set>
+                                  </p:childTnLst>
+                                </p:cTn>
+                              </p:par>
+                            </p:childTnLst>
+                          </p:cTn>
+                        </p:par>
+                      </p:childTnLst>
+                    </p:cTn>
+                  </p:par>
+                </p:childTnLst>
+              </p:cTn>
+              <p:prevCondLst>
+                <p:cond evt="onPrev" delay="0">
+                  <p:tgtEl>
+                    <p:sldTgt/>
+                  </p:tgtEl>
+                </p:cond>
+              </p:prevCondLst>
+              <p:nextCondLst>
+                <p:cond evt="onNext" delay="0">
+                  <p:tgtEl>
+                    <p:sldTgt/>
+                  </p:tgtEl>
+                </p:cond>
+              </p:nextCondLst>
+            </p:seq>
+          </p:childTnLst>
+        </p:cTn>
       </p:par>
     </p:tnLst>
+    <p:bldLst>
+      <p:bldP spid="9" grpId="0" animBg="1"/>
+      <p:bldP spid="110" grpId="0" animBg="1"/>
+      <p:bldP spid="113" grpId="0" animBg="1"/>
+      <p:bldP spid="26" grpId="0" animBg="1"/>
+    </p:bldLst>
   </p:timing>
 </p:sld>
 </file>
@@ -5777,7 +9957,7 @@
           <a:p>
             <a:r>
               <a:rPr lang="de-DE" dirty="0" smtClean="0"/>
-              <a:t>Aufbau</a:t>
+              <a:t>Szenario: DIAL</a:t>
             </a:r>
             <a:endParaRPr lang="de-DE" dirty="0"/>
           </a:p>
@@ -7077,9 +11257,7 @@
       <p:cxnSp>
         <p:nvCxnSpPr>
           <p:cNvPr id="130" name="Gerade Verbindung mit Pfeil 1039"/>
-          <p:cNvCxnSpPr>
-            <a:stCxn id="25" idx="2"/>
-          </p:cNvCxnSpPr>
+          <p:cNvCxnSpPr/>
           <p:nvPr/>
         </p:nvCxnSpPr>
         <p:spPr>
@@ -7124,13 +11302,13 @@
         </p:nvSpPr>
         <p:spPr>
           <a:xfrm>
-            <a:off x="6667947" y="4660331"/>
+            <a:off x="6602298" y="4451949"/>
             <a:ext cx="2310559" cy="1151491"/>
           </a:xfrm>
           <a:prstGeom prst="wedgeRoundRectCallout">
             <a:avLst>
-              <a:gd name="adj1" fmla="val 6231"/>
-              <a:gd name="adj2" fmla="val -114035"/>
+              <a:gd name="adj1" fmla="val 7697"/>
+              <a:gd name="adj2" fmla="val -103741"/>
               <a:gd name="adj3" fmla="val 16667"/>
             </a:avLst>
           </a:prstGeom>
@@ -7199,13 +11377,13 @@
         </p:nvSpPr>
         <p:spPr>
           <a:xfrm>
-            <a:off x="914973" y="4705836"/>
-            <a:ext cx="2381682" cy="673689"/>
+            <a:off x="506023" y="4451735"/>
+            <a:ext cx="2195432" cy="633773"/>
           </a:xfrm>
           <a:prstGeom prst="wedgeRoundRectCallout">
             <a:avLst>
-              <a:gd name="adj1" fmla="val -2928"/>
-              <a:gd name="adj2" fmla="val -162057"/>
+              <a:gd name="adj1" fmla="val -8010"/>
+              <a:gd name="adj2" fmla="val -102583"/>
               <a:gd name="adj3" fmla="val 16667"/>
             </a:avLst>
           </a:prstGeom>
@@ -7246,9 +11424,12 @@
             </a:br>
             <a:r>
               <a:rPr lang="de-DE" dirty="0" smtClean="0"/>
-              <a:t>(Umfragen, Chat)</a:t>
-            </a:r>
-            <a:endParaRPr lang="de-DE" dirty="0"/>
+              <a:t>(Umfragen, Chat</a:t>
+            </a:r>
+            <a:r>
+              <a:rPr lang="de-DE" dirty="0" smtClean="0"/>
+              <a:t>)</a:t>
+            </a:r>
           </a:p>
         </p:txBody>
       </p:sp>
@@ -8462,7 +12643,7 @@
         </p:nvGrpSpPr>
         <p:grpSpPr>
           <a:xfrm>
-            <a:off x="3461029" y="6074303"/>
+            <a:off x="3461029" y="5989635"/>
             <a:ext cx="850616" cy="585857"/>
             <a:chOff x="1814139" y="1221303"/>
             <a:chExt cx="3731830" cy="2639745"/>
@@ -8561,7 +12742,7 @@
         <p:spPr>
           <a:xfrm flipV="1">
             <a:off x="4311645" y="6022684"/>
-            <a:ext cx="854656" cy="344548"/>
+            <a:ext cx="854656" cy="259880"/>
           </a:xfrm>
           <a:prstGeom prst="bentConnector2">
             <a:avLst/>
@@ -8596,7 +12777,7 @@
         </p:nvGrpSpPr>
         <p:grpSpPr>
           <a:xfrm>
-            <a:off x="3257426" y="5906402"/>
+            <a:off x="3257426" y="5821734"/>
             <a:ext cx="850616" cy="585857"/>
             <a:chOff x="1814139" y="1221303"/>
             <a:chExt cx="3731830" cy="2639745"/>
@@ -8691,7 +12872,7 @@
         </p:nvGrpSpPr>
         <p:grpSpPr>
           <a:xfrm>
-            <a:off x="3085125" y="5736155"/>
+            <a:off x="3085125" y="5651487"/>
             <a:ext cx="850616" cy="585857"/>
             <a:chOff x="1814139" y="1221303"/>
             <a:chExt cx="3731830" cy="2639745"/>
@@ -8778,10 +12959,102 @@
           </p:spPr>
         </p:pic>
       </p:grpSp>
+      <p:sp>
+        <p:nvSpPr>
+          <p:cNvPr id="3" name="Textfeld 2"/>
+          <p:cNvSpPr txBox="1"/>
+          <p:nvPr/>
+        </p:nvSpPr>
+        <p:spPr>
+          <a:xfrm>
+            <a:off x="1235227" y="5867674"/>
+            <a:ext cx="1614609" cy="369332"/>
+          </a:xfrm>
+          <a:prstGeom prst="rect">
+            <a:avLst/>
+          </a:prstGeom>
+          <a:noFill/>
+        </p:spPr>
+        <p:txBody>
+          <a:bodyPr wrap="none" rtlCol="0">
+            <a:spAutoFit/>
+          </a:bodyPr>
+          <a:lstStyle/>
+          <a:p>
+            <a:r>
+              <a:rPr lang="de-DE" dirty="0" smtClean="0"/>
+              <a:t>Weitere </a:t>
+            </a:r>
+            <a:r>
+              <a:rPr lang="de-DE" dirty="0" smtClean="0"/>
+              <a:t>Nutzer</a:t>
+            </a:r>
+            <a:endParaRPr lang="de-DE" dirty="0"/>
+          </a:p>
+        </p:txBody>
+      </p:sp>
+      <p:sp>
+        <p:nvSpPr>
+          <p:cNvPr id="7" name="Abgerundete rechteckige Legende 6"/>
+          <p:cNvSpPr/>
+          <p:nvPr/>
+        </p:nvSpPr>
+        <p:spPr>
+          <a:xfrm>
+            <a:off x="4675051" y="294952"/>
+            <a:ext cx="2496216" cy="612648"/>
+          </a:xfrm>
+          <a:prstGeom prst="wedgeRoundRectCallout">
+            <a:avLst>
+              <a:gd name="adj1" fmla="val -55231"/>
+              <a:gd name="adj2" fmla="val 112252"/>
+              <a:gd name="adj3" fmla="val 16667"/>
+            </a:avLst>
+          </a:prstGeom>
+        </p:spPr>
+        <p:style>
+          <a:lnRef idx="2">
+            <a:schemeClr val="accent1">
+              <a:shade val="50000"/>
+            </a:schemeClr>
+          </a:lnRef>
+          <a:fillRef idx="1">
+            <a:schemeClr val="accent1"/>
+          </a:fillRef>
+          <a:effectRef idx="0">
+            <a:schemeClr val="accent1"/>
+          </a:effectRef>
+          <a:fontRef idx="minor">
+            <a:schemeClr val="lt1"/>
+          </a:fontRef>
+        </p:style>
+        <p:txBody>
+          <a:bodyPr rtlCol="0" anchor="ctr"/>
+          <a:lstStyle/>
+          <a:p>
+            <a:pPr algn="ctr"/>
+            <a:r>
+              <a:rPr lang="de-DE" dirty="0" smtClean="0"/>
+              <a:t>Je ein BBB-Nutzer pro </a:t>
+            </a:r>
+            <a:r>
+              <a:rPr lang="de-DE" dirty="0" smtClean="0"/>
+              <a:t>Raum </a:t>
+            </a:r>
+            <a:r>
+              <a:rPr lang="de-DE" dirty="0" smtClean="0">
+                <a:sym typeface="Wingdings" panose="05000000000000000000" pitchFamily="2" charset="2"/>
+              </a:rPr>
+              <a:t> WLAN </a:t>
+            </a:r>
+            <a:endParaRPr lang="de-DE" dirty="0"/>
+          </a:p>
+        </p:txBody>
+      </p:sp>
     </p:spTree>
     <p:extLst>
       <p:ext uri="{BB962C8B-B14F-4D97-AF65-F5344CB8AC3E}">
-        <p14:creationId xmlns:p14="http://schemas.microsoft.com/office/powerpoint/2010/main" val="377947295"/>
+        <p14:creationId xmlns:p14="http://schemas.microsoft.com/office/powerpoint/2010/main" val="4187607040"/>
       </p:ext>
     </p:extLst>
   </p:cSld>
@@ -9773,10 +14046,200 @@
           <a:chExt cx="0" cy="0"/>
         </a:xfrm>
       </p:grpSpPr>
+      <p:sp>
+        <p:nvSpPr>
+          <p:cNvPr id="2" name="Titel 1"/>
+          <p:cNvSpPr>
+            <a:spLocks noGrp="1"/>
+          </p:cNvSpPr>
+          <p:nvPr>
+            <p:ph type="title"/>
+          </p:nvPr>
+        </p:nvSpPr>
+        <p:spPr/>
+        <p:txBody>
+          <a:bodyPr/>
+          <a:lstStyle/>
+          <a:p>
+            <a:r>
+              <a:rPr lang="de-DE" dirty="0" smtClean="0"/>
+              <a:t>DIAL: Übersicht</a:t>
+            </a:r>
+            <a:endParaRPr lang="de-DE" dirty="0"/>
+          </a:p>
+        </p:txBody>
+      </p:sp>
+      <p:sp>
+        <p:nvSpPr>
+          <p:cNvPr id="3" name="Inhaltsplatzhalter 2"/>
+          <p:cNvSpPr>
+            <a:spLocks noGrp="1"/>
+          </p:cNvSpPr>
+          <p:nvPr>
+            <p:ph idx="1"/>
+          </p:nvPr>
+        </p:nvSpPr>
+        <p:spPr/>
+        <p:txBody>
+          <a:bodyPr/>
+          <a:lstStyle/>
+          <a:p>
+            <a:pPr marL="0" indent="0">
+              <a:buNone/>
+            </a:pPr>
+            <a:r>
+              <a:rPr lang="de-DE" b="1" dirty="0" smtClean="0"/>
+              <a:t>DIAL = </a:t>
+            </a:r>
+            <a:r>
+              <a:rPr lang="de-DE" b="1" u="sng" dirty="0" smtClean="0"/>
+              <a:t>D</a:t>
+            </a:r>
+            <a:r>
+              <a:rPr lang="de-DE" b="1" dirty="0" smtClean="0"/>
+              <a:t>istributed </a:t>
+            </a:r>
+            <a:r>
+              <a:rPr lang="de-DE" b="1" u="sng" dirty="0" err="1" smtClean="0"/>
+              <a:t>I</a:t>
+            </a:r>
+            <a:r>
+              <a:rPr lang="de-DE" b="1" dirty="0" err="1" smtClean="0"/>
+              <a:t>nter</a:t>
+            </a:r>
+            <a:r>
+              <a:rPr lang="de-DE" b="1" u="sng" dirty="0" err="1" smtClean="0"/>
+              <a:t>A</a:t>
+            </a:r>
+            <a:r>
+              <a:rPr lang="de-DE" b="1" dirty="0" err="1" smtClean="0"/>
+              <a:t>ctive</a:t>
+            </a:r>
+            <a:r>
+              <a:rPr lang="de-DE" b="1" dirty="0" smtClean="0"/>
+              <a:t> </a:t>
+            </a:r>
+            <a:r>
+              <a:rPr lang="de-DE" b="1" u="sng" dirty="0" err="1" smtClean="0"/>
+              <a:t>L</a:t>
+            </a:r>
+            <a:r>
+              <a:rPr lang="de-DE" b="1" dirty="0" err="1" smtClean="0"/>
+              <a:t>ecture</a:t>
+            </a:r>
+            <a:endParaRPr lang="de-DE" b="1" dirty="0" smtClean="0"/>
+          </a:p>
+          <a:p>
+            <a:pPr>
+              <a:buFont typeface="Wingdings" panose="05000000000000000000" pitchFamily="2" charset="2"/>
+              <a:buChar char="à"/>
+            </a:pPr>
+            <a:r>
+              <a:rPr lang="de-DE" dirty="0" smtClean="0">
+                <a:sym typeface="Wingdings" panose="05000000000000000000" pitchFamily="2" charset="2"/>
+              </a:rPr>
+              <a:t>Robuste, einfache und skalierbare Live-Übertragung von Vorlesungen mit Interaktionsmöglichkeiten </a:t>
+            </a:r>
+          </a:p>
+          <a:p>
+            <a:pPr marL="0" indent="0">
+              <a:buNone/>
+            </a:pPr>
+            <a:endParaRPr lang="de-DE" b="1" dirty="0">
+              <a:solidFill>
+                <a:srgbClr val="E20074"/>
+              </a:solidFill>
+            </a:endParaRPr>
+          </a:p>
+          <a:p>
+            <a:pPr marL="0" indent="0">
+              <a:buNone/>
+            </a:pPr>
+            <a:r>
+              <a:rPr lang="de-DE" b="1" dirty="0" err="1" smtClean="0">
+                <a:solidFill>
+                  <a:srgbClr val="E20074"/>
+                </a:solidFill>
+              </a:rPr>
+              <a:t>BigBlueButton</a:t>
+            </a:r>
+            <a:r>
+              <a:rPr lang="de-DE" b="1" dirty="0" smtClean="0">
+                <a:solidFill>
+                  <a:srgbClr val="E20074"/>
+                </a:solidFill>
+              </a:rPr>
+              <a:t>-Schnittstelle</a:t>
+            </a:r>
+            <a:r>
+              <a:rPr lang="de-DE" dirty="0" smtClean="0">
+                <a:solidFill>
+                  <a:srgbClr val="E20074"/>
+                </a:solidFill>
+              </a:rPr>
+              <a:t> </a:t>
+            </a:r>
+            <a:r>
+              <a:rPr lang="de-DE" dirty="0" smtClean="0"/>
+              <a:t>für Interaktion</a:t>
+            </a:r>
+          </a:p>
+          <a:p>
+            <a:pPr marL="0" indent="0">
+              <a:buNone/>
+            </a:pPr>
+            <a:r>
+              <a:rPr lang="de-DE" dirty="0" smtClean="0">
+                <a:sym typeface="Wingdings" panose="05000000000000000000" pitchFamily="2" charset="2"/>
+              </a:rPr>
+              <a:t> Trennung der (voluminösen) Medien-Streams von (datensparsamen) Interaktionsnachrichten für Chat und Abstimmungen  </a:t>
+            </a:r>
+            <a:br>
+              <a:rPr lang="de-DE" dirty="0" smtClean="0">
+                <a:sym typeface="Wingdings" panose="05000000000000000000" pitchFamily="2" charset="2"/>
+              </a:rPr>
+            </a:br>
+            <a:endParaRPr lang="de-DE" dirty="0" smtClean="0"/>
+          </a:p>
+          <a:p>
+            <a:pPr marL="0" indent="0">
+              <a:buNone/>
+            </a:pPr>
+            <a:r>
+              <a:rPr lang="de-DE" b="1" dirty="0" smtClean="0">
+                <a:solidFill>
+                  <a:srgbClr val="E20074"/>
+                </a:solidFill>
+              </a:rPr>
+              <a:t>Web-App</a:t>
+            </a:r>
+            <a:r>
+              <a:rPr lang="de-DE" dirty="0" smtClean="0"/>
+              <a:t> für Teilnehmer (Studierende)</a:t>
+            </a:r>
+          </a:p>
+          <a:p>
+            <a:pPr marL="0" indent="0">
+              <a:buNone/>
+            </a:pPr>
+            <a:r>
+              <a:rPr lang="de-DE" dirty="0" smtClean="0">
+                <a:sym typeface="Wingdings" panose="05000000000000000000" pitchFamily="2" charset="2"/>
+              </a:rPr>
+              <a:t> </a:t>
+            </a:r>
+            <a:r>
+              <a:rPr lang="de-DE" dirty="0" smtClean="0"/>
+              <a:t>Einfache Interaktion per Smartphone ohne Notwendigkeit einer dauerhaften Verbindung</a:t>
+            </a:r>
+            <a:endParaRPr lang="de-DE" dirty="0"/>
+          </a:p>
+        </p:txBody>
+      </p:sp>
     </p:spTree>
     <p:extLst>
       <p:ext uri="{BB962C8B-B14F-4D97-AF65-F5344CB8AC3E}">
-        <p14:creationId xmlns:p14="http://schemas.microsoft.com/office/powerpoint/2010/main" val="3226176685"/>
+        <p14:creationId xmlns:p14="http://schemas.microsoft.com/office/powerpoint/2010/main" val="3707588971"/>
       </p:ext>
     </p:extLst>
   </p:cSld>
@@ -9794,6 +14257,162 @@
 </file>
 
 <file path=ppt/slides/slide8.xml><?xml version="1.0" encoding="utf-8"?>
+<p:sld xmlns:a="http://schemas.openxmlformats.org/drawingml/2006/main" xmlns:r="http://schemas.openxmlformats.org/officeDocument/2006/relationships" xmlns:p="http://schemas.openxmlformats.org/presentationml/2006/main">
+  <p:cSld>
+    <p:spTree>
+      <p:nvGrpSpPr>
+        <p:cNvPr id="1" name=""/>
+        <p:cNvGrpSpPr/>
+        <p:nvPr/>
+      </p:nvGrpSpPr>
+      <p:grpSpPr>
+        <a:xfrm>
+          <a:off x="0" y="0"/>
+          <a:ext cx="0" cy="0"/>
+          <a:chOff x="0" y="0"/>
+          <a:chExt cx="0" cy="0"/>
+        </a:xfrm>
+      </p:grpSpPr>
+      <p:sp>
+        <p:nvSpPr>
+          <p:cNvPr id="2" name="Titel 1"/>
+          <p:cNvSpPr>
+            <a:spLocks noGrp="1"/>
+          </p:cNvSpPr>
+          <p:nvPr>
+            <p:ph type="title"/>
+          </p:nvPr>
+        </p:nvSpPr>
+        <p:spPr/>
+        <p:txBody>
+          <a:bodyPr/>
+          <a:lstStyle/>
+          <a:p>
+            <a:r>
+              <a:rPr lang="de-DE" dirty="0" err="1" smtClean="0"/>
+              <a:t>BigBlueButton</a:t>
+            </a:r>
+            <a:r>
+              <a:rPr lang="de-DE" dirty="0" smtClean="0"/>
+              <a:t>: Übersicht</a:t>
+            </a:r>
+            <a:endParaRPr lang="de-DE" dirty="0"/>
+          </a:p>
+        </p:txBody>
+      </p:sp>
+      <p:sp>
+        <p:nvSpPr>
+          <p:cNvPr id="3" name="Inhaltsplatzhalter 2"/>
+          <p:cNvSpPr>
+            <a:spLocks noGrp="1"/>
+          </p:cNvSpPr>
+          <p:nvPr>
+            <p:ph idx="1"/>
+          </p:nvPr>
+        </p:nvSpPr>
+        <p:spPr/>
+        <p:txBody>
+          <a:bodyPr/>
+          <a:lstStyle/>
+          <a:p>
+            <a:r>
+              <a:rPr lang="de-DE" dirty="0" smtClean="0"/>
+              <a:t>Web-Konferenzsystem</a:t>
+            </a:r>
+          </a:p>
+          <a:p>
+            <a:pPr lvl="1"/>
+            <a:r>
+              <a:rPr lang="de-DE" dirty="0" smtClean="0"/>
+              <a:t>Audio, Video</a:t>
+            </a:r>
+          </a:p>
+          <a:p>
+            <a:pPr lvl="1"/>
+            <a:r>
+              <a:rPr lang="de-DE" dirty="0" smtClean="0"/>
+              <a:t>Folien, Whiteboard, Screen-Sharing</a:t>
+            </a:r>
+          </a:p>
+          <a:p>
+            <a:pPr lvl="1"/>
+            <a:r>
+              <a:rPr lang="de-DE" dirty="0" smtClean="0"/>
+              <a:t>Chat, Abstimmungen</a:t>
+            </a:r>
+          </a:p>
+          <a:p>
+            <a:r>
+              <a:rPr lang="de-DE" dirty="0"/>
+              <a:t>Clients: Flash, </a:t>
+            </a:r>
+            <a:r>
+              <a:rPr lang="de-DE" dirty="0" smtClean="0"/>
+              <a:t>HTML5</a:t>
+            </a:r>
+          </a:p>
+          <a:p>
+            <a:r>
+              <a:rPr lang="de-DE" dirty="0" smtClean="0"/>
+              <a:t>Development</a:t>
+            </a:r>
+          </a:p>
+          <a:p>
+            <a:pPr lvl="1"/>
+            <a:r>
+              <a:rPr lang="de-DE" dirty="0" smtClean="0"/>
+              <a:t>Open-Source </a:t>
+            </a:r>
+            <a:r>
+              <a:rPr lang="de-DE" dirty="0" smtClean="0">
+                <a:sym typeface="Wingdings" panose="05000000000000000000" pitchFamily="2" charset="2"/>
+              </a:rPr>
+              <a:t> erweiterbar</a:t>
+            </a:r>
+            <a:endParaRPr lang="de-DE" dirty="0" smtClean="0"/>
+          </a:p>
+          <a:p>
+            <a:pPr lvl="1"/>
+            <a:r>
+              <a:rPr lang="de-DE" dirty="0" smtClean="0"/>
+              <a:t>Integration mit anderen Systemen (Ilias, </a:t>
+            </a:r>
+            <a:r>
+              <a:rPr lang="de-DE" dirty="0" err="1" smtClean="0"/>
+              <a:t>Moodle</a:t>
+            </a:r>
+            <a:r>
+              <a:rPr lang="de-DE" dirty="0" smtClean="0"/>
+              <a:t>, …)</a:t>
+            </a:r>
+          </a:p>
+          <a:p>
+            <a:pPr lvl="1"/>
+            <a:endParaRPr lang="de-DE" dirty="0"/>
+          </a:p>
+        </p:txBody>
+      </p:sp>
+    </p:spTree>
+    <p:extLst>
+      <p:ext uri="{BB962C8B-B14F-4D97-AF65-F5344CB8AC3E}">
+        <p14:creationId xmlns:p14="http://schemas.microsoft.com/office/powerpoint/2010/main" val="4146397459"/>
+      </p:ext>
+    </p:extLst>
+  </p:cSld>
+  <p:clrMapOvr>
+    <a:masterClrMapping/>
+  </p:clrMapOvr>
+  <p:timing>
+    <p:tnLst>
+      <p:par>
+        <p:cTn id="1" dur="indefinite" restart="never" nodeType="tmRoot"/>
+      </p:par>
+    </p:tnLst>
+  </p:timing>
+</p:sld>
+</file>
+
+<file path=ppt/slides/slide9.xml><?xml version="1.0" encoding="utf-8"?>
 <p:sld xmlns:a="http://schemas.openxmlformats.org/drawingml/2006/main" xmlns:r="http://schemas.openxmlformats.org/officeDocument/2006/relationships" xmlns:p="http://schemas.openxmlformats.org/presentationml/2006/main">
   <p:cSld>
     <p:spTree>
@@ -11302,105 +15921,6 @@
       <p:bldP spid="24" grpId="0"/>
       <p:bldP spid="25" grpId="0" animBg="1"/>
     </p:bldLst>
-  </p:timing>
-</p:sld>
-</file>
-
-<file path=ppt/slides/slide9.xml><?xml version="1.0" encoding="utf-8"?>
-<p:sld xmlns:a="http://schemas.openxmlformats.org/drawingml/2006/main" xmlns:r="http://schemas.openxmlformats.org/officeDocument/2006/relationships" xmlns:p="http://schemas.openxmlformats.org/presentationml/2006/main">
-  <p:cSld>
-    <p:spTree>
-      <p:nvGrpSpPr>
-        <p:cNvPr id="1" name=""/>
-        <p:cNvGrpSpPr/>
-        <p:nvPr/>
-      </p:nvGrpSpPr>
-      <p:grpSpPr>
-        <a:xfrm>
-          <a:off x="0" y="0"/>
-          <a:ext cx="0" cy="0"/>
-          <a:chOff x="0" y="0"/>
-          <a:chExt cx="0" cy="0"/>
-        </a:xfrm>
-      </p:grpSpPr>
-      <p:sp>
-        <p:nvSpPr>
-          <p:cNvPr id="2" name="Titel 1"/>
-          <p:cNvSpPr>
-            <a:spLocks noGrp="1"/>
-          </p:cNvSpPr>
-          <p:nvPr>
-            <p:ph type="title"/>
-          </p:nvPr>
-        </p:nvSpPr>
-        <p:spPr/>
-        <p:txBody>
-          <a:bodyPr/>
-          <a:lstStyle/>
-          <a:p>
-            <a:endParaRPr lang="de-DE"/>
-          </a:p>
-        </p:txBody>
-      </p:sp>
-      <p:sp>
-        <p:nvSpPr>
-          <p:cNvPr id="3" name="Inhaltsplatzhalter 2"/>
-          <p:cNvSpPr>
-            <a:spLocks noGrp="1"/>
-          </p:cNvSpPr>
-          <p:nvPr>
-            <p:ph idx="1"/>
-          </p:nvPr>
-        </p:nvSpPr>
-        <p:spPr/>
-        <p:txBody>
-          <a:bodyPr/>
-          <a:lstStyle/>
-          <a:p>
-            <a:endParaRPr lang="de-DE"/>
-          </a:p>
-        </p:txBody>
-      </p:sp>
-      <p:pic>
-        <p:nvPicPr>
-          <p:cNvPr id="4" name="Grafik 3"/>
-          <p:cNvPicPr>
-            <a:picLocks noChangeAspect="1"/>
-          </p:cNvPicPr>
-          <p:nvPr/>
-        </p:nvPicPr>
-        <p:blipFill>
-          <a:blip r:embed="rId2"/>
-          <a:stretch>
-            <a:fillRect/>
-          </a:stretch>
-        </p:blipFill>
-        <p:spPr>
-          <a:xfrm>
-            <a:off x="0" y="961293"/>
-            <a:ext cx="9081581" cy="3900745"/>
-          </a:xfrm>
-          <a:prstGeom prst="rect">
-            <a:avLst/>
-          </a:prstGeom>
-        </p:spPr>
-      </p:pic>
-    </p:spTree>
-    <p:extLst>
-      <p:ext uri="{BB962C8B-B14F-4D97-AF65-F5344CB8AC3E}">
-        <p14:creationId xmlns:p14="http://schemas.microsoft.com/office/powerpoint/2010/main" val="1890652175"/>
-      </p:ext>
-    </p:extLst>
-  </p:cSld>
-  <p:clrMapOvr>
-    <a:masterClrMapping/>
-  </p:clrMapOvr>
-  <p:timing>
-    <p:tnLst>
-      <p:par>
-        <p:cTn id="1" dur="indefinite" restart="never" nodeType="tmRoot"/>
-      </p:par>
-    </p:tnLst>
   </p:timing>
 </p:sld>
 </file>

--- a/DIAL/DIAL_Delfi_2017_Vortrag.pptx
+++ b/DIAL/DIAL_Delfi_2017_Vortrag.pptx
@@ -5,21 +5,20 @@
     <p:sldMasterId id="2147483660" r:id="rId1"/>
   </p:sldMasterIdLst>
   <p:notesMasterIdLst>
-    <p:notesMasterId r:id="rId14"/>
+    <p:notesMasterId r:id="rId13"/>
   </p:notesMasterIdLst>
   <p:sldIdLst>
     <p:sldId id="260" r:id="rId2"/>
     <p:sldId id="284" r:id="rId3"/>
-    <p:sldId id="285" r:id="rId4"/>
-    <p:sldId id="288" r:id="rId5"/>
-    <p:sldId id="282" r:id="rId6"/>
-    <p:sldId id="293" r:id="rId7"/>
-    <p:sldId id="291" r:id="rId8"/>
-    <p:sldId id="289" r:id="rId9"/>
-    <p:sldId id="281" r:id="rId10"/>
-    <p:sldId id="283" r:id="rId11"/>
-    <p:sldId id="274" r:id="rId12"/>
-    <p:sldId id="294" r:id="rId13"/>
+    <p:sldId id="288" r:id="rId4"/>
+    <p:sldId id="282" r:id="rId5"/>
+    <p:sldId id="293" r:id="rId6"/>
+    <p:sldId id="291" r:id="rId7"/>
+    <p:sldId id="289" r:id="rId8"/>
+    <p:sldId id="281" r:id="rId9"/>
+    <p:sldId id="283" r:id="rId10"/>
+    <p:sldId id="274" r:id="rId11"/>
+    <p:sldId id="294" r:id="rId12"/>
   </p:sldIdLst>
   <p:sldSz cx="9144000" cy="6858000" type="screen4x3"/>
   <p:notesSz cx="6858000" cy="9144000"/>
@@ -784,7 +783,7 @@
           <a:p>
             <a:fld id="{FD87080C-DF5D-4508-8D57-52E64401F1ED}" type="slidenum">
               <a:rPr lang="de-DE" smtClean="0"/>
-              <a:t>5</a:t>
+              <a:t>4</a:t>
             </a:fld>
             <a:endParaRPr lang="de-DE"/>
           </a:p>
@@ -1111,7 +1110,7 @@
           <a:p>
             <a:fld id="{FD87080C-DF5D-4508-8D57-52E64401F1ED}" type="slidenum">
               <a:rPr lang="de-DE" smtClean="0"/>
-              <a:t>6</a:t>
+              <a:t>5</a:t>
             </a:fld>
             <a:endParaRPr lang="de-DE"/>
           </a:p>
@@ -1380,7 +1379,7 @@
           <a:p>
             <a:fld id="{FD87080C-DF5D-4508-8D57-52E64401F1ED}" type="slidenum">
               <a:rPr lang="de-DE" smtClean="0"/>
-              <a:t>9</a:t>
+              <a:t>8</a:t>
             </a:fld>
             <a:endParaRPr lang="de-DE"/>
           </a:p>
@@ -4679,328 +4678,6 @@
           <a:p>
             <a:r>
               <a:rPr lang="de-DE" dirty="0" smtClean="0"/>
-              <a:t>DIAL: </a:t>
-            </a:r>
-            <a:r>
-              <a:rPr lang="de-DE" dirty="0" smtClean="0"/>
-              <a:t>Web-App </a:t>
-            </a:r>
-            <a:r>
-              <a:rPr lang="de-DE" dirty="0" smtClean="0"/>
-              <a:t>(Screenshots)</a:t>
-            </a:r>
-            <a:endParaRPr lang="de-DE" dirty="0"/>
-          </a:p>
-        </p:txBody>
-      </p:sp>
-      <p:pic>
-        <p:nvPicPr>
-          <p:cNvPr id="4" name="Grafik 3"/>
-          <p:cNvPicPr>
-            <a:picLocks noChangeAspect="1"/>
-          </p:cNvPicPr>
-          <p:nvPr/>
-        </p:nvPicPr>
-        <p:blipFill>
-          <a:blip r:embed="rId2"/>
-          <a:stretch>
-            <a:fillRect/>
-          </a:stretch>
-        </p:blipFill>
-        <p:spPr>
-          <a:xfrm>
-            <a:off x="85596" y="1013968"/>
-            <a:ext cx="3181350" cy="5466662"/>
-          </a:xfrm>
-          <a:prstGeom prst="rect">
-            <a:avLst/>
-          </a:prstGeom>
-        </p:spPr>
-      </p:pic>
-      <p:pic>
-        <p:nvPicPr>
-          <p:cNvPr id="5" name="Grafik 4"/>
-          <p:cNvPicPr>
-            <a:picLocks noChangeAspect="1"/>
-          </p:cNvPicPr>
-          <p:nvPr/>
-        </p:nvPicPr>
-        <p:blipFill>
-          <a:blip r:embed="rId3"/>
-          <a:stretch>
-            <a:fillRect/>
-          </a:stretch>
-        </p:blipFill>
-        <p:spPr>
-          <a:xfrm>
-            <a:off x="1972858" y="1022897"/>
-            <a:ext cx="3191171" cy="5485853"/>
-          </a:xfrm>
-          <a:prstGeom prst="rect">
-            <a:avLst/>
-          </a:prstGeom>
-        </p:spPr>
-      </p:pic>
-      <p:pic>
-        <p:nvPicPr>
-          <p:cNvPr id="6" name="Grafik 5"/>
-          <p:cNvPicPr>
-            <a:picLocks noChangeAspect="1"/>
-          </p:cNvPicPr>
-          <p:nvPr/>
-        </p:nvPicPr>
-        <p:blipFill>
-          <a:blip r:embed="rId4"/>
-          <a:stretch>
-            <a:fillRect/>
-          </a:stretch>
-        </p:blipFill>
-        <p:spPr>
-          <a:xfrm>
-            <a:off x="3869941" y="1017847"/>
-            <a:ext cx="3244616" cy="5484553"/>
-          </a:xfrm>
-          <a:prstGeom prst="rect">
-            <a:avLst/>
-          </a:prstGeom>
-        </p:spPr>
-      </p:pic>
-      <p:pic>
-        <p:nvPicPr>
-          <p:cNvPr id="7" name="Grafik 6"/>
-          <p:cNvPicPr>
-            <a:picLocks noChangeAspect="1"/>
-          </p:cNvPicPr>
-          <p:nvPr/>
-        </p:nvPicPr>
-        <p:blipFill>
-          <a:blip r:embed="rId5"/>
-          <a:stretch>
-            <a:fillRect/>
-          </a:stretch>
-        </p:blipFill>
-        <p:spPr>
-          <a:xfrm>
-            <a:off x="5820468" y="1018829"/>
-            <a:ext cx="3229485" cy="5528022"/>
-          </a:xfrm>
-          <a:prstGeom prst="rect">
-            <a:avLst/>
-          </a:prstGeom>
-        </p:spPr>
-      </p:pic>
-    </p:spTree>
-    <p:extLst>
-      <p:ext uri="{BB962C8B-B14F-4D97-AF65-F5344CB8AC3E}">
-        <p14:creationId xmlns:p14="http://schemas.microsoft.com/office/powerpoint/2010/main" val="2092675171"/>
-      </p:ext>
-    </p:extLst>
-  </p:cSld>
-  <p:clrMapOvr>
-    <a:masterClrMapping/>
-  </p:clrMapOvr>
-  <p:timing>
-    <p:tnLst>
-      <p:par>
-        <p:cTn id="1" dur="indefinite" restart="never" nodeType="tmRoot">
-          <p:childTnLst>
-            <p:seq concurrent="1" nextAc="seek">
-              <p:cTn id="2" dur="indefinite" nodeType="mainSeq">
-                <p:childTnLst>
-                  <p:par>
-                    <p:cTn id="3" fill="hold">
-                      <p:stCondLst>
-                        <p:cond delay="indefinite"/>
-                      </p:stCondLst>
-                      <p:childTnLst>
-                        <p:par>
-                          <p:cTn id="4" fill="hold">
-                            <p:stCondLst>
-                              <p:cond delay="0"/>
-                            </p:stCondLst>
-                            <p:childTnLst>
-                              <p:par>
-                                <p:cTn id="5" presetID="1" presetClass="entr" presetSubtype="0" fill="hold" nodeType="clickEffect">
-                                  <p:stCondLst>
-                                    <p:cond delay="0"/>
-                                  </p:stCondLst>
-                                  <p:childTnLst>
-                                    <p:set>
-                                      <p:cBhvr>
-                                        <p:cTn id="6" dur="1" fill="hold">
-                                          <p:stCondLst>
-                                            <p:cond delay="0"/>
-                                          </p:stCondLst>
-                                        </p:cTn>
-                                        <p:tgtEl>
-                                          <p:spTgt spid="5"/>
-                                        </p:tgtEl>
-                                        <p:attrNameLst>
-                                          <p:attrName>style.visibility</p:attrName>
-                                        </p:attrNameLst>
-                                      </p:cBhvr>
-                                      <p:to>
-                                        <p:strVal val="visible"/>
-                                      </p:to>
-                                    </p:set>
-                                  </p:childTnLst>
-                                </p:cTn>
-                              </p:par>
-                            </p:childTnLst>
-                          </p:cTn>
-                        </p:par>
-                      </p:childTnLst>
-                    </p:cTn>
-                  </p:par>
-                  <p:par>
-                    <p:cTn id="7" fill="hold">
-                      <p:stCondLst>
-                        <p:cond delay="indefinite"/>
-                      </p:stCondLst>
-                      <p:childTnLst>
-                        <p:par>
-                          <p:cTn id="8" fill="hold">
-                            <p:stCondLst>
-                              <p:cond delay="0"/>
-                            </p:stCondLst>
-                            <p:childTnLst>
-                              <p:par>
-                                <p:cTn id="9" presetID="1" presetClass="entr" presetSubtype="0" fill="hold" nodeType="clickEffect">
-                                  <p:stCondLst>
-                                    <p:cond delay="0"/>
-                                  </p:stCondLst>
-                                  <p:childTnLst>
-                                    <p:set>
-                                      <p:cBhvr>
-                                        <p:cTn id="10" dur="1" fill="hold">
-                                          <p:stCondLst>
-                                            <p:cond delay="0"/>
-                                          </p:stCondLst>
-                                        </p:cTn>
-                                        <p:tgtEl>
-                                          <p:spTgt spid="6"/>
-                                        </p:tgtEl>
-                                        <p:attrNameLst>
-                                          <p:attrName>style.visibility</p:attrName>
-                                        </p:attrNameLst>
-                                      </p:cBhvr>
-                                      <p:to>
-                                        <p:strVal val="visible"/>
-                                      </p:to>
-                                    </p:set>
-                                  </p:childTnLst>
-                                </p:cTn>
-                              </p:par>
-                            </p:childTnLst>
-                          </p:cTn>
-                        </p:par>
-                      </p:childTnLst>
-                    </p:cTn>
-                  </p:par>
-                  <p:par>
-                    <p:cTn id="11" fill="hold">
-                      <p:stCondLst>
-                        <p:cond delay="indefinite"/>
-                      </p:stCondLst>
-                      <p:childTnLst>
-                        <p:par>
-                          <p:cTn id="12" fill="hold">
-                            <p:stCondLst>
-                              <p:cond delay="0"/>
-                            </p:stCondLst>
-                            <p:childTnLst>
-                              <p:par>
-                                <p:cTn id="13" presetID="1" presetClass="entr" presetSubtype="0" fill="hold" nodeType="clickEffect">
-                                  <p:stCondLst>
-                                    <p:cond delay="0"/>
-                                  </p:stCondLst>
-                                  <p:childTnLst>
-                                    <p:set>
-                                      <p:cBhvr>
-                                        <p:cTn id="14" dur="1" fill="hold">
-                                          <p:stCondLst>
-                                            <p:cond delay="0"/>
-                                          </p:stCondLst>
-                                        </p:cTn>
-                                        <p:tgtEl>
-                                          <p:spTgt spid="7"/>
-                                        </p:tgtEl>
-                                        <p:attrNameLst>
-                                          <p:attrName>style.visibility</p:attrName>
-                                        </p:attrNameLst>
-                                      </p:cBhvr>
-                                      <p:to>
-                                        <p:strVal val="visible"/>
-                                      </p:to>
-                                    </p:set>
-                                  </p:childTnLst>
-                                </p:cTn>
-                              </p:par>
-                            </p:childTnLst>
-                          </p:cTn>
-                        </p:par>
-                      </p:childTnLst>
-                    </p:cTn>
-                  </p:par>
-                </p:childTnLst>
-              </p:cTn>
-              <p:prevCondLst>
-                <p:cond evt="onPrev" delay="0">
-                  <p:tgtEl>
-                    <p:sldTgt/>
-                  </p:tgtEl>
-                </p:cond>
-              </p:prevCondLst>
-              <p:nextCondLst>
-                <p:cond evt="onNext" delay="0">
-                  <p:tgtEl>
-                    <p:sldTgt/>
-                  </p:tgtEl>
-                </p:cond>
-              </p:nextCondLst>
-            </p:seq>
-          </p:childTnLst>
-        </p:cTn>
-      </p:par>
-    </p:tnLst>
-  </p:timing>
-</p:sld>
-</file>
-
-<file path=ppt/slides/slide11.xml><?xml version="1.0" encoding="utf-8"?>
-<p:sld xmlns:a="http://schemas.openxmlformats.org/drawingml/2006/main" xmlns:r="http://schemas.openxmlformats.org/officeDocument/2006/relationships" xmlns:p="http://schemas.openxmlformats.org/presentationml/2006/main">
-  <p:cSld>
-    <p:spTree>
-      <p:nvGrpSpPr>
-        <p:cNvPr id="1" name=""/>
-        <p:cNvGrpSpPr/>
-        <p:nvPr/>
-      </p:nvGrpSpPr>
-      <p:grpSpPr>
-        <a:xfrm>
-          <a:off x="0" y="0"/>
-          <a:ext cx="0" cy="0"/>
-          <a:chOff x="0" y="0"/>
-          <a:chExt cx="0" cy="0"/>
-        </a:xfrm>
-      </p:grpSpPr>
-      <p:sp>
-        <p:nvSpPr>
-          <p:cNvPr id="2" name="Titel 1"/>
-          <p:cNvSpPr>
-            <a:spLocks noGrp="1"/>
-          </p:cNvSpPr>
-          <p:nvPr>
-            <p:ph type="title"/>
-          </p:nvPr>
-        </p:nvSpPr>
-        <p:spPr/>
-        <p:txBody>
-          <a:bodyPr/>
-          <a:lstStyle/>
-          <a:p>
-            <a:r>
-              <a:rPr lang="de-DE" dirty="0" smtClean="0"/>
               <a:t>Evaluation</a:t>
             </a:r>
             <a:endParaRPr lang="de-DE" dirty="0"/>
@@ -5070,7 +4747,7 @@
 </p:sld>
 </file>
 
-<file path=ppt/slides/slide12.xml><?xml version="1.0" encoding="utf-8"?>
+<file path=ppt/slides/slide11.xml><?xml version="1.0" encoding="utf-8"?>
 <p:sld xmlns:a="http://schemas.openxmlformats.org/drawingml/2006/main" xmlns:r="http://schemas.openxmlformats.org/officeDocument/2006/relationships" xmlns:p="http://schemas.openxmlformats.org/presentationml/2006/main">
   <p:cSld>
     <p:spTree>
@@ -5174,7 +4851,7 @@
               <a:t>BigBlueButton</a:t>
             </a:r>
             <a:r>
-              <a:rPr lang="de-DE" smtClean="0"/>
+              <a:rPr lang="de-DE" dirty="0" smtClean="0"/>
               <a:t>) für </a:t>
             </a:r>
             <a:r>
@@ -5454,9 +5131,16 @@
             <p:ph idx="1"/>
           </p:nvPr>
         </p:nvSpPr>
-        <p:spPr/>
+        <p:spPr>
+          <a:xfrm>
+            <a:off x="628650" y="1273908"/>
+            <a:ext cx="8402250" cy="4903055"/>
+          </a:xfrm>
+        </p:spPr>
         <p:txBody>
-          <a:bodyPr/>
+          <a:bodyPr>
+            <a:normAutofit/>
+          </a:bodyPr>
           <a:lstStyle/>
           <a:p>
             <a:pPr marL="0" indent="0">
@@ -5524,7 +5208,40 @@
               <a:rPr lang="de-DE" dirty="0" smtClean="0">
                 <a:sym typeface="Wingdings" panose="05000000000000000000" pitchFamily="2" charset="2"/>
               </a:rPr>
-              <a:t>Live-Übertragung der Vorlesung in mehrere Hörsäle</a:t>
+              <a:t>Live-Übertragung der Vorlesung in mehrere </a:t>
+            </a:r>
+            <a:r>
+              <a:rPr lang="de-DE" dirty="0" smtClean="0">
+                <a:sym typeface="Wingdings" panose="05000000000000000000" pitchFamily="2" charset="2"/>
+              </a:rPr>
+              <a:t>Hörsäle</a:t>
+            </a:r>
+          </a:p>
+          <a:p>
+            <a:pPr lvl="1"/>
+            <a:r>
+              <a:rPr lang="de-DE" dirty="0" smtClean="0">
+                <a:sym typeface="Wingdings" panose="05000000000000000000" pitchFamily="2" charset="2"/>
+              </a:rPr>
+              <a:t>Audio- und Video-Übertragung</a:t>
+            </a:r>
+          </a:p>
+          <a:p>
+            <a:pPr lvl="1"/>
+            <a:r>
+              <a:rPr lang="de-DE" dirty="0" smtClean="0">
+                <a:sym typeface="Wingdings" panose="05000000000000000000" pitchFamily="2" charset="2"/>
+              </a:rPr>
+              <a:t>Folien, Annotation, …</a:t>
+            </a:r>
+          </a:p>
+          <a:p>
+            <a:pPr lvl="1"/>
+            <a:r>
+              <a:rPr lang="de-DE" dirty="0" smtClean="0">
+                <a:sym typeface="Wingdings" panose="05000000000000000000" pitchFamily="2" charset="2"/>
+              </a:rPr>
+              <a:t>Interaktion: Fragen stellen (Chat), Abstimmungen</a:t>
             </a:r>
             <a:endParaRPr lang="de-DE" dirty="0"/>
           </a:p>
@@ -5560,6 +5277,53 @@
           </a:prstGeom>
         </p:spPr>
       </p:pic>
+      <p:sp>
+        <p:nvSpPr>
+          <p:cNvPr id="5" name="Wolkenförmige Legende 4"/>
+          <p:cNvSpPr/>
+          <p:nvPr/>
+        </p:nvSpPr>
+        <p:spPr>
+          <a:xfrm>
+            <a:off x="6693399" y="4868333"/>
+            <a:ext cx="2202294" cy="1487244"/>
+          </a:xfrm>
+          <a:prstGeom prst="cloudCallout">
+            <a:avLst>
+              <a:gd name="adj1" fmla="val -61051"/>
+              <a:gd name="adj2" fmla="val -39894"/>
+            </a:avLst>
+          </a:prstGeom>
+        </p:spPr>
+        <p:style>
+          <a:lnRef idx="2">
+            <a:schemeClr val="accent1">
+              <a:shade val="50000"/>
+            </a:schemeClr>
+          </a:lnRef>
+          <a:fillRef idx="1">
+            <a:schemeClr val="accent1"/>
+          </a:fillRef>
+          <a:effectRef idx="0">
+            <a:schemeClr val="accent1"/>
+          </a:effectRef>
+          <a:fontRef idx="minor">
+            <a:schemeClr val="lt1"/>
+          </a:fontRef>
+        </p:style>
+        <p:txBody>
+          <a:bodyPr lIns="0" rIns="0" rtlCol="0" anchor="ctr"/>
+          <a:lstStyle/>
+          <a:p>
+            <a:pPr algn="ctr"/>
+            <a:r>
+              <a:rPr lang="de-DE" sz="2400" b="1" dirty="0" smtClean="0"/>
+              <a:t>Web-Konferenz-System?</a:t>
+            </a:r>
+            <a:endParaRPr lang="de-DE" sz="2400" b="1" dirty="0"/>
+          </a:p>
+        </p:txBody>
+      </p:sp>
     </p:spTree>
     <p:extLst>
       <p:ext uri="{BB962C8B-B14F-4D97-AF65-F5344CB8AC3E}">
@@ -5805,6 +5569,198 @@
                       </p:childTnLst>
                     </p:cTn>
                   </p:par>
+                  <p:par>
+                    <p:cTn id="21" fill="hold">
+                      <p:stCondLst>
+                        <p:cond delay="indefinite"/>
+                      </p:stCondLst>
+                      <p:childTnLst>
+                        <p:par>
+                          <p:cTn id="22" fill="hold">
+                            <p:stCondLst>
+                              <p:cond delay="0"/>
+                            </p:stCondLst>
+                            <p:childTnLst>
+                              <p:par>
+                                <p:cTn id="23" presetID="1" presetClass="entr" presetSubtype="0" fill="hold" nodeType="clickEffect">
+                                  <p:stCondLst>
+                                    <p:cond delay="0"/>
+                                  </p:stCondLst>
+                                  <p:childTnLst>
+                                    <p:set>
+                                      <p:cBhvr>
+                                        <p:cTn id="24" dur="1" fill="hold">
+                                          <p:stCondLst>
+                                            <p:cond delay="0"/>
+                                          </p:stCondLst>
+                                        </p:cTn>
+                                        <p:tgtEl>
+                                          <p:spTgt spid="3">
+                                            <p:txEl>
+                                              <p:pRg st="6" end="6"/>
+                                            </p:txEl>
+                                          </p:spTgt>
+                                        </p:tgtEl>
+                                        <p:attrNameLst>
+                                          <p:attrName>style.visibility</p:attrName>
+                                        </p:attrNameLst>
+                                      </p:cBhvr>
+                                      <p:to>
+                                        <p:strVal val="visible"/>
+                                      </p:to>
+                                    </p:set>
+                                  </p:childTnLst>
+                                </p:cTn>
+                              </p:par>
+                            </p:childTnLst>
+                          </p:cTn>
+                        </p:par>
+                      </p:childTnLst>
+                    </p:cTn>
+                  </p:par>
+                  <p:par>
+                    <p:cTn id="25" fill="hold">
+                      <p:stCondLst>
+                        <p:cond delay="indefinite"/>
+                      </p:stCondLst>
+                      <p:childTnLst>
+                        <p:par>
+                          <p:cTn id="26" fill="hold">
+                            <p:stCondLst>
+                              <p:cond delay="0"/>
+                            </p:stCondLst>
+                            <p:childTnLst>
+                              <p:par>
+                                <p:cTn id="27" presetID="1" presetClass="entr" presetSubtype="0" fill="hold" nodeType="clickEffect">
+                                  <p:stCondLst>
+                                    <p:cond delay="0"/>
+                                  </p:stCondLst>
+                                  <p:childTnLst>
+                                    <p:set>
+                                      <p:cBhvr>
+                                        <p:cTn id="28" dur="1" fill="hold">
+                                          <p:stCondLst>
+                                            <p:cond delay="0"/>
+                                          </p:stCondLst>
+                                        </p:cTn>
+                                        <p:tgtEl>
+                                          <p:spTgt spid="3">
+                                            <p:txEl>
+                                              <p:pRg st="7" end="7"/>
+                                            </p:txEl>
+                                          </p:spTgt>
+                                        </p:tgtEl>
+                                        <p:attrNameLst>
+                                          <p:attrName>style.visibility</p:attrName>
+                                        </p:attrNameLst>
+                                      </p:cBhvr>
+                                      <p:to>
+                                        <p:strVal val="visible"/>
+                                      </p:to>
+                                    </p:set>
+                                  </p:childTnLst>
+                                </p:cTn>
+                              </p:par>
+                            </p:childTnLst>
+                          </p:cTn>
+                        </p:par>
+                      </p:childTnLst>
+                    </p:cTn>
+                  </p:par>
+                  <p:par>
+                    <p:cTn id="29" fill="hold">
+                      <p:stCondLst>
+                        <p:cond delay="indefinite"/>
+                      </p:stCondLst>
+                      <p:childTnLst>
+                        <p:par>
+                          <p:cTn id="30" fill="hold">
+                            <p:stCondLst>
+                              <p:cond delay="0"/>
+                            </p:stCondLst>
+                            <p:childTnLst>
+                              <p:par>
+                                <p:cTn id="31" presetID="1" presetClass="entr" presetSubtype="0" fill="hold" nodeType="clickEffect">
+                                  <p:stCondLst>
+                                    <p:cond delay="0"/>
+                                  </p:stCondLst>
+                                  <p:childTnLst>
+                                    <p:set>
+                                      <p:cBhvr>
+                                        <p:cTn id="32" dur="1" fill="hold">
+                                          <p:stCondLst>
+                                            <p:cond delay="0"/>
+                                          </p:stCondLst>
+                                        </p:cTn>
+                                        <p:tgtEl>
+                                          <p:spTgt spid="3">
+                                            <p:txEl>
+                                              <p:pRg st="8" end="8"/>
+                                            </p:txEl>
+                                          </p:spTgt>
+                                        </p:tgtEl>
+                                        <p:attrNameLst>
+                                          <p:attrName>style.visibility</p:attrName>
+                                        </p:attrNameLst>
+                                      </p:cBhvr>
+                                      <p:to>
+                                        <p:strVal val="visible"/>
+                                      </p:to>
+                                    </p:set>
+                                  </p:childTnLst>
+                                </p:cTn>
+                              </p:par>
+                            </p:childTnLst>
+                          </p:cTn>
+                        </p:par>
+                      </p:childTnLst>
+                    </p:cTn>
+                  </p:par>
+                  <p:par>
+                    <p:cTn id="33" fill="hold">
+                      <p:stCondLst>
+                        <p:cond delay="indefinite"/>
+                      </p:stCondLst>
+                      <p:childTnLst>
+                        <p:par>
+                          <p:cTn id="34" fill="hold">
+                            <p:stCondLst>
+                              <p:cond delay="0"/>
+                            </p:stCondLst>
+                            <p:childTnLst>
+                              <p:par>
+                                <p:cTn id="35" presetID="1" presetClass="entr" presetSubtype="0" fill="hold" grpId="0" nodeType="clickEffect">
+                                  <p:stCondLst>
+                                    <p:cond delay="0"/>
+                                  </p:stCondLst>
+                                  <p:childTnLst>
+                                    <p:set>
+                                      <p:cBhvr>
+                                        <p:cTn id="36" dur="1" fill="hold">
+                                          <p:stCondLst>
+                                            <p:cond delay="0"/>
+                                          </p:stCondLst>
+                                        </p:cTn>
+                                        <p:tgtEl>
+                                          <p:spTgt spid="5"/>
+                                        </p:tgtEl>
+                                        <p:attrNameLst>
+                                          <p:attrName>style.visibility</p:attrName>
+                                        </p:attrNameLst>
+                                      </p:cBhvr>
+                                      <p:to>
+                                        <p:strVal val="visible"/>
+                                      </p:to>
+                                    </p:set>
+                                  </p:childTnLst>
+                                </p:cTn>
+                              </p:par>
+                            </p:childTnLst>
+                          </p:cTn>
+                        </p:par>
+                      </p:childTnLst>
+                    </p:cTn>
+                  </p:par>
                 </p:childTnLst>
               </p:cTn>
               <p:prevCondLst>
@@ -5826,109 +5782,14 @@
         </p:cTn>
       </p:par>
     </p:tnLst>
+    <p:bldLst>
+      <p:bldP spid="5" grpId="0" animBg="1"/>
+    </p:bldLst>
   </p:timing>
 </p:sld>
 </file>
 
 <file path=ppt/slides/slide3.xml><?xml version="1.0" encoding="utf-8"?>
-<p:sld xmlns:a="http://schemas.openxmlformats.org/drawingml/2006/main" xmlns:r="http://schemas.openxmlformats.org/officeDocument/2006/relationships" xmlns:p="http://schemas.openxmlformats.org/presentationml/2006/main">
-  <p:cSld>
-    <p:spTree>
-      <p:nvGrpSpPr>
-        <p:cNvPr id="1" name=""/>
-        <p:cNvGrpSpPr/>
-        <p:nvPr/>
-      </p:nvGrpSpPr>
-      <p:grpSpPr>
-        <a:xfrm>
-          <a:off x="0" y="0"/>
-          <a:ext cx="0" cy="0"/>
-          <a:chOff x="0" y="0"/>
-          <a:chExt cx="0" cy="0"/>
-        </a:xfrm>
-      </p:grpSpPr>
-      <p:sp>
-        <p:nvSpPr>
-          <p:cNvPr id="2" name="Titel 1"/>
-          <p:cNvSpPr>
-            <a:spLocks noGrp="1"/>
-          </p:cNvSpPr>
-          <p:nvPr>
-            <p:ph type="title"/>
-          </p:nvPr>
-        </p:nvSpPr>
-        <p:spPr/>
-        <p:txBody>
-          <a:bodyPr/>
-          <a:lstStyle/>
-          <a:p>
-            <a:r>
-              <a:rPr lang="de-DE" dirty="0" smtClean="0"/>
-              <a:t>Live-Übertragung von Vorlesungen</a:t>
-            </a:r>
-            <a:endParaRPr lang="de-DE" dirty="0"/>
-          </a:p>
-        </p:txBody>
-      </p:sp>
-      <p:sp>
-        <p:nvSpPr>
-          <p:cNvPr id="3" name="Inhaltsplatzhalter 2"/>
-          <p:cNvSpPr>
-            <a:spLocks noGrp="1"/>
-          </p:cNvSpPr>
-          <p:nvPr>
-            <p:ph idx="1"/>
-          </p:nvPr>
-        </p:nvSpPr>
-        <p:spPr/>
-        <p:txBody>
-          <a:bodyPr/>
-          <a:lstStyle/>
-          <a:p>
-            <a:r>
-              <a:rPr lang="de-DE" dirty="0" smtClean="0"/>
-              <a:t>Was brauchen wir?</a:t>
-            </a:r>
-          </a:p>
-          <a:p>
-            <a:endParaRPr lang="de-DE" dirty="0"/>
-          </a:p>
-          <a:p>
-            <a:endParaRPr lang="de-DE" dirty="0" smtClean="0"/>
-          </a:p>
-          <a:p>
-            <a:endParaRPr lang="de-DE" dirty="0"/>
-          </a:p>
-          <a:p>
-            <a:r>
-              <a:rPr lang="de-DE" dirty="0" smtClean="0"/>
-              <a:t>… das kennen wir doch von einem Web-Konferenzsystem</a:t>
-            </a:r>
-            <a:endParaRPr lang="de-DE" dirty="0"/>
-          </a:p>
-        </p:txBody>
-      </p:sp>
-    </p:spTree>
-    <p:extLst>
-      <p:ext uri="{BB962C8B-B14F-4D97-AF65-F5344CB8AC3E}">
-        <p14:creationId xmlns:p14="http://schemas.microsoft.com/office/powerpoint/2010/main" val="909126870"/>
-      </p:ext>
-    </p:extLst>
-  </p:cSld>
-  <p:clrMapOvr>
-    <a:masterClrMapping/>
-  </p:clrMapOvr>
-  <p:timing>
-    <p:tnLst>
-      <p:par>
-        <p:cTn id="1" dur="indefinite" restart="never" nodeType="tmRoot"/>
-      </p:par>
-    </p:tnLst>
-  </p:timing>
-</p:sld>
-</file>
-
-<file path=ppt/slides/slide4.xml><?xml version="1.0" encoding="utf-8"?>
 <p:sld xmlns:a="http://schemas.openxmlformats.org/drawingml/2006/main" xmlns:r="http://schemas.openxmlformats.org/officeDocument/2006/relationships" xmlns:p="http://schemas.openxmlformats.org/presentationml/2006/main">
   <p:cSld>
     <p:spTree>
@@ -6023,7 +5884,7 @@
         </p:nvSpPr>
         <p:spPr>
           <a:xfrm>
-            <a:off x="524933" y="2980266"/>
+            <a:off x="406400" y="2976186"/>
             <a:ext cx="1490133" cy="635000"/>
           </a:xfrm>
           <a:prstGeom prst="wedgeRoundRectCallout">
@@ -6071,7 +5932,62 @@
         </p:nvSpPr>
         <p:spPr>
           <a:xfrm>
-            <a:off x="1041400" y="3911599"/>
+            <a:off x="1532466" y="4749797"/>
+            <a:ext cx="1540933" cy="635000"/>
+          </a:xfrm>
+          <a:prstGeom prst="wedgeRoundRectCallout">
+            <a:avLst>
+              <a:gd name="adj1" fmla="val -64402"/>
+              <a:gd name="adj2" fmla="val -9500"/>
+              <a:gd name="adj3" fmla="val 16667"/>
+            </a:avLst>
+          </a:prstGeom>
+        </p:spPr>
+        <p:style>
+          <a:lnRef idx="2">
+            <a:schemeClr val="accent1">
+              <a:shade val="50000"/>
+            </a:schemeClr>
+          </a:lnRef>
+          <a:fillRef idx="1">
+            <a:schemeClr val="accent1"/>
+          </a:fillRef>
+          <a:effectRef idx="0">
+            <a:schemeClr val="accent1"/>
+          </a:effectRef>
+          <a:fontRef idx="minor">
+            <a:schemeClr val="lt1"/>
+          </a:fontRef>
+        </p:style>
+        <p:txBody>
+          <a:bodyPr rtlCol="0" anchor="ctr"/>
+          <a:lstStyle/>
+          <a:p>
+            <a:pPr algn="ctr"/>
+            <a:r>
+              <a:rPr lang="de-DE" dirty="0" smtClean="0"/>
+              <a:t>Video / Audio</a:t>
+            </a:r>
+            <a:br>
+              <a:rPr lang="de-DE" dirty="0" smtClean="0"/>
+            </a:br>
+            <a:r>
+              <a:rPr lang="de-DE" dirty="0" smtClean="0"/>
+              <a:t> (Dozent)</a:t>
+            </a:r>
+            <a:endParaRPr lang="de-DE" dirty="0"/>
+          </a:p>
+        </p:txBody>
+      </p:sp>
+      <p:sp>
+        <p:nvSpPr>
+          <p:cNvPr id="7" name="Abgerundete rechteckige Legende 6"/>
+          <p:cNvSpPr/>
+          <p:nvPr/>
+        </p:nvSpPr>
+        <p:spPr>
+          <a:xfrm>
+            <a:off x="4673600" y="2243819"/>
             <a:ext cx="1540933" cy="635000"/>
           </a:xfrm>
           <a:prstGeom prst="wedgeRoundRectCallout">
@@ -6105,61 +6021,6 @@
             <a:pPr algn="ctr"/>
             <a:r>
               <a:rPr lang="de-DE" dirty="0" smtClean="0"/>
-              <a:t>Video / Audio</a:t>
-            </a:r>
-            <a:br>
-              <a:rPr lang="de-DE" dirty="0" smtClean="0"/>
-            </a:br>
-            <a:r>
-              <a:rPr lang="de-DE" dirty="0" smtClean="0"/>
-              <a:t> (Dozent)</a:t>
-            </a:r>
-            <a:endParaRPr lang="de-DE" dirty="0"/>
-          </a:p>
-        </p:txBody>
-      </p:sp>
-      <p:sp>
-        <p:nvSpPr>
-          <p:cNvPr id="7" name="Abgerundete rechteckige Legende 6"/>
-          <p:cNvSpPr/>
-          <p:nvPr/>
-        </p:nvSpPr>
-        <p:spPr>
-          <a:xfrm>
-            <a:off x="4377267" y="1388532"/>
-            <a:ext cx="1540933" cy="635000"/>
-          </a:xfrm>
-          <a:prstGeom prst="wedgeRoundRectCallout">
-            <a:avLst>
-              <a:gd name="adj1" fmla="val -42424"/>
-              <a:gd name="adj2" fmla="val 99833"/>
-              <a:gd name="adj3" fmla="val 16667"/>
-            </a:avLst>
-          </a:prstGeom>
-        </p:spPr>
-        <p:style>
-          <a:lnRef idx="2">
-            <a:schemeClr val="accent1">
-              <a:shade val="50000"/>
-            </a:schemeClr>
-          </a:lnRef>
-          <a:fillRef idx="1">
-            <a:schemeClr val="accent1"/>
-          </a:fillRef>
-          <a:effectRef idx="0">
-            <a:schemeClr val="accent1"/>
-          </a:effectRef>
-          <a:fontRef idx="minor">
-            <a:schemeClr val="lt1"/>
-          </a:fontRef>
-        </p:style>
-        <p:txBody>
-          <a:bodyPr rtlCol="0" anchor="ctr"/>
-          <a:lstStyle/>
-          <a:p>
-            <a:pPr algn="ctr"/>
-            <a:r>
-              <a:rPr lang="de-DE" dirty="0" smtClean="0"/>
               <a:t>Folien mit</a:t>
             </a:r>
             <a:br>
@@ -6181,7 +6042,7 @@
         </p:nvSpPr>
         <p:spPr>
           <a:xfrm>
-            <a:off x="3259667" y="4648198"/>
+            <a:off x="3547534" y="4656665"/>
             <a:ext cx="1540933" cy="635000"/>
           </a:xfrm>
           <a:prstGeom prst="wedgeRoundRectCallout">
@@ -6362,14 +6223,269 @@
   <p:timing>
     <p:tnLst>
       <p:par>
-        <p:cTn id="1" dur="indefinite" restart="never" nodeType="tmRoot"/>
+        <p:cTn id="1" dur="indefinite" restart="never" nodeType="tmRoot">
+          <p:childTnLst>
+            <p:seq concurrent="1" nextAc="seek">
+              <p:cTn id="2" dur="indefinite" nodeType="mainSeq">
+                <p:childTnLst>
+                  <p:par>
+                    <p:cTn id="3" fill="hold">
+                      <p:stCondLst>
+                        <p:cond delay="indefinite"/>
+                      </p:stCondLst>
+                      <p:childTnLst>
+                        <p:par>
+                          <p:cTn id="4" fill="hold">
+                            <p:stCondLst>
+                              <p:cond delay="0"/>
+                            </p:stCondLst>
+                            <p:childTnLst>
+                              <p:par>
+                                <p:cTn id="5" presetID="1" presetClass="entr" presetSubtype="0" fill="hold" grpId="0" nodeType="clickEffect">
+                                  <p:stCondLst>
+                                    <p:cond delay="0"/>
+                                  </p:stCondLst>
+                                  <p:childTnLst>
+                                    <p:set>
+                                      <p:cBhvr>
+                                        <p:cTn id="6" dur="1" fill="hold">
+                                          <p:stCondLst>
+                                            <p:cond delay="0"/>
+                                          </p:stCondLst>
+                                        </p:cTn>
+                                        <p:tgtEl>
+                                          <p:spTgt spid="5"/>
+                                        </p:tgtEl>
+                                        <p:attrNameLst>
+                                          <p:attrName>style.visibility</p:attrName>
+                                        </p:attrNameLst>
+                                      </p:cBhvr>
+                                      <p:to>
+                                        <p:strVal val="visible"/>
+                                      </p:to>
+                                    </p:set>
+                                  </p:childTnLst>
+                                </p:cTn>
+                              </p:par>
+                            </p:childTnLst>
+                          </p:cTn>
+                        </p:par>
+                      </p:childTnLst>
+                    </p:cTn>
+                  </p:par>
+                  <p:par>
+                    <p:cTn id="7" fill="hold">
+                      <p:stCondLst>
+                        <p:cond delay="indefinite"/>
+                      </p:stCondLst>
+                      <p:childTnLst>
+                        <p:par>
+                          <p:cTn id="8" fill="hold">
+                            <p:stCondLst>
+                              <p:cond delay="0"/>
+                            </p:stCondLst>
+                            <p:childTnLst>
+                              <p:par>
+                                <p:cTn id="9" presetID="1" presetClass="entr" presetSubtype="0" fill="hold" grpId="0" nodeType="clickEffect">
+                                  <p:stCondLst>
+                                    <p:cond delay="0"/>
+                                  </p:stCondLst>
+                                  <p:childTnLst>
+                                    <p:set>
+                                      <p:cBhvr>
+                                        <p:cTn id="10" dur="1" fill="hold">
+                                          <p:stCondLst>
+                                            <p:cond delay="0"/>
+                                          </p:stCondLst>
+                                        </p:cTn>
+                                        <p:tgtEl>
+                                          <p:spTgt spid="6"/>
+                                        </p:tgtEl>
+                                        <p:attrNameLst>
+                                          <p:attrName>style.visibility</p:attrName>
+                                        </p:attrNameLst>
+                                      </p:cBhvr>
+                                      <p:to>
+                                        <p:strVal val="visible"/>
+                                      </p:to>
+                                    </p:set>
+                                  </p:childTnLst>
+                                </p:cTn>
+                              </p:par>
+                            </p:childTnLst>
+                          </p:cTn>
+                        </p:par>
+                      </p:childTnLst>
+                    </p:cTn>
+                  </p:par>
+                  <p:par>
+                    <p:cTn id="11" fill="hold">
+                      <p:stCondLst>
+                        <p:cond delay="indefinite"/>
+                      </p:stCondLst>
+                      <p:childTnLst>
+                        <p:par>
+                          <p:cTn id="12" fill="hold">
+                            <p:stCondLst>
+                              <p:cond delay="0"/>
+                            </p:stCondLst>
+                            <p:childTnLst>
+                              <p:par>
+                                <p:cTn id="13" presetID="1" presetClass="entr" presetSubtype="0" fill="hold" grpId="0" nodeType="clickEffect">
+                                  <p:stCondLst>
+                                    <p:cond delay="0"/>
+                                  </p:stCondLst>
+                                  <p:childTnLst>
+                                    <p:set>
+                                      <p:cBhvr>
+                                        <p:cTn id="14" dur="1" fill="hold">
+                                          <p:stCondLst>
+                                            <p:cond delay="0"/>
+                                          </p:stCondLst>
+                                        </p:cTn>
+                                        <p:tgtEl>
+                                          <p:spTgt spid="7"/>
+                                        </p:tgtEl>
+                                        <p:attrNameLst>
+                                          <p:attrName>style.visibility</p:attrName>
+                                        </p:attrNameLst>
+                                      </p:cBhvr>
+                                      <p:to>
+                                        <p:strVal val="visible"/>
+                                      </p:to>
+                                    </p:set>
+                                  </p:childTnLst>
+                                </p:cTn>
+                              </p:par>
+                            </p:childTnLst>
+                          </p:cTn>
+                        </p:par>
+                      </p:childTnLst>
+                    </p:cTn>
+                  </p:par>
+                  <p:par>
+                    <p:cTn id="15" fill="hold">
+                      <p:stCondLst>
+                        <p:cond delay="indefinite"/>
+                      </p:stCondLst>
+                      <p:childTnLst>
+                        <p:par>
+                          <p:cTn id="16" fill="hold">
+                            <p:stCondLst>
+                              <p:cond delay="0"/>
+                            </p:stCondLst>
+                            <p:childTnLst>
+                              <p:par>
+                                <p:cTn id="17" presetID="1" presetClass="entr" presetSubtype="0" fill="hold" grpId="0" nodeType="clickEffect">
+                                  <p:stCondLst>
+                                    <p:cond delay="0"/>
+                                  </p:stCondLst>
+                                  <p:childTnLst>
+                                    <p:set>
+                                      <p:cBhvr>
+                                        <p:cTn id="18" dur="1" fill="hold">
+                                          <p:stCondLst>
+                                            <p:cond delay="0"/>
+                                          </p:stCondLst>
+                                        </p:cTn>
+                                        <p:tgtEl>
+                                          <p:spTgt spid="8"/>
+                                        </p:tgtEl>
+                                        <p:attrNameLst>
+                                          <p:attrName>style.visibility</p:attrName>
+                                        </p:attrNameLst>
+                                      </p:cBhvr>
+                                      <p:to>
+                                        <p:strVal val="visible"/>
+                                      </p:to>
+                                    </p:set>
+                                  </p:childTnLst>
+                                </p:cTn>
+                              </p:par>
+                            </p:childTnLst>
+                          </p:cTn>
+                        </p:par>
+                      </p:childTnLst>
+                    </p:cTn>
+                  </p:par>
+                  <p:par>
+                    <p:cTn id="19" fill="hold">
+                      <p:stCondLst>
+                        <p:cond delay="indefinite"/>
+                      </p:stCondLst>
+                      <p:childTnLst>
+                        <p:par>
+                          <p:cTn id="20" fill="hold">
+                            <p:stCondLst>
+                              <p:cond delay="0"/>
+                            </p:stCondLst>
+                            <p:childTnLst>
+                              <p:par>
+                                <p:cTn id="21" presetID="1" presetClass="entr" presetSubtype="0" fill="hold" grpId="0" nodeType="clickEffect">
+                                  <p:stCondLst>
+                                    <p:cond delay="0"/>
+                                  </p:stCondLst>
+                                  <p:childTnLst>
+                                    <p:set>
+                                      <p:cBhvr>
+                                        <p:cTn id="22" dur="1" fill="hold">
+                                          <p:stCondLst>
+                                            <p:cond delay="0"/>
+                                          </p:stCondLst>
+                                        </p:cTn>
+                                        <p:tgtEl>
+                                          <p:spTgt spid="9"/>
+                                        </p:tgtEl>
+                                        <p:attrNameLst>
+                                          <p:attrName>style.visibility</p:attrName>
+                                        </p:attrNameLst>
+                                      </p:cBhvr>
+                                      <p:to>
+                                        <p:strVal val="visible"/>
+                                      </p:to>
+                                    </p:set>
+                                  </p:childTnLst>
+                                </p:cTn>
+                              </p:par>
+                            </p:childTnLst>
+                          </p:cTn>
+                        </p:par>
+                      </p:childTnLst>
+                    </p:cTn>
+                  </p:par>
+                </p:childTnLst>
+              </p:cTn>
+              <p:prevCondLst>
+                <p:cond evt="onPrev" delay="0">
+                  <p:tgtEl>
+                    <p:sldTgt/>
+                  </p:tgtEl>
+                </p:cond>
+              </p:prevCondLst>
+              <p:nextCondLst>
+                <p:cond evt="onNext" delay="0">
+                  <p:tgtEl>
+                    <p:sldTgt/>
+                  </p:tgtEl>
+                </p:cond>
+              </p:nextCondLst>
+            </p:seq>
+          </p:childTnLst>
+        </p:cTn>
       </p:par>
     </p:tnLst>
+    <p:bldLst>
+      <p:bldP spid="5" grpId="0" animBg="1"/>
+      <p:bldP spid="6" grpId="0" animBg="1"/>
+      <p:bldP spid="7" grpId="0" animBg="1"/>
+      <p:bldP spid="8" grpId="0" animBg="1"/>
+      <p:bldP spid="9" grpId="0" animBg="1"/>
+    </p:bldLst>
   </p:timing>
 </p:sld>
 </file>
 
-<file path=ppt/slides/slide5.xml><?xml version="1.0" encoding="utf-8"?>
+<file path=ppt/slides/slide4.xml><?xml version="1.0" encoding="utf-8"?>
 <p:sld xmlns:a="http://schemas.openxmlformats.org/drawingml/2006/main" xmlns:r="http://schemas.openxmlformats.org/officeDocument/2006/relationships" xmlns:p="http://schemas.openxmlformats.org/presentationml/2006/main">
   <p:cSld>
     <p:spTree>
@@ -9195,6 +9311,170 @@
           </a:p>
         </p:txBody>
       </p:sp>
+      <p:grpSp>
+        <p:nvGrpSpPr>
+          <p:cNvPr id="158" name="Gruppieren 157"/>
+          <p:cNvGrpSpPr/>
+          <p:nvPr/>
+        </p:nvGrpSpPr>
+        <p:grpSpPr>
+          <a:xfrm>
+            <a:off x="1602297" y="1792074"/>
+            <a:ext cx="907675" cy="1145142"/>
+            <a:chOff x="1622938" y="2739102"/>
+            <a:chExt cx="907675" cy="1145142"/>
+          </a:xfrm>
+        </p:grpSpPr>
+        <p:pic>
+          <p:nvPicPr>
+            <p:cNvPr id="159" name="Grafik 158"/>
+            <p:cNvPicPr>
+              <a:picLocks noChangeAspect="1"/>
+            </p:cNvPicPr>
+            <p:nvPr/>
+          </p:nvPicPr>
+          <p:blipFill rotWithShape="1">
+            <a:blip r:embed="rId9">
+              <a:extLst>
+                <a:ext uri="{28A0092B-C50C-407E-A947-70E740481C1C}">
+                  <a14:useLocalDpi xmlns:a14="http://schemas.microsoft.com/office/drawing/2010/main" val="0"/>
+                </a:ext>
+              </a:extLst>
+            </a:blip>
+            <a:srcRect t="15236" r="2750" b="19797"/>
+            <a:stretch/>
+          </p:blipFill>
+          <p:spPr>
+            <a:xfrm>
+              <a:off x="1824786" y="2801933"/>
+              <a:ext cx="672916" cy="449544"/>
+            </a:xfrm>
+            <a:prstGeom prst="rect">
+              <a:avLst/>
+            </a:prstGeom>
+          </p:spPr>
+        </p:pic>
+        <p:sp>
+          <p:nvSpPr>
+            <p:cNvPr id="160" name="Rechteck 159"/>
+            <p:cNvSpPr/>
+            <p:nvPr/>
+          </p:nvSpPr>
+          <p:spPr>
+            <a:xfrm>
+              <a:off x="1779477" y="2739102"/>
+              <a:ext cx="751136" cy="952003"/>
+            </a:xfrm>
+            <a:prstGeom prst="rect">
+              <a:avLst/>
+            </a:prstGeom>
+            <a:noFill/>
+            <a:ln w="12700">
+              <a:solidFill>
+                <a:schemeClr val="tx1"/>
+              </a:solidFill>
+            </a:ln>
+          </p:spPr>
+          <p:style>
+            <a:lnRef idx="2">
+              <a:schemeClr val="accent1">
+                <a:shade val="50000"/>
+              </a:schemeClr>
+            </a:lnRef>
+            <a:fillRef idx="1">
+              <a:schemeClr val="accent1"/>
+            </a:fillRef>
+            <a:effectRef idx="0">
+              <a:schemeClr val="accent1"/>
+            </a:effectRef>
+            <a:fontRef idx="minor">
+              <a:schemeClr val="lt1"/>
+            </a:fontRef>
+          </p:style>
+          <p:txBody>
+            <a:bodyPr rtlCol="0" anchor="ctr"/>
+            <a:lstStyle/>
+            <a:p>
+              <a:pPr algn="ctr"/>
+              <a:endParaRPr lang="de-DE"/>
+            </a:p>
+          </p:txBody>
+        </p:sp>
+        <p:cxnSp>
+          <p:nvCxnSpPr>
+            <p:cNvPr id="161" name="Gerade Verbindung mit Pfeil 11"/>
+            <p:cNvCxnSpPr/>
+            <p:nvPr/>
+          </p:nvCxnSpPr>
+          <p:spPr>
+            <a:xfrm rot="10800000">
+              <a:off x="2093166" y="3723818"/>
+              <a:ext cx="123758" cy="160426"/>
+            </a:xfrm>
+            <a:prstGeom prst="bentConnector2">
+              <a:avLst/>
+            </a:prstGeom>
+            <a:ln w="19050">
+              <a:solidFill>
+                <a:schemeClr val="tx1"/>
+              </a:solidFill>
+              <a:tailEnd type="triangle"/>
+            </a:ln>
+          </p:spPr>
+          <p:style>
+            <a:lnRef idx="1">
+              <a:schemeClr val="accent1"/>
+            </a:lnRef>
+            <a:fillRef idx="0">
+              <a:schemeClr val="accent1"/>
+            </a:fillRef>
+            <a:effectRef idx="0">
+              <a:schemeClr val="accent1"/>
+            </a:effectRef>
+            <a:fontRef idx="minor">
+              <a:schemeClr val="tx1"/>
+            </a:fontRef>
+          </p:style>
+        </p:cxnSp>
+        <p:cxnSp>
+          <p:nvCxnSpPr>
+            <p:cNvPr id="162" name="Gerade Verbindung mit Pfeil 161"/>
+            <p:cNvCxnSpPr>
+              <a:stCxn id="160" idx="1"/>
+            </p:cNvCxnSpPr>
+            <p:nvPr/>
+          </p:nvCxnSpPr>
+          <p:spPr>
+            <a:xfrm flipH="1" flipV="1">
+              <a:off x="1622938" y="3215103"/>
+              <a:ext cx="156539" cy="1"/>
+            </a:xfrm>
+            <a:prstGeom prst="straightConnector1">
+              <a:avLst/>
+            </a:prstGeom>
+            <a:ln w="19050">
+              <a:solidFill>
+                <a:schemeClr val="tx1"/>
+              </a:solidFill>
+              <a:tailEnd type="triangle"/>
+            </a:ln>
+          </p:spPr>
+          <p:style>
+            <a:lnRef idx="1">
+              <a:schemeClr val="accent1"/>
+            </a:lnRef>
+            <a:fillRef idx="0">
+              <a:schemeClr val="accent1"/>
+            </a:fillRef>
+            <a:effectRef idx="0">
+              <a:schemeClr val="accent1"/>
+            </a:effectRef>
+            <a:fontRef idx="minor">
+              <a:schemeClr val="tx1"/>
+            </a:fontRef>
+          </p:style>
+        </p:cxnSp>
+      </p:grpSp>
     </p:spTree>
     <p:extLst>
       <p:ext uri="{BB962C8B-B14F-4D97-AF65-F5344CB8AC3E}">
@@ -9279,39 +9559,21 @@
                                   </p:childTnLst>
                                 </p:cTn>
                               </p:par>
-                            </p:childTnLst>
-                          </p:cTn>
-                        </p:par>
-                      </p:childTnLst>
-                    </p:cTn>
-                  </p:par>
-                  <p:par>
-                    <p:cTn id="9" fill="hold">
-                      <p:stCondLst>
-                        <p:cond delay="indefinite"/>
-                      </p:stCondLst>
-                      <p:childTnLst>
-                        <p:par>
-                          <p:cTn id="10" fill="hold">
-                            <p:stCondLst>
-                              <p:cond delay="0"/>
-                            </p:stCondLst>
-                            <p:childTnLst>
                               <p:par>
-                                <p:cTn id="11" presetID="1" presetClass="entr" presetSubtype="0" fill="hold" grpId="0" nodeType="clickEffect">
+                                <p:cTn id="9" presetID="1" presetClass="entr" presetSubtype="0" fill="hold" nodeType="withEffect">
                                   <p:stCondLst>
                                     <p:cond delay="0"/>
                                   </p:stCondLst>
                                   <p:childTnLst>
                                     <p:set>
                                       <p:cBhvr>
-                                        <p:cTn id="12" dur="1" fill="hold">
+                                        <p:cTn id="10" dur="1" fill="hold">
                                           <p:stCondLst>
                                             <p:cond delay="0"/>
                                           </p:stCondLst>
                                         </p:cTn>
                                         <p:tgtEl>
-                                          <p:spTgt spid="9"/>
+                                          <p:spTgt spid="158"/>
                                         </p:tgtEl>
                                         <p:attrNameLst>
                                           <p:attrName>style.visibility</p:attrName>
@@ -9324,8 +9586,26 @@
                                   </p:childTnLst>
                                 </p:cTn>
                               </p:par>
+                            </p:childTnLst>
+                          </p:cTn>
+                        </p:par>
+                      </p:childTnLst>
+                    </p:cTn>
+                  </p:par>
+                  <p:par>
+                    <p:cTn id="11" fill="hold">
+                      <p:stCondLst>
+                        <p:cond delay="indefinite"/>
+                      </p:stCondLst>
+                      <p:childTnLst>
+                        <p:par>
+                          <p:cTn id="12" fill="hold">
+                            <p:stCondLst>
+                              <p:cond delay="0"/>
+                            </p:stCondLst>
+                            <p:childTnLst>
                               <p:par>
-                                <p:cTn id="13" presetID="1" presetClass="entr" presetSubtype="0" fill="hold" grpId="0" nodeType="withEffect">
+                                <p:cTn id="13" presetID="1" presetClass="entr" presetSubtype="0" fill="hold" grpId="0" nodeType="clickEffect">
                                   <p:stCondLst>
                                     <p:cond delay="0"/>
                                   </p:stCondLst>
@@ -9338,7 +9618,7 @@
                                           </p:stCondLst>
                                         </p:cTn>
                                         <p:tgtEl>
-                                          <p:spTgt spid="110"/>
+                                          <p:spTgt spid="9"/>
                                         </p:tgtEl>
                                         <p:attrNameLst>
                                           <p:attrName>style.visibility</p:attrName>
@@ -9365,6 +9645,33 @@
                                           </p:stCondLst>
                                         </p:cTn>
                                         <p:tgtEl>
+                                          <p:spTgt spid="110"/>
+                                        </p:tgtEl>
+                                        <p:attrNameLst>
+                                          <p:attrName>style.visibility</p:attrName>
+                                        </p:attrNameLst>
+                                      </p:cBhvr>
+                                      <p:to>
+                                        <p:strVal val="visible"/>
+                                      </p:to>
+                                    </p:set>
+                                  </p:childTnLst>
+                                </p:cTn>
+                              </p:par>
+                              <p:par>
+                                <p:cTn id="17" presetID="1" presetClass="entr" presetSubtype="0" fill="hold" grpId="0" nodeType="withEffect">
+                                  <p:stCondLst>
+                                    <p:cond delay="0"/>
+                                  </p:stCondLst>
+                                  <p:childTnLst>
+                                    <p:set>
+                                      <p:cBhvr>
+                                        <p:cTn id="18" dur="1" fill="hold">
+                                          <p:stCondLst>
+                                            <p:cond delay="0"/>
+                                          </p:stCondLst>
+                                        </p:cTn>
+                                        <p:tgtEl>
                                           <p:spTgt spid="113"/>
                                         </p:tgtEl>
                                         <p:attrNameLst>
@@ -9379,14 +9686,14 @@
                                 </p:cTn>
                               </p:par>
                               <p:par>
-                                <p:cTn id="17" presetID="1" presetClass="entr" presetSubtype="0" fill="hold" nodeType="withEffect">
+                                <p:cTn id="19" presetID="1" presetClass="entr" presetSubtype="0" fill="hold" nodeType="withEffect">
                                   <p:stCondLst>
                                     <p:cond delay="0"/>
                                   </p:stCondLst>
                                   <p:childTnLst>
                                     <p:set>
                                       <p:cBhvr>
-                                        <p:cTn id="18" dur="1" fill="hold">
+                                        <p:cTn id="20" dur="1" fill="hold">
                                           <p:stCondLst>
                                             <p:cond delay="0"/>
                                           </p:stCondLst>
@@ -9412,26 +9719,26 @@
                     </p:cTn>
                   </p:par>
                   <p:par>
-                    <p:cTn id="19" fill="hold">
+                    <p:cTn id="21" fill="hold">
                       <p:stCondLst>
                         <p:cond delay="indefinite"/>
                       </p:stCondLst>
                       <p:childTnLst>
                         <p:par>
-                          <p:cTn id="20" fill="hold">
+                          <p:cTn id="22" fill="hold">
                             <p:stCondLst>
                               <p:cond delay="0"/>
                             </p:stCondLst>
                             <p:childTnLst>
                               <p:par>
-                                <p:cTn id="21" presetID="1" presetClass="entr" presetSubtype="0" fill="hold" nodeType="clickEffect">
+                                <p:cTn id="23" presetID="1" presetClass="entr" presetSubtype="0" fill="hold" nodeType="clickEffect">
                                   <p:stCondLst>
                                     <p:cond delay="0"/>
                                   </p:stCondLst>
                                   <p:childTnLst>
                                     <p:set>
                                       <p:cBhvr>
-                                        <p:cTn id="22" dur="1" fill="hold">
+                                        <p:cTn id="24" dur="1" fill="hold">
                                           <p:stCondLst>
                                             <p:cond delay="0"/>
                                           </p:stCondLst>
@@ -9451,14 +9758,14 @@
                                 </p:cTn>
                               </p:par>
                               <p:par>
-                                <p:cTn id="23" presetID="1" presetClass="entr" presetSubtype="0" fill="hold" nodeType="withEffect">
+                                <p:cTn id="25" presetID="1" presetClass="entr" presetSubtype="0" fill="hold" nodeType="withEffect">
                                   <p:stCondLst>
                                     <p:cond delay="0"/>
                                   </p:stCondLst>
                                   <p:childTnLst>
                                     <p:set>
                                       <p:cBhvr>
-                                        <p:cTn id="24" dur="1" fill="hold">
+                                        <p:cTn id="26" dur="1" fill="hold">
                                           <p:stCondLst>
                                             <p:cond delay="0"/>
                                           </p:stCondLst>
@@ -9484,26 +9791,26 @@
                     </p:cTn>
                   </p:par>
                   <p:par>
-                    <p:cTn id="25" fill="hold">
+                    <p:cTn id="27" fill="hold">
                       <p:stCondLst>
                         <p:cond delay="indefinite"/>
                       </p:stCondLst>
                       <p:childTnLst>
                         <p:par>
-                          <p:cTn id="26" fill="hold">
+                          <p:cTn id="28" fill="hold">
                             <p:stCondLst>
                               <p:cond delay="0"/>
                             </p:stCondLst>
                             <p:childTnLst>
                               <p:par>
-                                <p:cTn id="27" presetID="1" presetClass="entr" presetSubtype="0" fill="hold" nodeType="clickEffect">
+                                <p:cTn id="29" presetID="1" presetClass="entr" presetSubtype="0" fill="hold" nodeType="clickEffect">
                                   <p:stCondLst>
                                     <p:cond delay="0"/>
                                   </p:stCondLst>
                                   <p:childTnLst>
                                     <p:set>
                                       <p:cBhvr>
-                                        <p:cTn id="28" dur="1" fill="hold">
+                                        <p:cTn id="30" dur="1" fill="hold">
                                           <p:stCondLst>
                                             <p:cond delay="0"/>
                                           </p:stCondLst>
@@ -9529,26 +9836,26 @@
                     </p:cTn>
                   </p:par>
                   <p:par>
-                    <p:cTn id="29" fill="hold">
+                    <p:cTn id="31" fill="hold">
                       <p:stCondLst>
                         <p:cond delay="indefinite"/>
                       </p:stCondLst>
                       <p:childTnLst>
                         <p:par>
-                          <p:cTn id="30" fill="hold">
+                          <p:cTn id="32" fill="hold">
                             <p:stCondLst>
                               <p:cond delay="0"/>
                             </p:stCondLst>
                             <p:childTnLst>
                               <p:par>
-                                <p:cTn id="31" presetID="1" presetClass="entr" presetSubtype="0" fill="hold" nodeType="clickEffect">
+                                <p:cTn id="33" presetID="1" presetClass="entr" presetSubtype="0" fill="hold" nodeType="clickEffect">
                                   <p:stCondLst>
                                     <p:cond delay="0"/>
                                   </p:stCondLst>
                                   <p:childTnLst>
                                     <p:set>
                                       <p:cBhvr>
-                                        <p:cTn id="32" dur="1" fill="hold">
+                                        <p:cTn id="34" dur="1" fill="hold">
                                           <p:stCondLst>
                                             <p:cond delay="0"/>
                                           </p:stCondLst>
@@ -9574,26 +9881,26 @@
                     </p:cTn>
                   </p:par>
                   <p:par>
-                    <p:cTn id="33" fill="hold">
+                    <p:cTn id="35" fill="hold">
                       <p:stCondLst>
                         <p:cond delay="indefinite"/>
                       </p:stCondLst>
                       <p:childTnLst>
                         <p:par>
-                          <p:cTn id="34" fill="hold">
+                          <p:cTn id="36" fill="hold">
                             <p:stCondLst>
                               <p:cond delay="0"/>
                             </p:stCondLst>
                             <p:childTnLst>
                               <p:par>
-                                <p:cTn id="35" presetID="1" presetClass="entr" presetSubtype="0" fill="hold" grpId="0" nodeType="clickEffect">
+                                <p:cTn id="37" presetID="1" presetClass="entr" presetSubtype="0" fill="hold" grpId="0" nodeType="clickEffect">
                                   <p:stCondLst>
                                     <p:cond delay="0"/>
                                   </p:stCondLst>
                                   <p:childTnLst>
                                     <p:set>
                                       <p:cBhvr>
-                                        <p:cTn id="36" dur="1" fill="hold">
+                                        <p:cTn id="38" dur="1" fill="hold">
                                           <p:stCondLst>
                                             <p:cond delay="0"/>
                                           </p:stCondLst>
@@ -9613,14 +9920,14 @@
                                 </p:cTn>
                               </p:par>
                               <p:par>
-                                <p:cTn id="37" presetID="1" presetClass="entr" presetSubtype="0" fill="hold" nodeType="withEffect">
+                                <p:cTn id="39" presetID="1" presetClass="entr" presetSubtype="0" fill="hold" nodeType="withEffect">
                                   <p:stCondLst>
                                     <p:cond delay="0"/>
                                   </p:stCondLst>
                                   <p:childTnLst>
                                     <p:set>
                                       <p:cBhvr>
-                                        <p:cTn id="38" dur="1" fill="hold">
+                                        <p:cTn id="40" dur="1" fill="hold">
                                           <p:stCondLst>
                                             <p:cond delay="0"/>
                                           </p:stCondLst>
@@ -9650,26 +9957,26 @@
                     </p:cTn>
                   </p:par>
                   <p:par>
-                    <p:cTn id="39" fill="hold">
+                    <p:cTn id="41" fill="hold">
                       <p:stCondLst>
                         <p:cond delay="indefinite"/>
                       </p:stCondLst>
                       <p:childTnLst>
                         <p:par>
-                          <p:cTn id="40" fill="hold">
+                          <p:cTn id="42" fill="hold">
                             <p:stCondLst>
                               <p:cond delay="0"/>
                             </p:stCondLst>
                             <p:childTnLst>
                               <p:par>
-                                <p:cTn id="41" presetID="1" presetClass="entr" presetSubtype="0" fill="hold" nodeType="clickEffect">
+                                <p:cTn id="43" presetID="1" presetClass="entr" presetSubtype="0" fill="hold" nodeType="clickEffect">
                                   <p:stCondLst>
                                     <p:cond delay="0"/>
                                   </p:stCondLst>
                                   <p:childTnLst>
                                     <p:set>
                                       <p:cBhvr>
-                                        <p:cTn id="42" dur="1" fill="hold">
+                                        <p:cTn id="44" dur="1" fill="hold">
                                           <p:stCondLst>
                                             <p:cond delay="0"/>
                                           </p:stCondLst>
@@ -9699,26 +10006,26 @@
                     </p:cTn>
                   </p:par>
                   <p:par>
-                    <p:cTn id="43" fill="hold">
+                    <p:cTn id="45" fill="hold">
                       <p:stCondLst>
                         <p:cond delay="indefinite"/>
                       </p:stCondLst>
                       <p:childTnLst>
                         <p:par>
-                          <p:cTn id="44" fill="hold">
+                          <p:cTn id="46" fill="hold">
                             <p:stCondLst>
                               <p:cond delay="0"/>
                             </p:stCondLst>
                             <p:childTnLst>
                               <p:par>
-                                <p:cTn id="45" presetID="1" presetClass="entr" presetSubtype="0" fill="hold" nodeType="clickEffect">
+                                <p:cTn id="47" presetID="1" presetClass="entr" presetSubtype="0" fill="hold" nodeType="clickEffect">
                                   <p:stCondLst>
                                     <p:cond delay="0"/>
                                   </p:stCondLst>
                                   <p:childTnLst>
                                     <p:set>
                                       <p:cBhvr>
-                                        <p:cTn id="46" dur="1" fill="hold">
+                                        <p:cTn id="48" dur="1" fill="hold">
                                           <p:stCondLst>
                                             <p:cond delay="0"/>
                                           </p:stCondLst>
@@ -9748,26 +10055,26 @@
                     </p:cTn>
                   </p:par>
                   <p:par>
-                    <p:cTn id="47" fill="hold">
+                    <p:cTn id="49" fill="hold">
                       <p:stCondLst>
                         <p:cond delay="indefinite"/>
                       </p:stCondLst>
                       <p:childTnLst>
                         <p:par>
-                          <p:cTn id="48" fill="hold">
+                          <p:cTn id="50" fill="hold">
                             <p:stCondLst>
                               <p:cond delay="0"/>
                             </p:stCondLst>
                             <p:childTnLst>
                               <p:par>
-                                <p:cTn id="49" presetID="1" presetClass="entr" presetSubtype="0" fill="hold" nodeType="clickEffect">
+                                <p:cTn id="51" presetID="1" presetClass="entr" presetSubtype="0" fill="hold" nodeType="clickEffect">
                                   <p:stCondLst>
                                     <p:cond delay="0"/>
                                   </p:stCondLst>
                                   <p:childTnLst>
                                     <p:set>
                                       <p:cBhvr>
-                                        <p:cTn id="50" dur="1" fill="hold">
+                                        <p:cTn id="52" dur="1" fill="hold">
                                           <p:stCondLst>
                                             <p:cond delay="0"/>
                                           </p:stCondLst>
@@ -9827,7 +10134,7 @@
 </p:sld>
 </file>
 
-<file path=ppt/slides/slide6.xml><?xml version="1.0" encoding="utf-8"?>
+<file path=ppt/slides/slide5.xml><?xml version="1.0" encoding="utf-8"?>
 <p:sld xmlns:a="http://schemas.openxmlformats.org/drawingml/2006/main" xmlns:r="http://schemas.openxmlformats.org/officeDocument/2006/relationships" xmlns:p="http://schemas.openxmlformats.org/presentationml/2006/main">
   <p:cSld>
     <p:spTree>
@@ -13819,6 +14126,33 @@
                                   </p:childTnLst>
                                 </p:cTn>
                               </p:par>
+                              <p:par>
+                                <p:cTn id="63" presetID="1" presetClass="entr" presetSubtype="0" fill="hold" grpId="0" nodeType="withEffect">
+                                  <p:stCondLst>
+                                    <p:cond delay="0"/>
+                                  </p:stCondLst>
+                                  <p:childTnLst>
+                                    <p:set>
+                                      <p:cBhvr>
+                                        <p:cTn id="64" dur="1" fill="hold">
+                                          <p:stCondLst>
+                                            <p:cond delay="0"/>
+                                          </p:stCondLst>
+                                        </p:cTn>
+                                        <p:tgtEl>
+                                          <p:spTgt spid="7"/>
+                                        </p:tgtEl>
+                                        <p:attrNameLst>
+                                          <p:attrName>style.visibility</p:attrName>
+                                        </p:attrNameLst>
+                                      </p:cBhvr>
+                                      <p:to>
+                                        <p:strVal val="visible"/>
+                                      </p:to>
+                                    </p:set>
+                                  </p:childTnLst>
+                                </p:cTn>
+                              </p:par>
                             </p:childTnLst>
                           </p:cTn>
                         </p:par>
@@ -13826,26 +14160,26 @@
                     </p:cTn>
                   </p:par>
                   <p:par>
-                    <p:cTn id="63" fill="hold">
+                    <p:cTn id="65" fill="hold">
                       <p:stCondLst>
                         <p:cond delay="indefinite"/>
                       </p:stCondLst>
                       <p:childTnLst>
                         <p:par>
-                          <p:cTn id="64" fill="hold">
+                          <p:cTn id="66" fill="hold">
                             <p:stCondLst>
                               <p:cond delay="0"/>
                             </p:stCondLst>
                             <p:childTnLst>
                               <p:par>
-                                <p:cTn id="65" presetID="1" presetClass="entr" presetSubtype="0" fill="hold" grpId="0" nodeType="clickEffect">
+                                <p:cTn id="67" presetID="1" presetClass="entr" presetSubtype="0" fill="hold" grpId="0" nodeType="clickEffect">
                                   <p:stCondLst>
                                     <p:cond delay="0"/>
                                   </p:stCondLst>
                                   <p:childTnLst>
                                     <p:set>
                                       <p:cBhvr>
-                                        <p:cTn id="66" dur="1" fill="hold">
+                                        <p:cTn id="68" dur="1" fill="hold">
                                           <p:stCondLst>
                                             <p:cond delay="0"/>
                                           </p:stCondLst>
@@ -13871,46 +14205,19 @@
                     </p:cTn>
                   </p:par>
                   <p:par>
-                    <p:cTn id="67" fill="hold">
+                    <p:cTn id="69" fill="hold">
                       <p:stCondLst>
                         <p:cond delay="indefinite"/>
                       </p:stCondLst>
                       <p:childTnLst>
                         <p:par>
-                          <p:cTn id="68" fill="hold">
+                          <p:cTn id="70" fill="hold">
                             <p:stCondLst>
                               <p:cond delay="0"/>
                             </p:stCondLst>
                             <p:childTnLst>
                               <p:par>
-                                <p:cTn id="69" presetID="1" presetClass="entr" presetSubtype="0" fill="hold" nodeType="clickEffect">
-                                  <p:stCondLst>
-                                    <p:cond delay="0"/>
-                                  </p:stCondLst>
-                                  <p:childTnLst>
-                                    <p:set>
-                                      <p:cBhvr>
-                                        <p:cTn id="70" dur="1" fill="hold">
-                                          <p:stCondLst>
-                                            <p:cond delay="0"/>
-                                          </p:stCondLst>
-                                        </p:cTn>
-                                        <p:tgtEl>
-                                          <p:spTgt spid="225"/>
-                                        </p:tgtEl>
-                                        <p:attrNameLst>
-                                          <p:attrName>style.visibility</p:attrName>
-                                        </p:attrNameLst>
-                                      </p:cBhvr>
-                                      <p:to>
-                                        <p:strVal val="visible"/>
-                                      </p:to>
-                                    </p:set>
-                                  </p:childTnLst>
-                                </p:cTn>
-                              </p:par>
-                              <p:par>
-                                <p:cTn id="71" presetID="1" presetClass="entr" presetSubtype="0" fill="hold" nodeType="withEffect">
+                                <p:cTn id="71" presetID="1" presetClass="entr" presetSubtype="0" fill="hold" nodeType="clickEffect">
                                   <p:stCondLst>
                                     <p:cond delay="0"/>
                                   </p:stCondLst>
@@ -13923,7 +14230,7 @@
                                           </p:stCondLst>
                                         </p:cTn>
                                         <p:tgtEl>
-                                          <p:spTgt spid="226"/>
+                                          <p:spTgt spid="225"/>
                                         </p:tgtEl>
                                         <p:attrNameLst>
                                           <p:attrName>style.visibility</p:attrName>
@@ -13950,7 +14257,7 @@
                                           </p:stCondLst>
                                         </p:cTn>
                                         <p:tgtEl>
-                                          <p:spTgt spid="244"/>
+                                          <p:spTgt spid="226"/>
                                         </p:tgtEl>
                                         <p:attrNameLst>
                                           <p:attrName>style.visibility</p:attrName>
@@ -13977,7 +14284,61 @@
                                           </p:stCondLst>
                                         </p:cTn>
                                         <p:tgtEl>
+                                          <p:spTgt spid="244"/>
+                                        </p:tgtEl>
+                                        <p:attrNameLst>
+                                          <p:attrName>style.visibility</p:attrName>
+                                        </p:attrNameLst>
+                                      </p:cBhvr>
+                                      <p:to>
+                                        <p:strVal val="visible"/>
+                                      </p:to>
+                                    </p:set>
+                                  </p:childTnLst>
+                                </p:cTn>
+                              </p:par>
+                              <p:par>
+                                <p:cTn id="77" presetID="1" presetClass="entr" presetSubtype="0" fill="hold" nodeType="withEffect">
+                                  <p:stCondLst>
+                                    <p:cond delay="0"/>
+                                  </p:stCondLst>
+                                  <p:childTnLst>
+                                    <p:set>
+                                      <p:cBhvr>
+                                        <p:cTn id="78" dur="1" fill="hold">
+                                          <p:stCondLst>
+                                            <p:cond delay="0"/>
+                                          </p:stCondLst>
+                                        </p:cTn>
+                                        <p:tgtEl>
                                           <p:spTgt spid="247"/>
+                                        </p:tgtEl>
+                                        <p:attrNameLst>
+                                          <p:attrName>style.visibility</p:attrName>
+                                        </p:attrNameLst>
+                                      </p:cBhvr>
+                                      <p:to>
+                                        <p:strVal val="visible"/>
+                                      </p:to>
+                                    </p:set>
+                                  </p:childTnLst>
+                                </p:cTn>
+                              </p:par>
+                              <p:par>
+                                <p:cTn id="79" presetID="1" presetClass="entr" presetSubtype="0" fill="hold" grpId="0" nodeType="withEffect">
+                                  <p:stCondLst>
+                                    <p:cond delay="0"/>
+                                  </p:stCondLst>
+                                  <p:childTnLst>
+                                    <p:set>
+                                      <p:cBhvr>
+                                        <p:cTn id="80" dur="1" fill="hold">
+                                          <p:stCondLst>
+                                            <p:cond delay="0"/>
+                                          </p:stCondLst>
+                                        </p:cTn>
+                                        <p:tgtEl>
+                                          <p:spTgt spid="3"/>
                                         </p:tgtEl>
                                         <p:attrNameLst>
                                           <p:attrName>style.visibility</p:attrName>
@@ -14024,12 +14385,14 @@
       <p:bldP spid="95" grpId="0" animBg="1"/>
       <p:bldP spid="133" grpId="0" animBg="1"/>
       <p:bldP spid="134" grpId="0" animBg="1"/>
+      <p:bldP spid="3" grpId="0"/>
+      <p:bldP spid="7" grpId="0" animBg="1"/>
     </p:bldLst>
   </p:timing>
 </p:sld>
 </file>
 
-<file path=ppt/slides/slide7.xml><?xml version="1.0" encoding="utf-8"?>
+<file path=ppt/slides/slide6.xml><?xml version="1.0" encoding="utf-8"?>
 <p:sld xmlns:a="http://schemas.openxmlformats.org/drawingml/2006/main" xmlns:r="http://schemas.openxmlformats.org/officeDocument/2006/relationships" xmlns:p="http://schemas.openxmlformats.org/presentationml/2006/main">
   <p:cSld>
     <p:spTree>
@@ -14256,7 +14619,7 @@
 </p:sld>
 </file>
 
-<file path=ppt/slides/slide8.xml><?xml version="1.0" encoding="utf-8"?>
+<file path=ppt/slides/slide7.xml><?xml version="1.0" encoding="utf-8"?>
 <p:sld xmlns:a="http://schemas.openxmlformats.org/drawingml/2006/main" xmlns:r="http://schemas.openxmlformats.org/officeDocument/2006/relationships" xmlns:p="http://schemas.openxmlformats.org/presentationml/2006/main">
   <p:cSld>
     <p:spTree>
@@ -14273,6 +14636,36 @@
           <a:chExt cx="0" cy="0"/>
         </a:xfrm>
       </p:grpSpPr>
+      <p:pic>
+        <p:nvPicPr>
+          <p:cNvPr id="5" name="Inhaltsplatzhalter 3"/>
+          <p:cNvPicPr>
+            <a:picLocks noChangeAspect="1"/>
+          </p:cNvPicPr>
+          <p:nvPr/>
+        </p:nvPicPr>
+        <p:blipFill>
+          <a:blip r:embed="rId2" cstate="print">
+            <a:extLst>
+              <a:ext uri="{28A0092B-C50C-407E-A947-70E740481C1C}">
+                <a14:useLocalDpi xmlns:a14="http://schemas.microsoft.com/office/drawing/2010/main" val="0"/>
+              </a:ext>
+            </a:extLst>
+          </a:blip>
+          <a:stretch>
+            <a:fillRect/>
+          </a:stretch>
+        </p:blipFill>
+        <p:spPr>
+          <a:xfrm>
+            <a:off x="3903133" y="76506"/>
+            <a:ext cx="5176926" cy="2889213"/>
+          </a:xfrm>
+          <a:prstGeom prst="rect">
+            <a:avLst/>
+          </a:prstGeom>
+        </p:spPr>
+      </p:pic>
       <p:sp>
         <p:nvSpPr>
           <p:cNvPr id="2" name="Titel 1"/>
@@ -14291,10 +14684,6 @@
             <a:r>
               <a:rPr lang="de-DE" dirty="0" err="1" smtClean="0"/>
               <a:t>BigBlueButton</a:t>
-            </a:r>
-            <a:r>
-              <a:rPr lang="de-DE" dirty="0" smtClean="0"/>
-              <a:t>: Übersicht</a:t>
             </a:r>
             <a:endParaRPr lang="de-DE" dirty="0"/>
           </a:p>
@@ -14331,8 +14720,20 @@
             <a:pPr lvl="1"/>
             <a:r>
               <a:rPr lang="de-DE" dirty="0" smtClean="0"/>
-              <a:t>Folien, Whiteboard, Screen-Sharing</a:t>
-            </a:r>
+              <a:t>Folien, </a:t>
+            </a:r>
+            <a:r>
+              <a:rPr lang="de-DE" dirty="0" smtClean="0"/>
+              <a:t>Whiteboard</a:t>
+            </a:r>
+          </a:p>
+          <a:p>
+            <a:pPr lvl="1"/>
+            <a:r>
+              <a:rPr lang="de-DE" dirty="0" smtClean="0"/>
+              <a:t>Screen-Sharing</a:t>
+            </a:r>
+            <a:endParaRPr lang="de-DE" dirty="0" smtClean="0"/>
           </a:p>
           <a:p>
             <a:pPr lvl="1"/>
@@ -14387,7 +14788,88 @@
             </a:r>
           </a:p>
           <a:p>
+            <a:r>
+              <a:rPr lang="de-DE" dirty="0" smtClean="0"/>
+              <a:t>Sehr gute Erfahrungen an der </a:t>
+            </a:r>
+            <a:r>
+              <a:rPr lang="de-DE" dirty="0" err="1" smtClean="0"/>
+              <a:t>HfTL</a:t>
+            </a:r>
+            <a:r>
+              <a:rPr lang="de-DE" dirty="0" smtClean="0"/>
+              <a:t> </a:t>
+            </a:r>
+          </a:p>
+          <a:p>
             <a:pPr lvl="1"/>
+            <a:r>
+              <a:rPr lang="de-DE" dirty="0" smtClean="0"/>
+              <a:t>Teletutorium</a:t>
+            </a:r>
+          </a:p>
+          <a:p>
+            <a:pPr lvl="1"/>
+            <a:r>
+              <a:rPr lang="de-DE" dirty="0" smtClean="0"/>
+              <a:t>Präsentationen </a:t>
+            </a:r>
+            <a:r>
+              <a:rPr lang="de-DE" smtClean="0"/>
+              <a:t>durch Studierende</a:t>
+            </a:r>
+            <a:endParaRPr lang="de-DE" dirty="0"/>
+          </a:p>
+        </p:txBody>
+      </p:sp>
+      <p:sp>
+        <p:nvSpPr>
+          <p:cNvPr id="4" name="Rechteck 3"/>
+          <p:cNvSpPr/>
+          <p:nvPr/>
+        </p:nvSpPr>
+        <p:spPr>
+          <a:xfrm>
+            <a:off x="5648105" y="5575829"/>
+            <a:ext cx="3149600" cy="846667"/>
+          </a:xfrm>
+          <a:prstGeom prst="rect">
+            <a:avLst/>
+          </a:prstGeom>
+        </p:spPr>
+        <p:style>
+          <a:lnRef idx="2">
+            <a:schemeClr val="accent1">
+              <a:shade val="50000"/>
+            </a:schemeClr>
+          </a:lnRef>
+          <a:fillRef idx="1">
+            <a:schemeClr val="accent1"/>
+          </a:fillRef>
+          <a:effectRef idx="0">
+            <a:schemeClr val="accent1"/>
+          </a:effectRef>
+          <a:fontRef idx="minor">
+            <a:schemeClr val="lt1"/>
+          </a:fontRef>
+        </p:style>
+        <p:txBody>
+          <a:bodyPr rtlCol="0" anchor="ctr"/>
+          <a:lstStyle/>
+          <a:p>
+            <a:pPr algn="ctr"/>
+            <a:r>
+              <a:rPr lang="de-DE" dirty="0" smtClean="0"/>
+              <a:t>Disclaimer: DIAL-Prinzip nicht auf </a:t>
+            </a:r>
+            <a:r>
+              <a:rPr lang="de-DE" dirty="0" err="1" smtClean="0"/>
+              <a:t>BigBlueButton</a:t>
+            </a:r>
+            <a:r>
+              <a:rPr lang="de-DE" dirty="0" smtClean="0"/>
+              <a:t> beschränkt</a:t>
+            </a:r>
             <a:endParaRPr lang="de-DE" dirty="0"/>
           </a:p>
         </p:txBody>
@@ -14405,14 +14887,289 @@
   <p:timing>
     <p:tnLst>
       <p:par>
-        <p:cTn id="1" dur="indefinite" restart="never" nodeType="tmRoot"/>
+        <p:cTn id="1" dur="indefinite" restart="never" nodeType="tmRoot">
+          <p:childTnLst>
+            <p:seq concurrent="1" nextAc="seek">
+              <p:cTn id="2" dur="indefinite" nodeType="mainSeq">
+                <p:childTnLst>
+                  <p:par>
+                    <p:cTn id="3" fill="hold">
+                      <p:stCondLst>
+                        <p:cond delay="indefinite"/>
+                      </p:stCondLst>
+                      <p:childTnLst>
+                        <p:par>
+                          <p:cTn id="4" fill="hold">
+                            <p:stCondLst>
+                              <p:cond delay="0"/>
+                            </p:stCondLst>
+                            <p:childTnLst>
+                              <p:par>
+                                <p:cTn id="5" presetID="1" presetClass="entr" presetSubtype="0" fill="hold" nodeType="clickEffect">
+                                  <p:stCondLst>
+                                    <p:cond delay="0"/>
+                                  </p:stCondLst>
+                                  <p:childTnLst>
+                                    <p:set>
+                                      <p:cBhvr>
+                                        <p:cTn id="6" dur="1" fill="hold">
+                                          <p:stCondLst>
+                                            <p:cond delay="0"/>
+                                          </p:stCondLst>
+                                        </p:cTn>
+                                        <p:tgtEl>
+                                          <p:spTgt spid="3">
+                                            <p:txEl>
+                                              <p:pRg st="6" end="6"/>
+                                            </p:txEl>
+                                          </p:spTgt>
+                                        </p:tgtEl>
+                                        <p:attrNameLst>
+                                          <p:attrName>style.visibility</p:attrName>
+                                        </p:attrNameLst>
+                                      </p:cBhvr>
+                                      <p:to>
+                                        <p:strVal val="visible"/>
+                                      </p:to>
+                                    </p:set>
+                                  </p:childTnLst>
+                                </p:cTn>
+                              </p:par>
+                              <p:par>
+                                <p:cTn id="7" presetID="1" presetClass="entr" presetSubtype="0" fill="hold" nodeType="withEffect">
+                                  <p:stCondLst>
+                                    <p:cond delay="0"/>
+                                  </p:stCondLst>
+                                  <p:childTnLst>
+                                    <p:set>
+                                      <p:cBhvr>
+                                        <p:cTn id="8" dur="1" fill="hold">
+                                          <p:stCondLst>
+                                            <p:cond delay="0"/>
+                                          </p:stCondLst>
+                                        </p:cTn>
+                                        <p:tgtEl>
+                                          <p:spTgt spid="3">
+                                            <p:txEl>
+                                              <p:pRg st="7" end="7"/>
+                                            </p:txEl>
+                                          </p:spTgt>
+                                        </p:tgtEl>
+                                        <p:attrNameLst>
+                                          <p:attrName>style.visibility</p:attrName>
+                                        </p:attrNameLst>
+                                      </p:cBhvr>
+                                      <p:to>
+                                        <p:strVal val="visible"/>
+                                      </p:to>
+                                    </p:set>
+                                  </p:childTnLst>
+                                </p:cTn>
+                              </p:par>
+                              <p:par>
+                                <p:cTn id="9" presetID="1" presetClass="entr" presetSubtype="0" fill="hold" nodeType="withEffect">
+                                  <p:stCondLst>
+                                    <p:cond delay="0"/>
+                                  </p:stCondLst>
+                                  <p:childTnLst>
+                                    <p:set>
+                                      <p:cBhvr>
+                                        <p:cTn id="10" dur="1" fill="hold">
+                                          <p:stCondLst>
+                                            <p:cond delay="0"/>
+                                          </p:stCondLst>
+                                        </p:cTn>
+                                        <p:tgtEl>
+                                          <p:spTgt spid="3">
+                                            <p:txEl>
+                                              <p:pRg st="8" end="8"/>
+                                            </p:txEl>
+                                          </p:spTgt>
+                                        </p:tgtEl>
+                                        <p:attrNameLst>
+                                          <p:attrName>style.visibility</p:attrName>
+                                        </p:attrNameLst>
+                                      </p:cBhvr>
+                                      <p:to>
+                                        <p:strVal val="visible"/>
+                                      </p:to>
+                                    </p:set>
+                                  </p:childTnLst>
+                                </p:cTn>
+                              </p:par>
+                              <p:par>
+                                <p:cTn id="11" presetID="1" presetClass="entr" presetSubtype="0" fill="hold" nodeType="withEffect">
+                                  <p:stCondLst>
+                                    <p:cond delay="0"/>
+                                  </p:stCondLst>
+                                  <p:childTnLst>
+                                    <p:set>
+                                      <p:cBhvr>
+                                        <p:cTn id="12" dur="1" fill="hold">
+                                          <p:stCondLst>
+                                            <p:cond delay="0"/>
+                                          </p:stCondLst>
+                                        </p:cTn>
+                                        <p:tgtEl>
+                                          <p:spTgt spid="3">
+                                            <p:txEl>
+                                              <p:pRg st="9" end="9"/>
+                                            </p:txEl>
+                                          </p:spTgt>
+                                        </p:tgtEl>
+                                        <p:attrNameLst>
+                                          <p:attrName>style.visibility</p:attrName>
+                                        </p:attrNameLst>
+                                      </p:cBhvr>
+                                      <p:to>
+                                        <p:strVal val="visible"/>
+                                      </p:to>
+                                    </p:set>
+                                  </p:childTnLst>
+                                </p:cTn>
+                              </p:par>
+                              <p:par>
+                                <p:cTn id="13" presetID="1" presetClass="entr" presetSubtype="0" fill="hold" nodeType="withEffect">
+                                  <p:stCondLst>
+                                    <p:cond delay="0"/>
+                                  </p:stCondLst>
+                                  <p:childTnLst>
+                                    <p:set>
+                                      <p:cBhvr>
+                                        <p:cTn id="14" dur="1" fill="hold">
+                                          <p:stCondLst>
+                                            <p:cond delay="0"/>
+                                          </p:stCondLst>
+                                        </p:cTn>
+                                        <p:tgtEl>
+                                          <p:spTgt spid="3">
+                                            <p:txEl>
+                                              <p:pRg st="10" end="10"/>
+                                            </p:txEl>
+                                          </p:spTgt>
+                                        </p:tgtEl>
+                                        <p:attrNameLst>
+                                          <p:attrName>style.visibility</p:attrName>
+                                        </p:attrNameLst>
+                                      </p:cBhvr>
+                                      <p:to>
+                                        <p:strVal val="visible"/>
+                                      </p:to>
+                                    </p:set>
+                                  </p:childTnLst>
+                                </p:cTn>
+                              </p:par>
+                              <p:par>
+                                <p:cTn id="15" presetID="1" presetClass="entr" presetSubtype="0" fill="hold" nodeType="withEffect">
+                                  <p:stCondLst>
+                                    <p:cond delay="0"/>
+                                  </p:stCondLst>
+                                  <p:childTnLst>
+                                    <p:set>
+                                      <p:cBhvr>
+                                        <p:cTn id="16" dur="1" fill="hold">
+                                          <p:stCondLst>
+                                            <p:cond delay="0"/>
+                                          </p:stCondLst>
+                                        </p:cTn>
+                                        <p:tgtEl>
+                                          <p:spTgt spid="3">
+                                            <p:txEl>
+                                              <p:pRg st="11" end="11"/>
+                                            </p:txEl>
+                                          </p:spTgt>
+                                        </p:tgtEl>
+                                        <p:attrNameLst>
+                                          <p:attrName>style.visibility</p:attrName>
+                                        </p:attrNameLst>
+                                      </p:cBhvr>
+                                      <p:to>
+                                        <p:strVal val="visible"/>
+                                      </p:to>
+                                    </p:set>
+                                  </p:childTnLst>
+                                </p:cTn>
+                              </p:par>
+                            </p:childTnLst>
+                          </p:cTn>
+                        </p:par>
+                      </p:childTnLst>
+                    </p:cTn>
+                  </p:par>
+                  <p:par>
+                    <p:cTn id="17" fill="hold">
+                      <p:stCondLst>
+                        <p:cond delay="indefinite"/>
+                      </p:stCondLst>
+                      <p:childTnLst>
+                        <p:par>
+                          <p:cTn id="18" fill="hold">
+                            <p:stCondLst>
+                              <p:cond delay="0"/>
+                            </p:stCondLst>
+                            <p:childTnLst>
+                              <p:par>
+                                <p:cTn id="19" presetID="1" presetClass="entr" presetSubtype="0" fill="hold" grpId="0" nodeType="clickEffect">
+                                  <p:stCondLst>
+                                    <p:cond delay="0"/>
+                                  </p:stCondLst>
+                                  <p:childTnLst>
+                                    <p:set>
+                                      <p:cBhvr>
+                                        <p:cTn id="20" dur="1" fill="hold">
+                                          <p:stCondLst>
+                                            <p:cond delay="0"/>
+                                          </p:stCondLst>
+                                        </p:cTn>
+                                        <p:tgtEl>
+                                          <p:spTgt spid="4"/>
+                                        </p:tgtEl>
+                                        <p:attrNameLst>
+                                          <p:attrName>style.visibility</p:attrName>
+                                        </p:attrNameLst>
+                                      </p:cBhvr>
+                                      <p:to>
+                                        <p:strVal val="visible"/>
+                                      </p:to>
+                                    </p:set>
+                                  </p:childTnLst>
+                                </p:cTn>
+                              </p:par>
+                            </p:childTnLst>
+                          </p:cTn>
+                        </p:par>
+                      </p:childTnLst>
+                    </p:cTn>
+                  </p:par>
+                </p:childTnLst>
+              </p:cTn>
+              <p:prevCondLst>
+                <p:cond evt="onPrev" delay="0">
+                  <p:tgtEl>
+                    <p:sldTgt/>
+                  </p:tgtEl>
+                </p:cond>
+              </p:prevCondLst>
+              <p:nextCondLst>
+                <p:cond evt="onNext" delay="0">
+                  <p:tgtEl>
+                    <p:sldTgt/>
+                  </p:tgtEl>
+                </p:cond>
+              </p:nextCondLst>
+            </p:seq>
+          </p:childTnLst>
+        </p:cTn>
       </p:par>
     </p:tnLst>
+    <p:bldLst>
+      <p:bldP spid="4" grpId="0" animBg="1"/>
+    </p:bldLst>
   </p:timing>
 </p:sld>
 </file>
 
-<file path=ppt/slides/slide9.xml><?xml version="1.0" encoding="utf-8"?>
+<file path=ppt/slides/slide8.xml><?xml version="1.0" encoding="utf-8"?>
 <p:sld xmlns:a="http://schemas.openxmlformats.org/drawingml/2006/main" xmlns:r="http://schemas.openxmlformats.org/officeDocument/2006/relationships" xmlns:p="http://schemas.openxmlformats.org/presentationml/2006/main">
   <p:cSld>
     <p:spTree>
@@ -15921,6 +16678,328 @@
       <p:bldP spid="24" grpId="0"/>
       <p:bldP spid="25" grpId="0" animBg="1"/>
     </p:bldLst>
+  </p:timing>
+</p:sld>
+</file>
+
+<file path=ppt/slides/slide9.xml><?xml version="1.0" encoding="utf-8"?>
+<p:sld xmlns:a="http://schemas.openxmlformats.org/drawingml/2006/main" xmlns:r="http://schemas.openxmlformats.org/officeDocument/2006/relationships" xmlns:p="http://schemas.openxmlformats.org/presentationml/2006/main">
+  <p:cSld>
+    <p:spTree>
+      <p:nvGrpSpPr>
+        <p:cNvPr id="1" name=""/>
+        <p:cNvGrpSpPr/>
+        <p:nvPr/>
+      </p:nvGrpSpPr>
+      <p:grpSpPr>
+        <a:xfrm>
+          <a:off x="0" y="0"/>
+          <a:ext cx="0" cy="0"/>
+          <a:chOff x="0" y="0"/>
+          <a:chExt cx="0" cy="0"/>
+        </a:xfrm>
+      </p:grpSpPr>
+      <p:sp>
+        <p:nvSpPr>
+          <p:cNvPr id="2" name="Titel 1"/>
+          <p:cNvSpPr>
+            <a:spLocks noGrp="1"/>
+          </p:cNvSpPr>
+          <p:nvPr>
+            <p:ph type="title"/>
+          </p:nvPr>
+        </p:nvSpPr>
+        <p:spPr/>
+        <p:txBody>
+          <a:bodyPr/>
+          <a:lstStyle/>
+          <a:p>
+            <a:r>
+              <a:rPr lang="de-DE" dirty="0" smtClean="0"/>
+              <a:t>DIAL: </a:t>
+            </a:r>
+            <a:r>
+              <a:rPr lang="de-DE" dirty="0" smtClean="0"/>
+              <a:t>Web-App </a:t>
+            </a:r>
+            <a:r>
+              <a:rPr lang="de-DE" dirty="0" smtClean="0"/>
+              <a:t>(Screenshots)</a:t>
+            </a:r>
+            <a:endParaRPr lang="de-DE" dirty="0"/>
+          </a:p>
+        </p:txBody>
+      </p:sp>
+      <p:pic>
+        <p:nvPicPr>
+          <p:cNvPr id="4" name="Grafik 3"/>
+          <p:cNvPicPr>
+            <a:picLocks noChangeAspect="1"/>
+          </p:cNvPicPr>
+          <p:nvPr/>
+        </p:nvPicPr>
+        <p:blipFill>
+          <a:blip r:embed="rId2"/>
+          <a:stretch>
+            <a:fillRect/>
+          </a:stretch>
+        </p:blipFill>
+        <p:spPr>
+          <a:xfrm>
+            <a:off x="85596" y="1013968"/>
+            <a:ext cx="3181350" cy="5466662"/>
+          </a:xfrm>
+          <a:prstGeom prst="rect">
+            <a:avLst/>
+          </a:prstGeom>
+        </p:spPr>
+      </p:pic>
+      <p:pic>
+        <p:nvPicPr>
+          <p:cNvPr id="5" name="Grafik 4"/>
+          <p:cNvPicPr>
+            <a:picLocks noChangeAspect="1"/>
+          </p:cNvPicPr>
+          <p:nvPr/>
+        </p:nvPicPr>
+        <p:blipFill>
+          <a:blip r:embed="rId3"/>
+          <a:stretch>
+            <a:fillRect/>
+          </a:stretch>
+        </p:blipFill>
+        <p:spPr>
+          <a:xfrm>
+            <a:off x="1972858" y="1022897"/>
+            <a:ext cx="3191171" cy="5485853"/>
+          </a:xfrm>
+          <a:prstGeom prst="rect">
+            <a:avLst/>
+          </a:prstGeom>
+        </p:spPr>
+      </p:pic>
+      <p:pic>
+        <p:nvPicPr>
+          <p:cNvPr id="6" name="Grafik 5"/>
+          <p:cNvPicPr>
+            <a:picLocks noChangeAspect="1"/>
+          </p:cNvPicPr>
+          <p:nvPr/>
+        </p:nvPicPr>
+        <p:blipFill>
+          <a:blip r:embed="rId4"/>
+          <a:stretch>
+            <a:fillRect/>
+          </a:stretch>
+        </p:blipFill>
+        <p:spPr>
+          <a:xfrm>
+            <a:off x="3869941" y="1017847"/>
+            <a:ext cx="3244616" cy="5484553"/>
+          </a:xfrm>
+          <a:prstGeom prst="rect">
+            <a:avLst/>
+          </a:prstGeom>
+        </p:spPr>
+      </p:pic>
+      <p:pic>
+        <p:nvPicPr>
+          <p:cNvPr id="7" name="Grafik 6"/>
+          <p:cNvPicPr>
+            <a:picLocks noChangeAspect="1"/>
+          </p:cNvPicPr>
+          <p:nvPr/>
+        </p:nvPicPr>
+        <p:blipFill>
+          <a:blip r:embed="rId5"/>
+          <a:stretch>
+            <a:fillRect/>
+          </a:stretch>
+        </p:blipFill>
+        <p:spPr>
+          <a:xfrm>
+            <a:off x="5820468" y="1018829"/>
+            <a:ext cx="3229485" cy="5528022"/>
+          </a:xfrm>
+          <a:prstGeom prst="rect">
+            <a:avLst/>
+          </a:prstGeom>
+        </p:spPr>
+      </p:pic>
+    </p:spTree>
+    <p:extLst>
+      <p:ext uri="{BB962C8B-B14F-4D97-AF65-F5344CB8AC3E}">
+        <p14:creationId xmlns:p14="http://schemas.microsoft.com/office/powerpoint/2010/main" val="2092675171"/>
+      </p:ext>
+    </p:extLst>
+  </p:cSld>
+  <p:clrMapOvr>
+    <a:masterClrMapping/>
+  </p:clrMapOvr>
+  <p:timing>
+    <p:tnLst>
+      <p:par>
+        <p:cTn id="1" dur="indefinite" restart="never" nodeType="tmRoot">
+          <p:childTnLst>
+            <p:seq concurrent="1" nextAc="seek">
+              <p:cTn id="2" dur="indefinite" nodeType="mainSeq">
+                <p:childTnLst>
+                  <p:par>
+                    <p:cTn id="3" fill="hold">
+                      <p:stCondLst>
+                        <p:cond delay="indefinite"/>
+                      </p:stCondLst>
+                      <p:childTnLst>
+                        <p:par>
+                          <p:cTn id="4" fill="hold">
+                            <p:stCondLst>
+                              <p:cond delay="0"/>
+                            </p:stCondLst>
+                            <p:childTnLst>
+                              <p:par>
+                                <p:cTn id="5" presetID="1" presetClass="entr" presetSubtype="0" fill="hold" nodeType="clickEffect">
+                                  <p:stCondLst>
+                                    <p:cond delay="0"/>
+                                  </p:stCondLst>
+                                  <p:childTnLst>
+                                    <p:set>
+                                      <p:cBhvr>
+                                        <p:cTn id="6" dur="1" fill="hold">
+                                          <p:stCondLst>
+                                            <p:cond delay="0"/>
+                                          </p:stCondLst>
+                                        </p:cTn>
+                                        <p:tgtEl>
+                                          <p:spTgt spid="5"/>
+                                        </p:tgtEl>
+                                        <p:attrNameLst>
+                                          <p:attrName>style.visibility</p:attrName>
+                                        </p:attrNameLst>
+                                      </p:cBhvr>
+                                      <p:to>
+                                        <p:strVal val="visible"/>
+                                      </p:to>
+                                    </p:set>
+                                  </p:childTnLst>
+                                </p:cTn>
+                              </p:par>
+                            </p:childTnLst>
+                          </p:cTn>
+                        </p:par>
+                      </p:childTnLst>
+                    </p:cTn>
+                  </p:par>
+                  <p:par>
+                    <p:cTn id="7" fill="hold">
+                      <p:stCondLst>
+                        <p:cond delay="indefinite"/>
+                      </p:stCondLst>
+                      <p:childTnLst>
+                        <p:par>
+                          <p:cTn id="8" fill="hold">
+                            <p:stCondLst>
+                              <p:cond delay="0"/>
+                            </p:stCondLst>
+                            <p:childTnLst>
+                              <p:par>
+                                <p:cTn id="9" presetID="1" presetClass="entr" presetSubtype="0" fill="hold" nodeType="clickEffect">
+                                  <p:stCondLst>
+                                    <p:cond delay="0"/>
+                                  </p:stCondLst>
+                                  <p:childTnLst>
+                                    <p:set>
+                                      <p:cBhvr>
+                                        <p:cTn id="10" dur="1" fill="hold">
+                                          <p:stCondLst>
+                                            <p:cond delay="0"/>
+                                          </p:stCondLst>
+                                        </p:cTn>
+                                        <p:tgtEl>
+                                          <p:spTgt spid="6"/>
+                                        </p:tgtEl>
+                                        <p:attrNameLst>
+                                          <p:attrName>style.visibility</p:attrName>
+                                        </p:attrNameLst>
+                                      </p:cBhvr>
+                                      <p:to>
+                                        <p:strVal val="visible"/>
+                                      </p:to>
+                                    </p:set>
+                                  </p:childTnLst>
+                                </p:cTn>
+                              </p:par>
+                            </p:childTnLst>
+                          </p:cTn>
+                        </p:par>
+                      </p:childTnLst>
+                    </p:cTn>
+                  </p:par>
+                  <p:par>
+                    <p:cTn id="11" fill="hold">
+                      <p:stCondLst>
+                        <p:cond delay="indefinite"/>
+                      </p:stCondLst>
+                      <p:childTnLst>
+                        <p:par>
+                          <p:cTn id="12" fill="hold">
+                            <p:stCondLst>
+                              <p:cond delay="0"/>
+                            </p:stCondLst>
+                            <p:childTnLst>
+                              <p:par>
+                                <p:cTn id="13" presetID="1" presetClass="entr" presetSubtype="0" fill="hold" nodeType="clickEffect">
+                                  <p:stCondLst>
+                                    <p:cond delay="0"/>
+                                  </p:stCondLst>
+                                  <p:childTnLst>
+                                    <p:set>
+                                      <p:cBhvr>
+                                        <p:cTn id="14" dur="1" fill="hold">
+                                          <p:stCondLst>
+                                            <p:cond delay="0"/>
+                                          </p:stCondLst>
+                                        </p:cTn>
+                                        <p:tgtEl>
+                                          <p:spTgt spid="7"/>
+                                        </p:tgtEl>
+                                        <p:attrNameLst>
+                                          <p:attrName>style.visibility</p:attrName>
+                                        </p:attrNameLst>
+                                      </p:cBhvr>
+                                      <p:to>
+                                        <p:strVal val="visible"/>
+                                      </p:to>
+                                    </p:set>
+                                  </p:childTnLst>
+                                </p:cTn>
+                              </p:par>
+                            </p:childTnLst>
+                          </p:cTn>
+                        </p:par>
+                      </p:childTnLst>
+                    </p:cTn>
+                  </p:par>
+                </p:childTnLst>
+              </p:cTn>
+              <p:prevCondLst>
+                <p:cond evt="onPrev" delay="0">
+                  <p:tgtEl>
+                    <p:sldTgt/>
+                  </p:tgtEl>
+                </p:cond>
+              </p:prevCondLst>
+              <p:nextCondLst>
+                <p:cond evt="onNext" delay="0">
+                  <p:tgtEl>
+                    <p:sldTgt/>
+                  </p:tgtEl>
+                </p:cond>
+              </p:nextCondLst>
+            </p:seq>
+          </p:childTnLst>
+        </p:cTn>
+      </p:par>
+    </p:tnLst>
   </p:timing>
 </p:sld>
 </file>

--- a/DIAL/DIAL_Delfi_2017_Vortrag.pptx
+++ b/DIAL/DIAL_Delfi_2017_Vortrag.pptx
@@ -207,7 +207,7 @@
           <a:p>
             <a:fld id="{FD798601-B567-4418-90E6-6A3C1F1D0B26}" type="datetimeFigureOut">
               <a:rPr lang="de-DE" smtClean="0"/>
-              <a:t>31.08.2017</a:t>
+              <a:t>05.09.2017</a:t>
             </a:fld>
             <a:endParaRPr lang="de-DE"/>
           </a:p>
@@ -1529,7 +1529,7 @@
           <a:p>
             <a:fld id="{1E13E174-3914-4D58-9E24-2A0CC84D465E}" type="datetimeFigureOut">
               <a:rPr lang="de-DE" smtClean="0"/>
-              <a:t>31.08.2017</a:t>
+              <a:t>05.09.2017</a:t>
             </a:fld>
             <a:endParaRPr lang="de-DE"/>
           </a:p>
@@ -1706,7 +1706,7 @@
           <a:p>
             <a:fld id="{1E13E174-3914-4D58-9E24-2A0CC84D465E}" type="datetimeFigureOut">
               <a:rPr lang="de-DE" smtClean="0"/>
-              <a:t>31.08.2017</a:t>
+              <a:t>05.09.2017</a:t>
             </a:fld>
             <a:endParaRPr lang="de-DE"/>
           </a:p>
@@ -1886,7 +1886,7 @@
           <a:p>
             <a:fld id="{1E13E174-3914-4D58-9E24-2A0CC84D465E}" type="datetimeFigureOut">
               <a:rPr lang="de-DE" smtClean="0"/>
-              <a:t>31.08.2017</a:t>
+              <a:t>05.09.2017</a:t>
             </a:fld>
             <a:endParaRPr lang="de-DE"/>
           </a:p>
@@ -2163,7 +2163,7 @@
         <p:spPr>
           <a:xfrm>
             <a:off x="132862" y="6522403"/>
-            <a:ext cx="2070695" cy="307777"/>
+            <a:ext cx="2658998" cy="307777"/>
           </a:xfrm>
           <a:prstGeom prst="rect">
             <a:avLst/>
@@ -2178,7 +2178,7 @@
           <a:p>
             <a:r>
               <a:rPr lang="de-DE" sz="1400" b="1" dirty="0" smtClean="0"/>
-              <a:t>Andreas Thor, </a:t>
+              <a:t>Andreas Thor, DIAL @ </a:t>
             </a:r>
             <a:r>
               <a:rPr lang="de-DE" sz="1400" b="1" dirty="0" err="1" smtClean="0"/>
@@ -2395,7 +2395,7 @@
           <a:p>
             <a:fld id="{1E13E174-3914-4D58-9E24-2A0CC84D465E}" type="datetimeFigureOut">
               <a:rPr lang="de-DE" smtClean="0"/>
-              <a:t>31.08.2017</a:t>
+              <a:t>05.09.2017</a:t>
             </a:fld>
             <a:endParaRPr lang="de-DE"/>
           </a:p>
@@ -2634,7 +2634,7 @@
           <a:p>
             <a:fld id="{1E13E174-3914-4D58-9E24-2A0CC84D465E}" type="datetimeFigureOut">
               <a:rPr lang="de-DE" smtClean="0"/>
-              <a:t>31.08.2017</a:t>
+              <a:t>05.09.2017</a:t>
             </a:fld>
             <a:endParaRPr lang="de-DE"/>
           </a:p>
@@ -3001,7 +3001,7 @@
           <a:p>
             <a:fld id="{1E13E174-3914-4D58-9E24-2A0CC84D465E}" type="datetimeFigureOut">
               <a:rPr lang="de-DE" smtClean="0"/>
-              <a:t>31.08.2017</a:t>
+              <a:t>05.09.2017</a:t>
             </a:fld>
             <a:endParaRPr lang="de-DE"/>
           </a:p>
@@ -3119,7 +3119,7 @@
           <a:p>
             <a:fld id="{1E13E174-3914-4D58-9E24-2A0CC84D465E}" type="datetimeFigureOut">
               <a:rPr lang="de-DE" smtClean="0"/>
-              <a:t>31.08.2017</a:t>
+              <a:t>05.09.2017</a:t>
             </a:fld>
             <a:endParaRPr lang="de-DE"/>
           </a:p>
@@ -3214,7 +3214,7 @@
           <a:p>
             <a:fld id="{1E13E174-3914-4D58-9E24-2A0CC84D465E}" type="datetimeFigureOut">
               <a:rPr lang="de-DE" smtClean="0"/>
-              <a:t>31.08.2017</a:t>
+              <a:t>05.09.2017</a:t>
             </a:fld>
             <a:endParaRPr lang="de-DE"/>
           </a:p>
@@ -3491,7 +3491,7 @@
           <a:p>
             <a:fld id="{1E13E174-3914-4D58-9E24-2A0CC84D465E}" type="datetimeFigureOut">
               <a:rPr lang="de-DE" smtClean="0"/>
-              <a:t>31.08.2017</a:t>
+              <a:t>05.09.2017</a:t>
             </a:fld>
             <a:endParaRPr lang="de-DE"/>
           </a:p>
@@ -3748,7 +3748,7 @@
           <a:p>
             <a:fld id="{1E13E174-3914-4D58-9E24-2A0CC84D465E}" type="datetimeFigureOut">
               <a:rPr lang="de-DE" smtClean="0"/>
-              <a:t>31.08.2017</a:t>
+              <a:t>05.09.2017</a:t>
             </a:fld>
             <a:endParaRPr lang="de-DE"/>
           </a:p>
@@ -3961,7 +3961,7 @@
           <a:p>
             <a:fld id="{1E13E174-3914-4D58-9E24-2A0CC84D465E}" type="datetimeFigureOut">
               <a:rPr lang="de-DE" smtClean="0"/>
-              <a:t>31.08.2017</a:t>
+              <a:t>05.09.2017</a:t>
             </a:fld>
             <a:endParaRPr lang="de-DE"/>
           </a:p>
@@ -4699,34 +4699,91 @@
           <a:bodyPr/>
           <a:lstStyle/>
           <a:p>
-            <a:endParaRPr lang="de-DE"/>
+            <a:r>
+              <a:rPr lang="de-DE" dirty="0" smtClean="0"/>
+              <a:t>Testvorlesung in zwei Räumen</a:t>
+            </a:r>
+          </a:p>
+          <a:p>
+            <a:endParaRPr lang="de-DE" dirty="0"/>
+          </a:p>
+          <a:p>
+            <a:r>
+              <a:rPr lang="de-DE" dirty="0" smtClean="0"/>
+              <a:t>Niedriger Ressourcenverbrauch (CPU Load, Datenverkehr)</a:t>
+            </a:r>
+          </a:p>
+          <a:p>
+            <a:r>
+              <a:rPr lang="de-DE" dirty="0" smtClean="0"/>
+              <a:t>Sichtbarkeit des Chats </a:t>
+            </a:r>
+            <a:r>
+              <a:rPr lang="de-DE" dirty="0" smtClean="0">
+                <a:sym typeface="Wingdings" panose="05000000000000000000" pitchFamily="2" charset="2"/>
+              </a:rPr>
+              <a:t> zum Teil Lösung in Murmelgruppe</a:t>
+            </a:r>
+          </a:p>
+          <a:p>
+            <a:r>
+              <a:rPr lang="de-DE" dirty="0" smtClean="0">
+                <a:sym typeface="Wingdings" panose="05000000000000000000" pitchFamily="2" charset="2"/>
+              </a:rPr>
+              <a:t>Umfragen haben zentrale Bedeutung</a:t>
+            </a:r>
+          </a:p>
+          <a:p>
+            <a:pPr lvl="1"/>
+            <a:r>
+              <a:rPr lang="de-DE" dirty="0" smtClean="0">
+                <a:sym typeface="Wingdings" panose="05000000000000000000" pitchFamily="2" charset="2"/>
+              </a:rPr>
+              <a:t>Sicherstellung des Verständnisses für weiteren Verlauf der Vorlesung</a:t>
+            </a:r>
+          </a:p>
+          <a:p>
+            <a:pPr lvl="1"/>
+            <a:r>
+              <a:rPr lang="de-DE" dirty="0" smtClean="0">
+                <a:sym typeface="Wingdings" panose="05000000000000000000" pitchFamily="2" charset="2"/>
+              </a:rPr>
+              <a:t>Zeit für Dozenten um Chat zu lesen</a:t>
+            </a:r>
+            <a:endParaRPr lang="de-DE" dirty="0" smtClean="0"/>
+          </a:p>
+          <a:p>
+            <a:endParaRPr lang="de-DE" dirty="0"/>
+          </a:p>
+          <a:p>
+            <a:r>
+              <a:rPr lang="de-DE" dirty="0" smtClean="0"/>
+              <a:t>Fehlendes non-verbales Feedback für Dozenten</a:t>
+            </a:r>
+          </a:p>
+          <a:p>
+            <a:pPr lvl="1"/>
+            <a:r>
+              <a:rPr lang="de-DE" dirty="0" smtClean="0"/>
+              <a:t>Wunsch: </a:t>
+            </a:r>
+            <a:r>
+              <a:rPr lang="de-DE" dirty="0" err="1" smtClean="0"/>
+              <a:t>Emojis</a:t>
+            </a:r>
+            <a:r>
+              <a:rPr lang="de-DE" dirty="0" smtClean="0"/>
+              <a:t> für „Stimmung“, z.B. „zu schnell“</a:t>
+            </a:r>
+          </a:p>
+          <a:p>
+            <a:endParaRPr lang="de-DE" dirty="0" smtClean="0"/>
+          </a:p>
+          <a:p>
+            <a:endParaRPr lang="de-DE" dirty="0"/>
           </a:p>
         </p:txBody>
       </p:sp>
-      <p:pic>
-        <p:nvPicPr>
-          <p:cNvPr id="4" name="Grafik 3"/>
-          <p:cNvPicPr>
-            <a:picLocks noChangeAspect="1"/>
-          </p:cNvPicPr>
-          <p:nvPr/>
-        </p:nvPicPr>
-        <p:blipFill>
-          <a:blip r:embed="rId2"/>
-          <a:stretch>
-            <a:fillRect/>
-          </a:stretch>
-        </p:blipFill>
-        <p:spPr>
-          <a:xfrm>
-            <a:off x="0" y="961293"/>
-            <a:ext cx="9081581" cy="3900745"/>
-          </a:xfrm>
-          <a:prstGeom prst="rect">
-            <a:avLst/>
-          </a:prstGeom>
-        </p:spPr>
-      </p:pic>
     </p:spTree>
     <p:extLst>
       <p:ext uri="{BB962C8B-B14F-4D97-AF65-F5344CB8AC3E}">
@@ -4740,7 +4797,270 @@
   <p:timing>
     <p:tnLst>
       <p:par>
-        <p:cTn id="1" dur="indefinite" restart="never" nodeType="tmRoot"/>
+        <p:cTn id="1" dur="indefinite" restart="never" nodeType="tmRoot">
+          <p:childTnLst>
+            <p:seq concurrent="1" nextAc="seek">
+              <p:cTn id="2" dur="indefinite" nodeType="mainSeq">
+                <p:childTnLst>
+                  <p:par>
+                    <p:cTn id="3" fill="hold">
+                      <p:stCondLst>
+                        <p:cond delay="indefinite"/>
+                      </p:stCondLst>
+                      <p:childTnLst>
+                        <p:par>
+                          <p:cTn id="4" fill="hold">
+                            <p:stCondLst>
+                              <p:cond delay="0"/>
+                            </p:stCondLst>
+                            <p:childTnLst>
+                              <p:par>
+                                <p:cTn id="5" presetID="1" presetClass="entr" presetSubtype="0" fill="hold" nodeType="clickEffect">
+                                  <p:stCondLst>
+                                    <p:cond delay="0"/>
+                                  </p:stCondLst>
+                                  <p:childTnLst>
+                                    <p:set>
+                                      <p:cBhvr>
+                                        <p:cTn id="6" dur="1" fill="hold">
+                                          <p:stCondLst>
+                                            <p:cond delay="0"/>
+                                          </p:stCondLst>
+                                        </p:cTn>
+                                        <p:tgtEl>
+                                          <p:spTgt spid="3">
+                                            <p:txEl>
+                                              <p:pRg st="3" end="3"/>
+                                            </p:txEl>
+                                          </p:spTgt>
+                                        </p:tgtEl>
+                                        <p:attrNameLst>
+                                          <p:attrName>style.visibility</p:attrName>
+                                        </p:attrNameLst>
+                                      </p:cBhvr>
+                                      <p:to>
+                                        <p:strVal val="visible"/>
+                                      </p:to>
+                                    </p:set>
+                                  </p:childTnLst>
+                                </p:cTn>
+                              </p:par>
+                            </p:childTnLst>
+                          </p:cTn>
+                        </p:par>
+                      </p:childTnLst>
+                    </p:cTn>
+                  </p:par>
+                  <p:par>
+                    <p:cTn id="7" fill="hold">
+                      <p:stCondLst>
+                        <p:cond delay="indefinite"/>
+                      </p:stCondLst>
+                      <p:childTnLst>
+                        <p:par>
+                          <p:cTn id="8" fill="hold">
+                            <p:stCondLst>
+                              <p:cond delay="0"/>
+                            </p:stCondLst>
+                            <p:childTnLst>
+                              <p:par>
+                                <p:cTn id="9" presetID="1" presetClass="entr" presetSubtype="0" fill="hold" nodeType="clickEffect">
+                                  <p:stCondLst>
+                                    <p:cond delay="0"/>
+                                  </p:stCondLst>
+                                  <p:childTnLst>
+                                    <p:set>
+                                      <p:cBhvr>
+                                        <p:cTn id="10" dur="1" fill="hold">
+                                          <p:stCondLst>
+                                            <p:cond delay="0"/>
+                                          </p:stCondLst>
+                                        </p:cTn>
+                                        <p:tgtEl>
+                                          <p:spTgt spid="3">
+                                            <p:txEl>
+                                              <p:pRg st="4" end="4"/>
+                                            </p:txEl>
+                                          </p:spTgt>
+                                        </p:tgtEl>
+                                        <p:attrNameLst>
+                                          <p:attrName>style.visibility</p:attrName>
+                                        </p:attrNameLst>
+                                      </p:cBhvr>
+                                      <p:to>
+                                        <p:strVal val="visible"/>
+                                      </p:to>
+                                    </p:set>
+                                  </p:childTnLst>
+                                </p:cTn>
+                              </p:par>
+                              <p:par>
+                                <p:cTn id="11" presetID="1" presetClass="entr" presetSubtype="0" fill="hold" nodeType="withEffect">
+                                  <p:stCondLst>
+                                    <p:cond delay="0"/>
+                                  </p:stCondLst>
+                                  <p:childTnLst>
+                                    <p:set>
+                                      <p:cBhvr>
+                                        <p:cTn id="12" dur="1" fill="hold">
+                                          <p:stCondLst>
+                                            <p:cond delay="0"/>
+                                          </p:stCondLst>
+                                        </p:cTn>
+                                        <p:tgtEl>
+                                          <p:spTgt spid="3">
+                                            <p:txEl>
+                                              <p:pRg st="5" end="5"/>
+                                            </p:txEl>
+                                          </p:spTgt>
+                                        </p:tgtEl>
+                                        <p:attrNameLst>
+                                          <p:attrName>style.visibility</p:attrName>
+                                        </p:attrNameLst>
+                                      </p:cBhvr>
+                                      <p:to>
+                                        <p:strVal val="visible"/>
+                                      </p:to>
+                                    </p:set>
+                                  </p:childTnLst>
+                                </p:cTn>
+                              </p:par>
+                              <p:par>
+                                <p:cTn id="13" presetID="1" presetClass="entr" presetSubtype="0" fill="hold" nodeType="withEffect">
+                                  <p:stCondLst>
+                                    <p:cond delay="0"/>
+                                  </p:stCondLst>
+                                  <p:childTnLst>
+                                    <p:set>
+                                      <p:cBhvr>
+                                        <p:cTn id="14" dur="1" fill="hold">
+                                          <p:stCondLst>
+                                            <p:cond delay="0"/>
+                                          </p:stCondLst>
+                                        </p:cTn>
+                                        <p:tgtEl>
+                                          <p:spTgt spid="3">
+                                            <p:txEl>
+                                              <p:pRg st="6" end="6"/>
+                                            </p:txEl>
+                                          </p:spTgt>
+                                        </p:tgtEl>
+                                        <p:attrNameLst>
+                                          <p:attrName>style.visibility</p:attrName>
+                                        </p:attrNameLst>
+                                      </p:cBhvr>
+                                      <p:to>
+                                        <p:strVal val="visible"/>
+                                      </p:to>
+                                    </p:set>
+                                  </p:childTnLst>
+                                </p:cTn>
+                              </p:par>
+                            </p:childTnLst>
+                          </p:cTn>
+                        </p:par>
+                      </p:childTnLst>
+                    </p:cTn>
+                  </p:par>
+                  <p:par>
+                    <p:cTn id="15" fill="hold">
+                      <p:stCondLst>
+                        <p:cond delay="indefinite"/>
+                      </p:stCondLst>
+                      <p:childTnLst>
+                        <p:par>
+                          <p:cTn id="16" fill="hold">
+                            <p:stCondLst>
+                              <p:cond delay="0"/>
+                            </p:stCondLst>
+                            <p:childTnLst>
+                              <p:par>
+                                <p:cTn id="17" presetID="1" presetClass="entr" presetSubtype="0" fill="hold" nodeType="clickEffect">
+                                  <p:stCondLst>
+                                    <p:cond delay="0"/>
+                                  </p:stCondLst>
+                                  <p:childTnLst>
+                                    <p:set>
+                                      <p:cBhvr>
+                                        <p:cTn id="18" dur="1" fill="hold">
+                                          <p:stCondLst>
+                                            <p:cond delay="0"/>
+                                          </p:stCondLst>
+                                        </p:cTn>
+                                        <p:tgtEl>
+                                          <p:spTgt spid="3">
+                                            <p:txEl>
+                                              <p:pRg st="8" end="8"/>
+                                            </p:txEl>
+                                          </p:spTgt>
+                                        </p:tgtEl>
+                                        <p:attrNameLst>
+                                          <p:attrName>style.visibility</p:attrName>
+                                        </p:attrNameLst>
+                                      </p:cBhvr>
+                                      <p:to>
+                                        <p:strVal val="visible"/>
+                                      </p:to>
+                                    </p:set>
+                                  </p:childTnLst>
+                                </p:cTn>
+                              </p:par>
+                              <p:par>
+                                <p:cTn id="19" presetID="1" presetClass="entr" presetSubtype="0" fill="hold" nodeType="withEffect">
+                                  <p:stCondLst>
+                                    <p:cond delay="0"/>
+                                  </p:stCondLst>
+                                  <p:childTnLst>
+                                    <p:set>
+                                      <p:cBhvr>
+                                        <p:cTn id="20" dur="1" fill="hold">
+                                          <p:stCondLst>
+                                            <p:cond delay="0"/>
+                                          </p:stCondLst>
+                                        </p:cTn>
+                                        <p:tgtEl>
+                                          <p:spTgt spid="3">
+                                            <p:txEl>
+                                              <p:pRg st="9" end="9"/>
+                                            </p:txEl>
+                                          </p:spTgt>
+                                        </p:tgtEl>
+                                        <p:attrNameLst>
+                                          <p:attrName>style.visibility</p:attrName>
+                                        </p:attrNameLst>
+                                      </p:cBhvr>
+                                      <p:to>
+                                        <p:strVal val="visible"/>
+                                      </p:to>
+                                    </p:set>
+                                  </p:childTnLst>
+                                </p:cTn>
+                              </p:par>
+                            </p:childTnLst>
+                          </p:cTn>
+                        </p:par>
+                      </p:childTnLst>
+                    </p:cTn>
+                  </p:par>
+                </p:childTnLst>
+              </p:cTn>
+              <p:prevCondLst>
+                <p:cond evt="onPrev" delay="0">
+                  <p:tgtEl>
+                    <p:sldTgt/>
+                  </p:tgtEl>
+                </p:cond>
+              </p:prevCondLst>
+              <p:nextCondLst>
+                <p:cond evt="onNext" delay="0">
+                  <p:tgtEl>
+                    <p:sldTgt/>
+                  </p:tgtEl>
+                </p:cond>
+              </p:nextCondLst>
+            </p:seq>
+          </p:childTnLst>
+        </p:cTn>
       </p:par>
     </p:tnLst>
   </p:timing>
@@ -4797,7 +5117,12 @@
             <p:ph idx="1"/>
           </p:nvPr>
         </p:nvSpPr>
-        <p:spPr/>
+        <p:spPr>
+          <a:xfrm>
+            <a:off x="628650" y="1273908"/>
+            <a:ext cx="6830483" cy="4903055"/>
+          </a:xfrm>
+        </p:spPr>
         <p:txBody>
           <a:bodyPr>
             <a:normAutofit/>
@@ -4829,13 +5154,16 @@
               <a:t> </a:t>
             </a:r>
             <a:r>
-              <a:rPr lang="de-DE" u="sng" dirty="0" err="1"/>
+              <a:rPr lang="de-DE" u="sng" dirty="0" err="1" smtClean="0"/>
               <a:t>L</a:t>
             </a:r>
             <a:r>
-              <a:rPr lang="de-DE" dirty="0" err="1"/>
+              <a:rPr lang="de-DE" dirty="0" err="1" smtClean="0"/>
               <a:t>ecture</a:t>
             </a:r>
+            <a:endParaRPr lang="de-DE" dirty="0" smtClean="0"/>
+          </a:p>
+          <a:p>
             <a:endParaRPr lang="de-DE" dirty="0"/>
           </a:p>
           <a:p>
@@ -4844,19 +5172,31 @@
           <a:p>
             <a:r>
               <a:rPr lang="de-DE" dirty="0" smtClean="0"/>
-              <a:t>Einsatz eines Web-Konferenz-Systems (</a:t>
+              <a:t>Einsatz des Web-Konferenz-Systems </a:t>
             </a:r>
             <a:r>
               <a:rPr lang="de-DE" dirty="0" err="1" smtClean="0"/>
               <a:t>BigBlueButton</a:t>
             </a:r>
             <a:r>
+              <a:rPr lang="de-DE" dirty="0"/>
+              <a:t> </a:t>
+            </a:r>
+            <a:r>
               <a:rPr lang="de-DE" dirty="0" smtClean="0"/>
-              <a:t>) für </a:t>
+              <a:t>für </a:t>
             </a:r>
             <a:r>
               <a:rPr lang="de-DE" dirty="0"/>
-              <a:t>einfache und skalierbare Live-Übertragung von </a:t>
+              <a:t>einfache und skalierbare </a:t>
+            </a:r>
+            <a:r>
+              <a:rPr lang="de-DE" u="sng" dirty="0"/>
+              <a:t>Live-Übertragung</a:t>
+            </a:r>
+            <a:r>
+              <a:rPr lang="de-DE" dirty="0"/>
+              <a:t> von </a:t>
             </a:r>
             <a:r>
               <a:rPr lang="de-DE" dirty="0" smtClean="0"/>
@@ -4879,7 +5219,15 @@
             </a:r>
             <a:r>
               <a:rPr lang="de-DE" dirty="0" smtClean="0"/>
-              <a:t>um Schnittstelle und Web-App für Interaktion (Chat, Abstimmung) </a:t>
+              <a:t>um Schnittstelle und Web-App für </a:t>
+            </a:r>
+            <a:r>
+              <a:rPr lang="de-DE" u="sng" dirty="0" smtClean="0"/>
+              <a:t>Interaktion</a:t>
+            </a:r>
+            <a:r>
+              <a:rPr lang="de-DE" dirty="0" smtClean="0"/>
+              <a:t> (Chat, Abstimmung) </a:t>
             </a:r>
           </a:p>
         </p:txBody>
@@ -4962,6 +5310,145 @@
           </a:p>
         </p:txBody>
       </p:sp>
+      <p:grpSp>
+        <p:nvGrpSpPr>
+          <p:cNvPr id="9" name="Gruppieren 8"/>
+          <p:cNvGrpSpPr/>
+          <p:nvPr/>
+        </p:nvGrpSpPr>
+        <p:grpSpPr>
+          <a:xfrm>
+            <a:off x="6597918" y="437960"/>
+            <a:ext cx="940804" cy="1769909"/>
+            <a:chOff x="2723380" y="1243062"/>
+            <a:chExt cx="940804" cy="1769909"/>
+          </a:xfrm>
+        </p:grpSpPr>
+        <p:pic>
+          <p:nvPicPr>
+            <p:cNvPr id="10" name="Grafik 9"/>
+            <p:cNvPicPr>
+              <a:picLocks noChangeAspect="1"/>
+            </p:cNvPicPr>
+            <p:nvPr/>
+          </p:nvPicPr>
+          <p:blipFill rotWithShape="1">
+            <a:blip r:embed="rId2">
+              <a:extLst>
+                <a:ext uri="{28A0092B-C50C-407E-A947-70E740481C1C}">
+                  <a14:useLocalDpi xmlns:a14="http://schemas.microsoft.com/office/drawing/2010/main" val="0"/>
+                </a:ext>
+              </a:extLst>
+            </a:blip>
+            <a:srcRect l="23624" r="23219"/>
+            <a:stretch/>
+          </p:blipFill>
+          <p:spPr>
+            <a:xfrm>
+              <a:off x="2723380" y="1243062"/>
+              <a:ext cx="940804" cy="1769909"/>
+            </a:xfrm>
+            <a:prstGeom prst="rect">
+              <a:avLst/>
+            </a:prstGeom>
+          </p:spPr>
+        </p:pic>
+        <p:sp>
+          <p:nvSpPr>
+            <p:cNvPr id="11" name="Textfeld 10"/>
+            <p:cNvSpPr txBox="1"/>
+            <p:nvPr/>
+          </p:nvSpPr>
+          <p:spPr>
+            <a:xfrm>
+              <a:off x="2749214" y="1570529"/>
+              <a:ext cx="914970" cy="764889"/>
+            </a:xfrm>
+            <a:prstGeom prst="rect">
+              <a:avLst/>
+            </a:prstGeom>
+            <a:noFill/>
+          </p:spPr>
+          <p:txBody>
+            <a:bodyPr wrap="square" rtlCol="0">
+              <a:spAutoFit/>
+            </a:bodyPr>
+            <a:lstStyle/>
+            <a:p>
+              <a:pPr algn="ctr">
+                <a:lnSpc>
+                  <a:spcPts val="1300"/>
+                </a:lnSpc>
+              </a:pPr>
+              <a:r>
+                <a:rPr lang="de-DE" sz="2800" b="1" dirty="0" smtClean="0">
+                  <a:solidFill>
+                    <a:srgbClr val="E20074"/>
+                  </a:solidFill>
+                </a:rPr>
+                <a:t>DIAL</a:t>
+              </a:r>
+              <a:r>
+                <a:rPr lang="de-DE" dirty="0" smtClean="0"/>
+                <a:t/>
+              </a:r>
+              <a:br>
+                <a:rPr lang="de-DE" dirty="0" smtClean="0"/>
+              </a:br>
+              <a:endParaRPr lang="de-DE" dirty="0" smtClean="0"/>
+            </a:p>
+            <a:p>
+              <a:pPr algn="ctr">
+                <a:lnSpc>
+                  <a:spcPts val="1300"/>
+                </a:lnSpc>
+              </a:pPr>
+              <a:r>
+                <a:rPr lang="de-DE" sz="1400" dirty="0" err="1" smtClean="0"/>
+                <a:t>powered</a:t>
+              </a:r>
+              <a:r>
+                <a:rPr lang="de-DE" sz="1400" dirty="0" smtClean="0"/>
+                <a:t> </a:t>
+              </a:r>
+              <a:r>
+                <a:rPr lang="de-DE" sz="1400" dirty="0" err="1" smtClean="0"/>
+                <a:t>by</a:t>
+              </a:r>
+              <a:endParaRPr lang="de-DE" sz="1200" dirty="0"/>
+            </a:p>
+          </p:txBody>
+        </p:sp>
+        <p:pic>
+          <p:nvPicPr>
+            <p:cNvPr id="12" name="Grafik 11"/>
+            <p:cNvPicPr>
+              <a:picLocks noChangeAspect="1"/>
+            </p:cNvPicPr>
+            <p:nvPr/>
+          </p:nvPicPr>
+          <p:blipFill rotWithShape="1">
+            <a:blip r:embed="rId3" cstate="print">
+              <a:extLst>
+                <a:ext uri="{28A0092B-C50C-407E-A947-70E740481C1C}">
+                  <a14:useLocalDpi xmlns:a14="http://schemas.microsoft.com/office/drawing/2010/main" val="0"/>
+                </a:ext>
+              </a:extLst>
+            </a:blip>
+            <a:srcRect r="74926"/>
+            <a:stretch/>
+          </p:blipFill>
+          <p:spPr>
+            <a:xfrm>
+              <a:off x="3051305" y="2376987"/>
+              <a:ext cx="346702" cy="338080"/>
+            </a:xfrm>
+            <a:prstGeom prst="rect">
+              <a:avLst/>
+            </a:prstGeom>
+          </p:spPr>
+        </p:pic>
+      </p:grpSp>
     </p:spTree>
     <p:extLst>
       <p:ext uri="{BB962C8B-B14F-4D97-AF65-F5344CB8AC3E}">
@@ -5208,13 +5695,7 @@
               <a:rPr lang="de-DE" dirty="0" smtClean="0">
                 <a:sym typeface="Wingdings" panose="05000000000000000000" pitchFamily="2" charset="2"/>
               </a:rPr>
-              <a:t>Live-Übertragung der Vorlesung in mehrere </a:t>
-            </a:r>
-            <a:r>
-              <a:rPr lang="de-DE" dirty="0" smtClean="0">
-                <a:sym typeface="Wingdings" panose="05000000000000000000" pitchFamily="2" charset="2"/>
-              </a:rPr>
-              <a:t>Hörsäle</a:t>
+              <a:t>Live-Übertragung der Vorlesung in mehrere Hörsäle</a:t>
             </a:r>
           </a:p>
           <a:p>
@@ -6570,12 +7051,20 @@
               <a:t>Szenario: </a:t>
             </a:r>
             <a:r>
+              <a:rPr lang="de-DE" dirty="0" smtClean="0"/>
+              <a:t>Web-</a:t>
+            </a:r>
+            <a:r>
               <a:rPr lang="de-DE" dirty="0" err="1" smtClean="0"/>
-              <a:t>BigBlueButton</a:t>
+              <a:t>Koferenz</a:t>
             </a:r>
             <a:r>
               <a:rPr lang="de-DE" dirty="0" smtClean="0"/>
-              <a:t> (naiv)</a:t>
+              <a:t>-System </a:t>
+            </a:r>
+            <a:r>
+              <a:rPr lang="de-DE" dirty="0" smtClean="0"/>
+              <a:t>(naiv)</a:t>
             </a:r>
             <a:endParaRPr lang="de-DE" dirty="0"/>
           </a:p>
@@ -7471,11 +7960,7 @@
             <a:p>
               <a:r>
                 <a:rPr lang="de-DE" dirty="0" smtClean="0"/>
-                <a:t>Weitere </a:t>
-              </a:r>
-              <a:r>
-                <a:rPr lang="de-DE" dirty="0" smtClean="0"/>
-                <a:t>Nutzer</a:t>
+                <a:t>Weitere Nutzer</a:t>
               </a:r>
               <a:endParaRPr lang="de-DE" dirty="0"/>
             </a:p>
@@ -11731,11 +12216,7 @@
             </a:br>
             <a:r>
               <a:rPr lang="de-DE" dirty="0" smtClean="0"/>
-              <a:t>(Umfragen, Chat</a:t>
-            </a:r>
-            <a:r>
-              <a:rPr lang="de-DE" dirty="0" smtClean="0"/>
-              <a:t>)</a:t>
+              <a:t>(Umfragen, Chat)</a:t>
             </a:r>
           </a:p>
         </p:txBody>
@@ -13290,11 +13771,7 @@
           <a:p>
             <a:r>
               <a:rPr lang="de-DE" dirty="0" smtClean="0"/>
-              <a:t>Weitere </a:t>
-            </a:r>
-            <a:r>
-              <a:rPr lang="de-DE" dirty="0" smtClean="0"/>
-              <a:t>Nutzer</a:t>
+              <a:t>Weitere Nutzer</a:t>
             </a:r>
             <a:endParaRPr lang="de-DE" dirty="0"/>
           </a:p>
@@ -13308,13 +13785,13 @@
         </p:nvSpPr>
         <p:spPr>
           <a:xfrm>
-            <a:off x="4675051" y="294952"/>
-            <a:ext cx="2496216" cy="612648"/>
+            <a:off x="4675051" y="198911"/>
+            <a:ext cx="2809482" cy="904485"/>
           </a:xfrm>
           <a:prstGeom prst="wedgeRoundRectCallout">
             <a:avLst>
-              <a:gd name="adj1" fmla="val -55231"/>
-              <a:gd name="adj2" fmla="val 112252"/>
+              <a:gd name="adj1" fmla="val -38656"/>
+              <a:gd name="adj2" fmla="val 125357"/>
               <a:gd name="adj3" fmla="val 16667"/>
             </a:avLst>
           </a:prstGeom>
@@ -13342,11 +13819,19 @@
             <a:pPr algn="ctr"/>
             <a:r>
               <a:rPr lang="de-DE" dirty="0" smtClean="0"/>
-              <a:t>Je ein BBB-Nutzer pro </a:t>
+              <a:t>Je ein </a:t>
             </a:r>
             <a:r>
               <a:rPr lang="de-DE" dirty="0" smtClean="0"/>
-              <a:t>Raum </a:t>
+              <a:t>„normaler“ Web-Konferenz-System</a:t>
+            </a:r>
+            <a:r>
+              <a:rPr lang="de-DE" dirty="0" smtClean="0"/>
+              <a:t>-Nutzer </a:t>
+            </a:r>
+            <a:r>
+              <a:rPr lang="de-DE" dirty="0" smtClean="0"/>
+              <a:t>pro Raum </a:t>
             </a:r>
             <a:r>
               <a:rPr lang="de-DE" dirty="0" smtClean="0">
@@ -14519,20 +15004,12 @@
               <a:buNone/>
             </a:pPr>
             <a:r>
-              <a:rPr lang="de-DE" b="1" dirty="0" err="1" smtClean="0">
-                <a:solidFill>
-                  <a:srgbClr val="E20074"/>
-                </a:solidFill>
-              </a:rPr>
-              <a:t>BigBlueButton</a:t>
-            </a:r>
-            <a:r>
               <a:rPr lang="de-DE" b="1" dirty="0" smtClean="0">
                 <a:solidFill>
                   <a:srgbClr val="E20074"/>
                 </a:solidFill>
               </a:rPr>
-              <a:t>-Schnittstelle</a:t>
+              <a:t>Schnittstelle</a:t>
             </a:r>
             <a:r>
               <a:rPr lang="de-DE" dirty="0" smtClean="0">
@@ -14612,7 +15089,190 @@
   <p:timing>
     <p:tnLst>
       <p:par>
-        <p:cTn id="1" dur="indefinite" restart="never" nodeType="tmRoot"/>
+        <p:cTn id="1" dur="indefinite" restart="never" nodeType="tmRoot">
+          <p:childTnLst>
+            <p:seq concurrent="1" nextAc="seek">
+              <p:cTn id="2" dur="indefinite" nodeType="mainSeq">
+                <p:childTnLst>
+                  <p:par>
+                    <p:cTn id="3" fill="hold">
+                      <p:stCondLst>
+                        <p:cond delay="indefinite"/>
+                      </p:stCondLst>
+                      <p:childTnLst>
+                        <p:par>
+                          <p:cTn id="4" fill="hold">
+                            <p:stCondLst>
+                              <p:cond delay="0"/>
+                            </p:stCondLst>
+                            <p:childTnLst>
+                              <p:par>
+                                <p:cTn id="5" presetID="1" presetClass="entr" presetSubtype="0" fill="hold" nodeType="clickEffect">
+                                  <p:stCondLst>
+                                    <p:cond delay="0"/>
+                                  </p:stCondLst>
+                                  <p:childTnLst>
+                                    <p:set>
+                                      <p:cBhvr>
+                                        <p:cTn id="6" dur="1" fill="hold">
+                                          <p:stCondLst>
+                                            <p:cond delay="0"/>
+                                          </p:stCondLst>
+                                        </p:cTn>
+                                        <p:tgtEl>
+                                          <p:spTgt spid="3">
+                                            <p:txEl>
+                                              <p:pRg st="3" end="3"/>
+                                            </p:txEl>
+                                          </p:spTgt>
+                                        </p:tgtEl>
+                                        <p:attrNameLst>
+                                          <p:attrName>style.visibility</p:attrName>
+                                        </p:attrNameLst>
+                                      </p:cBhvr>
+                                      <p:to>
+                                        <p:strVal val="visible"/>
+                                      </p:to>
+                                    </p:set>
+                                  </p:childTnLst>
+                                </p:cTn>
+                              </p:par>
+                              <p:par>
+                                <p:cTn id="7" presetID="1" presetClass="entr" presetSubtype="0" fill="hold" nodeType="withEffect">
+                                  <p:stCondLst>
+                                    <p:cond delay="0"/>
+                                  </p:stCondLst>
+                                  <p:childTnLst>
+                                    <p:set>
+                                      <p:cBhvr>
+                                        <p:cTn id="8" dur="1" fill="hold">
+                                          <p:stCondLst>
+                                            <p:cond delay="0"/>
+                                          </p:stCondLst>
+                                        </p:cTn>
+                                        <p:tgtEl>
+                                          <p:spTgt spid="3">
+                                            <p:txEl>
+                                              <p:pRg st="4" end="4"/>
+                                            </p:txEl>
+                                          </p:spTgt>
+                                        </p:tgtEl>
+                                        <p:attrNameLst>
+                                          <p:attrName>style.visibility</p:attrName>
+                                        </p:attrNameLst>
+                                      </p:cBhvr>
+                                      <p:to>
+                                        <p:strVal val="visible"/>
+                                      </p:to>
+                                    </p:set>
+                                  </p:childTnLst>
+                                </p:cTn>
+                              </p:par>
+                            </p:childTnLst>
+                          </p:cTn>
+                        </p:par>
+                      </p:childTnLst>
+                    </p:cTn>
+                  </p:par>
+                  <p:par>
+                    <p:cTn id="9" fill="hold">
+                      <p:stCondLst>
+                        <p:cond delay="indefinite"/>
+                      </p:stCondLst>
+                      <p:childTnLst>
+                        <p:par>
+                          <p:cTn id="10" fill="hold">
+                            <p:stCondLst>
+                              <p:cond delay="0"/>
+                            </p:stCondLst>
+                            <p:childTnLst>
+                              <p:par>
+                                <p:cTn id="11" presetID="1" presetClass="entr" presetSubtype="0" fill="hold" nodeType="clickEffect">
+                                  <p:stCondLst>
+                                    <p:cond delay="0"/>
+                                  </p:stCondLst>
+                                  <p:childTnLst>
+                                    <p:set>
+                                      <p:cBhvr>
+                                        <p:cTn id="12" dur="1" fill="hold">
+                                          <p:stCondLst>
+                                            <p:cond delay="0"/>
+                                          </p:stCondLst>
+                                        </p:cTn>
+                                        <p:tgtEl>
+                                          <p:spTgt spid="3">
+                                            <p:txEl>
+                                              <p:pRg st="5" end="5"/>
+                                            </p:txEl>
+                                          </p:spTgt>
+                                        </p:tgtEl>
+                                        <p:attrNameLst>
+                                          <p:attrName>style.visibility</p:attrName>
+                                        </p:attrNameLst>
+                                      </p:cBhvr>
+                                      <p:to>
+                                        <p:strVal val="visible"/>
+                                      </p:to>
+                                    </p:set>
+                                  </p:childTnLst>
+                                </p:cTn>
+                              </p:par>
+                              <p:par>
+                                <p:cTn id="13" presetID="1" presetClass="entr" presetSubtype="0" fill="hold" nodeType="withEffect">
+                                  <p:stCondLst>
+                                    <p:cond delay="0"/>
+                                  </p:stCondLst>
+                                  <p:childTnLst>
+                                    <p:set>
+                                      <p:cBhvr>
+                                        <p:cTn id="14" dur="1" fill="hold">
+                                          <p:stCondLst>
+                                            <p:cond delay="0"/>
+                                          </p:stCondLst>
+                                        </p:cTn>
+                                        <p:tgtEl>
+                                          <p:spTgt spid="3">
+                                            <p:txEl>
+                                              <p:pRg st="6" end="6"/>
+                                            </p:txEl>
+                                          </p:spTgt>
+                                        </p:tgtEl>
+                                        <p:attrNameLst>
+                                          <p:attrName>style.visibility</p:attrName>
+                                        </p:attrNameLst>
+                                      </p:cBhvr>
+                                      <p:to>
+                                        <p:strVal val="visible"/>
+                                      </p:to>
+                                    </p:set>
+                                  </p:childTnLst>
+                                </p:cTn>
+                              </p:par>
+                            </p:childTnLst>
+                          </p:cTn>
+                        </p:par>
+                      </p:childTnLst>
+                    </p:cTn>
+                  </p:par>
+                </p:childTnLst>
+              </p:cTn>
+              <p:prevCondLst>
+                <p:cond evt="onPrev" delay="0">
+                  <p:tgtEl>
+                    <p:sldTgt/>
+                  </p:tgtEl>
+                </p:cond>
+              </p:prevCondLst>
+              <p:nextCondLst>
+                <p:cond evt="onNext" delay="0">
+                  <p:tgtEl>
+                    <p:sldTgt/>
+                  </p:tgtEl>
+                </p:cond>
+              </p:nextCondLst>
+            </p:seq>
+          </p:childTnLst>
+        </p:cTn>
       </p:par>
     </p:tnLst>
   </p:timing>
@@ -14720,11 +15380,7 @@
             <a:pPr lvl="1"/>
             <a:r>
               <a:rPr lang="de-DE" dirty="0" smtClean="0"/>
-              <a:t>Folien, </a:t>
-            </a:r>
-            <a:r>
-              <a:rPr lang="de-DE" dirty="0" smtClean="0"/>
-              <a:t>Whiteboard</a:t>
+              <a:t>Folien, Whiteboard</a:t>
             </a:r>
           </a:p>
           <a:p>
@@ -14733,7 +15389,6 @@
               <a:rPr lang="de-DE" dirty="0" smtClean="0"/>
               <a:t>Screen-Sharing</a:t>
             </a:r>
-            <a:endParaRPr lang="de-DE" dirty="0" smtClean="0"/>
           </a:p>
           <a:p>
             <a:pPr lvl="1"/>
@@ -16249,6 +16904,66 @@
           <a:p>
             <a:pPr algn="ctr"/>
             <a:endParaRPr lang="de-DE"/>
+          </a:p>
+        </p:txBody>
+      </p:sp>
+      <p:sp>
+        <p:nvSpPr>
+          <p:cNvPr id="3" name="Textfeld 2"/>
+          <p:cNvSpPr txBox="1"/>
+          <p:nvPr/>
+        </p:nvSpPr>
+        <p:spPr>
+          <a:xfrm>
+            <a:off x="4600287" y="3580214"/>
+            <a:ext cx="639919" cy="369332"/>
+          </a:xfrm>
+          <a:prstGeom prst="rect">
+            <a:avLst/>
+          </a:prstGeom>
+          <a:noFill/>
+        </p:spPr>
+        <p:txBody>
+          <a:bodyPr wrap="none" rtlCol="0">
+            <a:spAutoFit/>
+          </a:bodyPr>
+          <a:lstStyle/>
+          <a:p>
+            <a:r>
+              <a:rPr lang="de-DE" dirty="0" smtClean="0"/>
+              <a:t>push</a:t>
+            </a:r>
+            <a:endParaRPr lang="de-DE" dirty="0"/>
+          </a:p>
+        </p:txBody>
+      </p:sp>
+      <p:sp>
+        <p:nvSpPr>
+          <p:cNvPr id="30" name="Textfeld 29"/>
+          <p:cNvSpPr txBox="1"/>
+          <p:nvPr/>
+        </p:nvSpPr>
+        <p:spPr>
+          <a:xfrm>
+            <a:off x="1150992" y="3580214"/>
+            <a:ext cx="534121" cy="369332"/>
+          </a:xfrm>
+          <a:prstGeom prst="rect">
+            <a:avLst/>
+          </a:prstGeom>
+          <a:noFill/>
+        </p:spPr>
+        <p:txBody>
+          <a:bodyPr wrap="none" rtlCol="0">
+            <a:spAutoFit/>
+          </a:bodyPr>
+          <a:lstStyle/>
+          <a:p>
+            <a:r>
+              <a:rPr lang="de-DE" dirty="0" smtClean="0"/>
+              <a:t>pull</a:t>
+            </a:r>
+            <a:endParaRPr lang="de-DE" dirty="0"/>
           </a:p>
         </p:txBody>
       </p:sp>
@@ -16648,6 +17363,96 @@
                       </p:childTnLst>
                     </p:cTn>
                   </p:par>
+                  <p:par>
+                    <p:cTn id="33" fill="hold">
+                      <p:stCondLst>
+                        <p:cond delay="indefinite"/>
+                      </p:stCondLst>
+                      <p:childTnLst>
+                        <p:par>
+                          <p:cTn id="34" fill="hold">
+                            <p:stCondLst>
+                              <p:cond delay="0"/>
+                            </p:stCondLst>
+                            <p:childTnLst>
+                              <p:par>
+                                <p:cTn id="35" presetID="1" presetClass="entr" presetSubtype="0" fill="hold" grpId="0" nodeType="clickEffect">
+                                  <p:stCondLst>
+                                    <p:cond delay="0"/>
+                                  </p:stCondLst>
+                                  <p:childTnLst>
+                                    <p:set>
+                                      <p:cBhvr>
+                                        <p:cTn id="36" dur="1" fill="hold">
+                                          <p:stCondLst>
+                                            <p:cond delay="0"/>
+                                          </p:stCondLst>
+                                        </p:cTn>
+                                        <p:tgtEl>
+                                          <p:spTgt spid="3"/>
+                                        </p:tgtEl>
+                                        <p:attrNameLst>
+                                          <p:attrName>style.visibility</p:attrName>
+                                        </p:attrNameLst>
+                                      </p:cBhvr>
+                                      <p:to>
+                                        <p:strVal val="visible"/>
+                                      </p:to>
+                                    </p:set>
+                                  </p:childTnLst>
+                                </p:cTn>
+                              </p:par>
+                            </p:childTnLst>
+                          </p:cTn>
+                        </p:par>
+                      </p:childTnLst>
+                    </p:cTn>
+                  </p:par>
+                  <p:par>
+                    <p:cTn id="37" fill="hold">
+                      <p:stCondLst>
+                        <p:cond delay="indefinite"/>
+                      </p:stCondLst>
+                      <p:childTnLst>
+                        <p:par>
+                          <p:cTn id="38" fill="hold">
+                            <p:stCondLst>
+                              <p:cond delay="0"/>
+                            </p:stCondLst>
+                            <p:childTnLst>
+                              <p:par>
+                                <p:cTn id="39" presetID="1" presetClass="entr" presetSubtype="0" fill="hold" grpId="0" nodeType="clickEffect">
+                                  <p:stCondLst>
+                                    <p:cond delay="0"/>
+                                  </p:stCondLst>
+                                  <p:childTnLst>
+                                    <p:set>
+                                      <p:cBhvr>
+                                        <p:cTn id="40" dur="1" fill="hold">
+                                          <p:stCondLst>
+                                            <p:cond delay="0"/>
+                                          </p:stCondLst>
+                                        </p:cTn>
+                                        <p:tgtEl>
+                                          <p:spTgt spid="30"/>
+                                        </p:tgtEl>
+                                        <p:attrNameLst>
+                                          <p:attrName>style.visibility</p:attrName>
+                                        </p:attrNameLst>
+                                      </p:cBhvr>
+                                      <p:to>
+                                        <p:strVal val="visible"/>
+                                      </p:to>
+                                    </p:set>
+                                  </p:childTnLst>
+                                </p:cTn>
+                              </p:par>
+                            </p:childTnLst>
+                          </p:cTn>
+                        </p:par>
+                      </p:childTnLst>
+                    </p:cTn>
+                  </p:par>
                 </p:childTnLst>
               </p:cTn>
               <p:prevCondLst>
@@ -16677,6 +17482,8 @@
       <p:bldP spid="23" grpId="0"/>
       <p:bldP spid="24" grpId="0"/>
       <p:bldP spid="25" grpId="0" animBg="1"/>
+      <p:bldP spid="3" grpId="0"/>
+      <p:bldP spid="30" grpId="0"/>
     </p:bldLst>
   </p:timing>
 </p:sld>
@@ -16716,15 +17523,7 @@
           <a:p>
             <a:r>
               <a:rPr lang="de-DE" dirty="0" smtClean="0"/>
-              <a:t>DIAL: </a:t>
-            </a:r>
-            <a:r>
-              <a:rPr lang="de-DE" dirty="0" smtClean="0"/>
-              <a:t>Web-App </a:t>
-            </a:r>
-            <a:r>
-              <a:rPr lang="de-DE" dirty="0" smtClean="0"/>
-              <a:t>(Screenshots)</a:t>
+              <a:t>DIAL: Web-App (Screenshots)</a:t>
             </a:r>
             <a:endParaRPr lang="de-DE" dirty="0"/>
           </a:p>
